--- a/Lab4/Test Cases & Results/Control Flow Graph.pptx
+++ b/Lab4/Test Cases & Results/Control Flow Graph.pptx
@@ -5,8 +5,8 @@
     <p:sldMasterId id="2147483660" r:id="rId1"/>
   </p:sldMasterIdLst>
   <p:sldIdLst>
-    <p:sldId id="262" r:id="rId2"/>
-    <p:sldId id="261" r:id="rId3"/>
+    <p:sldId id="263" r:id="rId2"/>
+    <p:sldId id="264" r:id="rId3"/>
   </p:sldIdLst>
   <p:sldSz cx="9144000" cy="6858000" type="screen4x3"/>
   <p:notesSz cx="6858000" cy="9144000"/>
@@ -244,7 +244,7 @@
           <a:p>
             <a:fld id="{A22C5E2F-99CC-4FD1-8047-5D9C01D4EE9D}" type="datetimeFigureOut">
               <a:rPr lang="en-SG" smtClean="0"/>
-              <a:t>1/11/2019</a:t>
+              <a:t>9/11/2019</a:t>
             </a:fld>
             <a:endParaRPr lang="en-SG"/>
           </a:p>
@@ -414,7 +414,7 @@
           <a:p>
             <a:fld id="{A22C5E2F-99CC-4FD1-8047-5D9C01D4EE9D}" type="datetimeFigureOut">
               <a:rPr lang="en-SG" smtClean="0"/>
-              <a:t>1/11/2019</a:t>
+              <a:t>9/11/2019</a:t>
             </a:fld>
             <a:endParaRPr lang="en-SG"/>
           </a:p>
@@ -594,7 +594,7 @@
           <a:p>
             <a:fld id="{A22C5E2F-99CC-4FD1-8047-5D9C01D4EE9D}" type="datetimeFigureOut">
               <a:rPr lang="en-SG" smtClean="0"/>
-              <a:t>1/11/2019</a:t>
+              <a:t>9/11/2019</a:t>
             </a:fld>
             <a:endParaRPr lang="en-SG"/>
           </a:p>
@@ -764,7 +764,7 @@
           <a:p>
             <a:fld id="{A22C5E2F-99CC-4FD1-8047-5D9C01D4EE9D}" type="datetimeFigureOut">
               <a:rPr lang="en-SG" smtClean="0"/>
-              <a:t>1/11/2019</a:t>
+              <a:t>9/11/2019</a:t>
             </a:fld>
             <a:endParaRPr lang="en-SG"/>
           </a:p>
@@ -1008,7 +1008,7 @@
           <a:p>
             <a:fld id="{A22C5E2F-99CC-4FD1-8047-5D9C01D4EE9D}" type="datetimeFigureOut">
               <a:rPr lang="en-SG" smtClean="0"/>
-              <a:t>1/11/2019</a:t>
+              <a:t>9/11/2019</a:t>
             </a:fld>
             <a:endParaRPr lang="en-SG"/>
           </a:p>
@@ -1240,7 +1240,7 @@
           <a:p>
             <a:fld id="{A22C5E2F-99CC-4FD1-8047-5D9C01D4EE9D}" type="datetimeFigureOut">
               <a:rPr lang="en-SG" smtClean="0"/>
-              <a:t>1/11/2019</a:t>
+              <a:t>9/11/2019</a:t>
             </a:fld>
             <a:endParaRPr lang="en-SG"/>
           </a:p>
@@ -1607,7 +1607,7 @@
           <a:p>
             <a:fld id="{A22C5E2F-99CC-4FD1-8047-5D9C01D4EE9D}" type="datetimeFigureOut">
               <a:rPr lang="en-SG" smtClean="0"/>
-              <a:t>1/11/2019</a:t>
+              <a:t>9/11/2019</a:t>
             </a:fld>
             <a:endParaRPr lang="en-SG"/>
           </a:p>
@@ -1725,7 +1725,7 @@
           <a:p>
             <a:fld id="{A22C5E2F-99CC-4FD1-8047-5D9C01D4EE9D}" type="datetimeFigureOut">
               <a:rPr lang="en-SG" smtClean="0"/>
-              <a:t>1/11/2019</a:t>
+              <a:t>9/11/2019</a:t>
             </a:fld>
             <a:endParaRPr lang="en-SG"/>
           </a:p>
@@ -1820,7 +1820,7 @@
           <a:p>
             <a:fld id="{A22C5E2F-99CC-4FD1-8047-5D9C01D4EE9D}" type="datetimeFigureOut">
               <a:rPr lang="en-SG" smtClean="0"/>
-              <a:t>1/11/2019</a:t>
+              <a:t>9/11/2019</a:t>
             </a:fld>
             <a:endParaRPr lang="en-SG"/>
           </a:p>
@@ -2097,7 +2097,7 @@
           <a:p>
             <a:fld id="{A22C5E2F-99CC-4FD1-8047-5D9C01D4EE9D}" type="datetimeFigureOut">
               <a:rPr lang="en-SG" smtClean="0"/>
-              <a:t>1/11/2019</a:t>
+              <a:t>9/11/2019</a:t>
             </a:fld>
             <a:endParaRPr lang="en-SG"/>
           </a:p>
@@ -2354,7 +2354,7 @@
           <a:p>
             <a:fld id="{A22C5E2F-99CC-4FD1-8047-5D9C01D4EE9D}" type="datetimeFigureOut">
               <a:rPr lang="en-SG" smtClean="0"/>
-              <a:t>1/11/2019</a:t>
+              <a:t>9/11/2019</a:t>
             </a:fld>
             <a:endParaRPr lang="en-SG"/>
           </a:p>
@@ -2567,7 +2567,7 @@
           <a:p>
             <a:fld id="{A22C5E2F-99CC-4FD1-8047-5D9C01D4EE9D}" type="datetimeFigureOut">
               <a:rPr lang="en-SG" smtClean="0"/>
-              <a:t>1/11/2019</a:t>
+              <a:t>9/11/2019</a:t>
             </a:fld>
             <a:endParaRPr lang="en-SG"/>
           </a:p>
@@ -2974,10 +2974,10 @@
       </p:grpSpPr>
       <p:sp>
         <p:nvSpPr>
-          <p:cNvPr id="65" name="Rectangle 64">
-            <a:extLst>
-              <a:ext uri="{FF2B5EF4-FFF2-40B4-BE49-F238E27FC236}">
-                <a16:creationId xmlns:a16="http://schemas.microsoft.com/office/drawing/2014/main" id="{A8F93938-3090-4635-87A1-0081C909BA09}"/>
+          <p:cNvPr id="4" name="Rectangle 3">
+            <a:extLst>
+              <a:ext uri="{FF2B5EF4-FFF2-40B4-BE49-F238E27FC236}">
+                <a16:creationId xmlns:a16="http://schemas.microsoft.com/office/drawing/2014/main" id="{90004C61-8882-4C9A-88FF-FD271963B701}"/>
               </a:ext>
             </a:extLst>
           </p:cNvPr>
@@ -2986,8 +2986,8 @@
         </p:nvSpPr>
         <p:spPr>
           <a:xfrm>
-            <a:off x="5500656" y="1404196"/>
-            <a:ext cx="3095574" cy="403996"/>
+            <a:off x="613175" y="5231867"/>
+            <a:ext cx="2017069" cy="388028"/>
           </a:xfrm>
           <a:prstGeom prst="rect">
             <a:avLst/>
@@ -3023,22 +3023,80 @@
           <a:p>
             <a:pPr algn="ctr"/>
             <a:r>
-              <a:rPr lang="en-SG" sz="1400" dirty="0">
+              <a:rPr lang="en-SG" sz="1400" b="1" dirty="0">
                 <a:solidFill>
                   <a:schemeClr val="tx1"/>
                 </a:solidFill>
               </a:rPr>
-              <a:t>Print “Please login to leave a review”</a:t>
-            </a:r>
-          </a:p>
-        </p:txBody>
-      </p:sp>
-      <p:sp>
-        <p:nvSpPr>
-          <p:cNvPr id="4" name="Rectangle 3">
-            <a:extLst>
-              <a:ext uri="{FF2B5EF4-FFF2-40B4-BE49-F238E27FC236}">
-                <a16:creationId xmlns:a16="http://schemas.microsoft.com/office/drawing/2014/main" id="{90004C61-8882-4C9A-88FF-FD271963B701}"/>
+              <a:t>Average = Rating / Size</a:t>
+            </a:r>
+          </a:p>
+        </p:txBody>
+      </p:sp>
+      <p:sp>
+        <p:nvSpPr>
+          <p:cNvPr id="2" name="TextBox 1">
+            <a:extLst>
+              <a:ext uri="{FF2B5EF4-FFF2-40B4-BE49-F238E27FC236}">
+                <a16:creationId xmlns:a16="http://schemas.microsoft.com/office/drawing/2014/main" id="{2F689EB9-D61C-453C-8C75-F9606476E2C7}"/>
+              </a:ext>
+            </a:extLst>
+          </p:cNvPr>
+          <p:cNvSpPr txBox="1"/>
+          <p:nvPr/>
+        </p:nvSpPr>
+        <p:spPr>
+          <a:xfrm>
+            <a:off x="220368" y="108608"/>
+            <a:ext cx="5581080" cy="923330"/>
+          </a:xfrm>
+          <a:prstGeom prst="rect">
+            <a:avLst/>
+          </a:prstGeom>
+          <a:noFill/>
+        </p:spPr>
+        <p:txBody>
+          <a:bodyPr wrap="none" rtlCol="0">
+            <a:spAutoFit/>
+          </a:bodyPr>
+          <a:lstStyle/>
+          <a:p>
+            <a:r>
+              <a:rPr lang="en-SG" b="1" u="sng" dirty="0"/>
+              <a:t>Give Clinic Review</a:t>
+            </a:r>
+          </a:p>
+          <a:p>
+            <a:endParaRPr lang="en-SG" b="1" u="sng" dirty="0"/>
+          </a:p>
+          <a:p>
+            <a:r>
+              <a:rPr lang="en-SG" b="1" dirty="0" err="1"/>
+              <a:t>GetAvgRatingForClinic</a:t>
+            </a:r>
+            <a:r>
+              <a:rPr lang="en-SG" b="1" dirty="0"/>
+              <a:t>() </a:t>
+            </a:r>
+            <a:r>
+              <a:rPr lang="en-SG" b="1" dirty="0">
+                <a:sym typeface="Wingdings" panose="05000000000000000000" pitchFamily="2" charset="2"/>
+              </a:rPr>
+              <a:t> </a:t>
+            </a:r>
+            <a:r>
+              <a:rPr lang="en-SG" b="1" dirty="0"/>
+              <a:t>Give Average Rating for Clinic</a:t>
+            </a:r>
+          </a:p>
+        </p:txBody>
+      </p:sp>
+      <p:sp>
+        <p:nvSpPr>
+          <p:cNvPr id="8" name="Rectangle 7">
+            <a:extLst>
+              <a:ext uri="{FF2B5EF4-FFF2-40B4-BE49-F238E27FC236}">
+                <a16:creationId xmlns:a16="http://schemas.microsoft.com/office/drawing/2014/main" id="{0A6967D2-149B-4FFA-AF4B-2EE81CC78096}"/>
               </a:ext>
             </a:extLst>
           </p:cNvPr>
@@ -3047,8 +3105,8 @@
         </p:nvSpPr>
         <p:spPr>
           <a:xfrm>
-            <a:off x="4425372" y="3451490"/>
-            <a:ext cx="912619" cy="563147"/>
+            <a:off x="613175" y="6141690"/>
+            <a:ext cx="2017069" cy="388028"/>
           </a:xfrm>
           <a:prstGeom prst="rect">
             <a:avLst/>
@@ -3084,22 +3142,22 @@
           <a:p>
             <a:pPr algn="ctr"/>
             <a:r>
-              <a:rPr lang="en-SG" sz="1400" dirty="0">
+              <a:rPr lang="en-SG" sz="1400" b="1" dirty="0">
                 <a:solidFill>
                   <a:schemeClr val="tx1"/>
                 </a:solidFill>
               </a:rPr>
-              <a:t>Input Password</a:t>
-            </a:r>
-          </a:p>
-        </p:txBody>
-      </p:sp>
-      <p:sp>
-        <p:nvSpPr>
-          <p:cNvPr id="5" name="Diamond 4">
-            <a:extLst>
-              <a:ext uri="{FF2B5EF4-FFF2-40B4-BE49-F238E27FC236}">
-                <a16:creationId xmlns:a16="http://schemas.microsoft.com/office/drawing/2014/main" id="{E6DE4AA6-F1D9-46B2-9A48-BB8734AAF5B7}"/>
+              <a:t>Return</a:t>
+            </a:r>
+          </a:p>
+        </p:txBody>
+      </p:sp>
+      <p:sp>
+        <p:nvSpPr>
+          <p:cNvPr id="12" name="Rectangle 11">
+            <a:extLst>
+              <a:ext uri="{FF2B5EF4-FFF2-40B4-BE49-F238E27FC236}">
+                <a16:creationId xmlns:a16="http://schemas.microsoft.com/office/drawing/2014/main" id="{B2759F3E-FFF6-4CBC-BD13-AAFCE5BDBA5F}"/>
               </a:ext>
             </a:extLst>
           </p:cNvPr>
@@ -3108,10 +3166,10 @@
         </p:nvSpPr>
         <p:spPr>
           <a:xfrm>
-            <a:off x="1605855" y="3420793"/>
-            <a:ext cx="2302746" cy="694225"/>
-          </a:xfrm>
-          <a:prstGeom prst="diamond">
+            <a:off x="648909" y="1249812"/>
+            <a:ext cx="2017069" cy="388028"/>
+          </a:xfrm>
+          <a:prstGeom prst="rect">
             <a:avLst/>
           </a:prstGeom>
           <a:solidFill>
@@ -3150,93 +3208,17 @@
                   <a:schemeClr val="tx1"/>
                 </a:solidFill>
               </a:rPr>
-              <a:t>While (key != password)</a:t>
-            </a:r>
-          </a:p>
-        </p:txBody>
-      </p:sp>
-      <p:cxnSp>
-        <p:nvCxnSpPr>
-          <p:cNvPr id="7" name="Straight Arrow Connector 6">
-            <a:extLst>
-              <a:ext uri="{FF2B5EF4-FFF2-40B4-BE49-F238E27FC236}">
-                <a16:creationId xmlns:a16="http://schemas.microsoft.com/office/drawing/2014/main" id="{CA74747D-C739-4FBD-AF0D-38738DEA440B}"/>
-              </a:ext>
-            </a:extLst>
-          </p:cNvPr>
-          <p:cNvCxnSpPr>
-            <a:cxnSpLocks/>
-          </p:cNvCxnSpPr>
-          <p:nvPr/>
-        </p:nvCxnSpPr>
-        <p:spPr>
-          <a:xfrm flipV="1">
-            <a:off x="2660530" y="773505"/>
-            <a:ext cx="796649" cy="11092"/>
-          </a:xfrm>
-          <a:prstGeom prst="straightConnector1">
-            <a:avLst/>
-          </a:prstGeom>
-          <a:ln>
-            <a:tailEnd type="triangle"/>
-          </a:ln>
-        </p:spPr>
-        <p:style>
-          <a:lnRef idx="1">
-            <a:schemeClr val="accent1"/>
-          </a:lnRef>
-          <a:fillRef idx="0">
-            <a:schemeClr val="accent1"/>
-          </a:fillRef>
-          <a:effectRef idx="0">
-            <a:schemeClr val="accent1"/>
-          </a:effectRef>
-          <a:fontRef idx="minor">
-            <a:schemeClr val="tx1"/>
-          </a:fontRef>
-        </p:style>
-      </p:cxnSp>
-      <p:sp>
-        <p:nvSpPr>
-          <p:cNvPr id="2" name="TextBox 1">
-            <a:extLst>
-              <a:ext uri="{FF2B5EF4-FFF2-40B4-BE49-F238E27FC236}">
-                <a16:creationId xmlns:a16="http://schemas.microsoft.com/office/drawing/2014/main" id="{2F689EB9-D61C-453C-8C75-F9606476E2C7}"/>
-              </a:ext>
-            </a:extLst>
-          </p:cNvPr>
-          <p:cNvSpPr txBox="1"/>
-          <p:nvPr/>
-        </p:nvSpPr>
-        <p:spPr>
-          <a:xfrm>
-            <a:off x="220368" y="108608"/>
-            <a:ext cx="1749197" cy="369332"/>
-          </a:xfrm>
-          <a:prstGeom prst="rect">
-            <a:avLst/>
-          </a:prstGeom>
-          <a:noFill/>
-        </p:spPr>
-        <p:txBody>
-          <a:bodyPr wrap="none" rtlCol="0">
-            <a:spAutoFit/>
-          </a:bodyPr>
-          <a:lstStyle/>
-          <a:p>
-            <a:r>
-              <a:rPr lang="en-SG" b="1" dirty="0"/>
-              <a:t>Sign In / Sign Up</a:t>
-            </a:r>
-          </a:p>
-        </p:txBody>
-      </p:sp>
-      <p:sp>
-        <p:nvSpPr>
-          <p:cNvPr id="8" name="Rectangle 7">
-            <a:extLst>
-              <a:ext uri="{FF2B5EF4-FFF2-40B4-BE49-F238E27FC236}">
-                <a16:creationId xmlns:a16="http://schemas.microsoft.com/office/drawing/2014/main" id="{0A6967D2-149B-4FFA-AF4B-2EE81CC78096}"/>
+              <a:t>Get Clinic Code</a:t>
+            </a:r>
+          </a:p>
+        </p:txBody>
+      </p:sp>
+      <p:sp>
+        <p:nvSpPr>
+          <p:cNvPr id="24" name="Rectangle 23">
+            <a:extLst>
+              <a:ext uri="{FF2B5EF4-FFF2-40B4-BE49-F238E27FC236}">
+                <a16:creationId xmlns:a16="http://schemas.microsoft.com/office/drawing/2014/main" id="{962B327E-AFA8-4691-8BDE-080C1490A6B1}"/>
               </a:ext>
             </a:extLst>
           </p:cNvPr>
@@ -3245,8 +3227,8 @@
         </p:nvSpPr>
         <p:spPr>
           <a:xfrm>
-            <a:off x="186385" y="6121842"/>
-            <a:ext cx="2017069" cy="388028"/>
+            <a:off x="7954727" y="3861312"/>
+            <a:ext cx="1096010" cy="521794"/>
           </a:xfrm>
           <a:prstGeom prst="rect">
             <a:avLst/>
@@ -3287,17 +3269,55 @@
                   <a:schemeClr val="tx1"/>
                 </a:solidFill>
               </a:rPr>
-              <a:t>Profile Page</a:t>
-            </a:r>
-          </a:p>
-        </p:txBody>
-      </p:sp>
-      <p:sp>
-        <p:nvSpPr>
-          <p:cNvPr id="12" name="Rectangle 11">
-            <a:extLst>
-              <a:ext uri="{FF2B5EF4-FFF2-40B4-BE49-F238E27FC236}">
-                <a16:creationId xmlns:a16="http://schemas.microsoft.com/office/drawing/2014/main" id="{B2759F3E-FFF6-4CBC-BD13-AAFCE5BDBA5F}"/>
+              <a:t>i++</a:t>
+            </a:r>
+          </a:p>
+        </p:txBody>
+      </p:sp>
+      <p:cxnSp>
+        <p:nvCxnSpPr>
+          <p:cNvPr id="33" name="Straight Connector 32">
+            <a:extLst>
+              <a:ext uri="{FF2B5EF4-FFF2-40B4-BE49-F238E27FC236}">
+                <a16:creationId xmlns:a16="http://schemas.microsoft.com/office/drawing/2014/main" id="{CEA5161B-37FF-40E4-8FA8-E2CDD8041AF7}"/>
+              </a:ext>
+            </a:extLst>
+          </p:cNvPr>
+          <p:cNvCxnSpPr>
+            <a:cxnSpLocks/>
+          </p:cNvCxnSpPr>
+          <p:nvPr/>
+        </p:nvCxnSpPr>
+        <p:spPr>
+          <a:xfrm>
+            <a:off x="3060100" y="3631897"/>
+            <a:ext cx="611383" cy="0"/>
+          </a:xfrm>
+          <a:prstGeom prst="line">
+            <a:avLst/>
+          </a:prstGeom>
+        </p:spPr>
+        <p:style>
+          <a:lnRef idx="1">
+            <a:schemeClr val="dk1"/>
+          </a:lnRef>
+          <a:fillRef idx="0">
+            <a:schemeClr val="dk1"/>
+          </a:fillRef>
+          <a:effectRef idx="0">
+            <a:schemeClr val="dk1"/>
+          </a:effectRef>
+          <a:fontRef idx="minor">
+            <a:schemeClr val="tx1"/>
+          </a:fontRef>
+        </p:style>
+      </p:cxnSp>
+      <p:sp>
+        <p:nvSpPr>
+          <p:cNvPr id="42" name="Diamond 41">
+            <a:extLst>
+              <a:ext uri="{FF2B5EF4-FFF2-40B4-BE49-F238E27FC236}">
+                <a16:creationId xmlns:a16="http://schemas.microsoft.com/office/drawing/2014/main" id="{A3B59036-1B5D-4810-A49E-9E88D4D4A931}"/>
               </a:ext>
             </a:extLst>
           </p:cNvPr>
@@ -3306,10 +3326,10 @@
         </p:nvSpPr>
         <p:spPr>
           <a:xfrm>
-            <a:off x="726125" y="579709"/>
-            <a:ext cx="2017069" cy="388028"/>
-          </a:xfrm>
-          <a:prstGeom prst="rect">
+            <a:off x="279855" y="3177082"/>
+            <a:ext cx="2755175" cy="916370"/>
+          </a:xfrm>
+          <a:prstGeom prst="diamond">
             <a:avLst/>
           </a:prstGeom>
           <a:solidFill>
@@ -3343,35 +3363,53 @@
           <a:p>
             <a:pPr algn="ctr"/>
             <a:r>
+              <a:rPr lang="en-SG" sz="1400" b="1" dirty="0" err="1">
+                <a:solidFill>
+                  <a:schemeClr val="tx1"/>
+                </a:solidFill>
+              </a:rPr>
+              <a:t>reviewAI</a:t>
+            </a:r>
+            <a:r>
               <a:rPr lang="en-SG" sz="1400" b="1" dirty="0">
                 <a:solidFill>
                   <a:schemeClr val="tx1"/>
                 </a:solidFill>
               </a:rPr>
-              <a:t>Sign In Page</a:t>
+              <a:t> != null</a:t>
+            </a:r>
+          </a:p>
+          <a:p>
+            <a:pPr algn="ctr"/>
+            <a:r>
+              <a:rPr lang="en-SG" sz="1400" b="1" dirty="0">
+                <a:solidFill>
+                  <a:schemeClr val="tx1"/>
+                </a:solidFill>
+              </a:rPr>
+              <a:t>(Is it in review page?)</a:t>
             </a:r>
           </a:p>
         </p:txBody>
       </p:sp>
       <p:cxnSp>
         <p:nvCxnSpPr>
-          <p:cNvPr id="15" name="Straight Arrow Connector 14">
-            <a:extLst>
-              <a:ext uri="{FF2B5EF4-FFF2-40B4-BE49-F238E27FC236}">
-                <a16:creationId xmlns:a16="http://schemas.microsoft.com/office/drawing/2014/main" id="{7DA807A6-24D2-4135-AA90-AB1AB7F54D41}"/>
+          <p:cNvPr id="55" name="Straight Arrow Connector 54">
+            <a:extLst>
+              <a:ext uri="{FF2B5EF4-FFF2-40B4-BE49-F238E27FC236}">
+                <a16:creationId xmlns:a16="http://schemas.microsoft.com/office/drawing/2014/main" id="{7168D8D2-6A8F-4761-A7D4-4E4BD3CD598C}"/>
               </a:ext>
             </a:extLst>
           </p:cNvPr>
           <p:cNvCxnSpPr>
             <a:cxnSpLocks/>
-            <a:stCxn id="80" idx="2"/>
           </p:cNvCxnSpPr>
           <p:nvPr/>
         </p:nvCxnSpPr>
         <p:spPr>
-          <a:xfrm flipH="1">
-            <a:off x="1130354" y="1773306"/>
-            <a:ext cx="25402" cy="4363011"/>
+          <a:xfrm>
+            <a:off x="5847316" y="2862092"/>
+            <a:ext cx="0" cy="783657"/>
           </a:xfrm>
           <a:prstGeom prst="straightConnector1">
             <a:avLst/>
@@ -3382,66 +3420,25 @@
         </p:spPr>
         <p:style>
           <a:lnRef idx="1">
-            <a:schemeClr val="accent1"/>
+            <a:schemeClr val="dk1"/>
           </a:lnRef>
           <a:fillRef idx="0">
-            <a:schemeClr val="accent1"/>
+            <a:schemeClr val="dk1"/>
           </a:fillRef>
           <a:effectRef idx="0">
-            <a:schemeClr val="accent1"/>
+            <a:schemeClr val="dk1"/>
           </a:effectRef>
           <a:fontRef idx="minor">
             <a:schemeClr val="tx1"/>
           </a:fontRef>
         </p:style>
       </p:cxnSp>
-      <p:cxnSp>
-        <p:nvCxnSpPr>
-          <p:cNvPr id="21" name="Straight Arrow Connector 20">
-            <a:extLst>
-              <a:ext uri="{FF2B5EF4-FFF2-40B4-BE49-F238E27FC236}">
-                <a16:creationId xmlns:a16="http://schemas.microsoft.com/office/drawing/2014/main" id="{A36A4B12-D752-4E78-A401-04A1B90AC285}"/>
-              </a:ext>
-            </a:extLst>
-          </p:cNvPr>
-          <p:cNvCxnSpPr>
-            <a:cxnSpLocks/>
-          </p:cNvCxnSpPr>
-          <p:nvPr/>
-        </p:nvCxnSpPr>
-        <p:spPr>
-          <a:xfrm flipH="1">
-            <a:off x="1848873" y="1573723"/>
-            <a:ext cx="585394" cy="0"/>
-          </a:xfrm>
-          <a:prstGeom prst="straightConnector1">
-            <a:avLst/>
-          </a:prstGeom>
-          <a:ln>
-            <a:tailEnd type="triangle"/>
-          </a:ln>
-        </p:spPr>
-        <p:style>
-          <a:lnRef idx="1">
-            <a:schemeClr val="accent1"/>
-          </a:lnRef>
-          <a:fillRef idx="0">
-            <a:schemeClr val="accent1"/>
-          </a:fillRef>
-          <a:effectRef idx="0">
-            <a:schemeClr val="accent1"/>
-          </a:effectRef>
-          <a:fontRef idx="minor">
-            <a:schemeClr val="tx1"/>
-          </a:fontRef>
-        </p:style>
-      </p:cxnSp>
-      <p:sp>
-        <p:nvSpPr>
-          <p:cNvPr id="24" name="Rectangle 23">
-            <a:extLst>
-              <a:ext uri="{FF2B5EF4-FFF2-40B4-BE49-F238E27FC236}">
-                <a16:creationId xmlns:a16="http://schemas.microsoft.com/office/drawing/2014/main" id="{962B327E-AFA8-4691-8BDE-080C1490A6B1}"/>
+      <p:sp>
+        <p:nvSpPr>
+          <p:cNvPr id="68" name="Diamond 67">
+            <a:extLst>
+              <a:ext uri="{FF2B5EF4-FFF2-40B4-BE49-F238E27FC236}">
+                <a16:creationId xmlns:a16="http://schemas.microsoft.com/office/drawing/2014/main" id="{160F875E-EDB7-4A06-98F1-B6552B102D5C}"/>
               </a:ext>
             </a:extLst>
           </p:cNvPr>
@@ -3450,10 +3447,10 @@
         </p:nvSpPr>
         <p:spPr>
           <a:xfrm>
-            <a:off x="2434267" y="1379709"/>
-            <a:ext cx="2028508" cy="388028"/>
-          </a:xfrm>
-          <a:prstGeom prst="rect">
+            <a:off x="4384001" y="2066839"/>
+            <a:ext cx="2926630" cy="795253"/>
+          </a:xfrm>
+          <a:prstGeom prst="diamond">
             <a:avLst/>
           </a:prstGeom>
           <a:solidFill>
@@ -3487,60 +3484,49 @@
           <a:p>
             <a:pPr algn="ctr"/>
             <a:r>
-              <a:rPr lang="en-SG" sz="1400" dirty="0">
+              <a:rPr lang="en-SG" sz="1400" b="1" dirty="0">
                 <a:solidFill>
                   <a:schemeClr val="tx1"/>
                 </a:solidFill>
               </a:rPr>
-              <a:t>Google Log In &amp; Register</a:t>
-            </a:r>
-          </a:p>
-        </p:txBody>
-      </p:sp>
-      <p:cxnSp>
-        <p:nvCxnSpPr>
-          <p:cNvPr id="32" name="Straight Connector 31">
-            <a:extLst>
-              <a:ext uri="{FF2B5EF4-FFF2-40B4-BE49-F238E27FC236}">
-                <a16:creationId xmlns:a16="http://schemas.microsoft.com/office/drawing/2014/main" id="{5AE6988D-A350-4D5D-AE34-9503ADFF038F}"/>
-              </a:ext>
-            </a:extLst>
-          </p:cNvPr>
-          <p:cNvCxnSpPr>
-            <a:cxnSpLocks/>
-          </p:cNvCxnSpPr>
-          <p:nvPr/>
-        </p:nvCxnSpPr>
-        <p:spPr>
-          <a:xfrm flipH="1">
-            <a:off x="4288334" y="2690193"/>
-            <a:ext cx="602761" cy="0"/>
-          </a:xfrm>
-          <a:prstGeom prst="line">
-            <a:avLst/>
-          </a:prstGeom>
-        </p:spPr>
-        <p:style>
-          <a:lnRef idx="1">
-            <a:schemeClr val="accent1"/>
-          </a:lnRef>
-          <a:fillRef idx="0">
-            <a:schemeClr val="accent1"/>
-          </a:fillRef>
-          <a:effectRef idx="0">
-            <a:schemeClr val="accent1"/>
-          </a:effectRef>
-          <a:fontRef idx="minor">
-            <a:schemeClr val="tx1"/>
-          </a:fontRef>
-        </p:style>
-      </p:cxnSp>
-      <p:sp>
-        <p:nvSpPr>
-          <p:cNvPr id="41" name="Rectangle 40">
-            <a:extLst>
-              <a:ext uri="{FF2B5EF4-FFF2-40B4-BE49-F238E27FC236}">
-                <a16:creationId xmlns:a16="http://schemas.microsoft.com/office/drawing/2014/main" id="{0AFE8B14-6E68-4935-9415-14D5835FEF2B}"/>
+              <a:t>While </a:t>
+            </a:r>
+          </a:p>
+          <a:p>
+            <a:pPr algn="ctr"/>
+            <a:r>
+              <a:rPr lang="en-SG" sz="1400" b="1" dirty="0">
+                <a:solidFill>
+                  <a:schemeClr val="tx1"/>
+                </a:solidFill>
+              </a:rPr>
+              <a:t>i &lt; </a:t>
+            </a:r>
+            <a:r>
+              <a:rPr lang="en-SG" sz="1400" b="1" dirty="0" err="1">
+                <a:solidFill>
+                  <a:schemeClr val="tx1"/>
+                </a:solidFill>
+              </a:rPr>
+              <a:t>Review.size</a:t>
+            </a:r>
+            <a:r>
+              <a:rPr lang="en-SG" sz="1400" b="1" dirty="0">
+                <a:solidFill>
+                  <a:schemeClr val="tx1"/>
+                </a:solidFill>
+              </a:rPr>
+              <a:t>() </a:t>
+            </a:r>
+          </a:p>
+        </p:txBody>
+      </p:sp>
+      <p:sp>
+        <p:nvSpPr>
+          <p:cNvPr id="69" name="Rectangle 68">
+            <a:extLst>
+              <a:ext uri="{FF2B5EF4-FFF2-40B4-BE49-F238E27FC236}">
+                <a16:creationId xmlns:a16="http://schemas.microsoft.com/office/drawing/2014/main" id="{4E611924-0FEC-4D4F-BD27-13E3D88E8A47}"/>
               </a:ext>
             </a:extLst>
           </p:cNvPr>
@@ -3549,8 +3535,8 @@
         </p:nvSpPr>
         <p:spPr>
           <a:xfrm>
-            <a:off x="6259528" y="2677184"/>
-            <a:ext cx="1752744" cy="349188"/>
+            <a:off x="4962893" y="5462513"/>
+            <a:ext cx="1723006" cy="642627"/>
           </a:xfrm>
           <a:prstGeom prst="rect">
             <a:avLst/>
@@ -3586,22 +3572,79 @@
           <a:p>
             <a:pPr algn="ctr"/>
             <a:r>
-              <a:rPr lang="en-SG" sz="1400" dirty="0">
+              <a:rPr lang="en-SG" sz="1400" b="1" dirty="0">
                 <a:solidFill>
                   <a:schemeClr val="tx1"/>
                 </a:solidFill>
               </a:rPr>
-              <a:t>Validate Email</a:t>
-            </a:r>
-          </a:p>
-        </p:txBody>
-      </p:sp>
-      <p:sp>
-        <p:nvSpPr>
-          <p:cNvPr id="42" name="Diamond 41">
-            <a:extLst>
-              <a:ext uri="{FF2B5EF4-FFF2-40B4-BE49-F238E27FC236}">
-                <a16:creationId xmlns:a16="http://schemas.microsoft.com/office/drawing/2014/main" id="{A3B59036-1B5D-4810-A49E-9E88D4D4A931}"/>
+              <a:t>Rating += </a:t>
+            </a:r>
+            <a:r>
+              <a:rPr lang="en-SG" sz="1400" b="1" dirty="0" err="1">
+                <a:solidFill>
+                  <a:schemeClr val="tx1"/>
+                </a:solidFill>
+              </a:rPr>
+              <a:t>Review.getRating</a:t>
+            </a:r>
+            <a:r>
+              <a:rPr lang="en-SG" sz="1400" b="1" dirty="0">
+                <a:solidFill>
+                  <a:schemeClr val="tx1"/>
+                </a:solidFill>
+              </a:rPr>
+              <a:t>()</a:t>
+            </a:r>
+          </a:p>
+        </p:txBody>
+      </p:sp>
+      <p:cxnSp>
+        <p:nvCxnSpPr>
+          <p:cNvPr id="72" name="Straight Arrow Connector 71">
+            <a:extLst>
+              <a:ext uri="{FF2B5EF4-FFF2-40B4-BE49-F238E27FC236}">
+                <a16:creationId xmlns:a16="http://schemas.microsoft.com/office/drawing/2014/main" id="{FD16E487-52D7-4720-9F48-8782D5BF9B8B}"/>
+              </a:ext>
+            </a:extLst>
+          </p:cNvPr>
+          <p:cNvCxnSpPr>
+            <a:cxnSpLocks/>
+          </p:cNvCxnSpPr>
+          <p:nvPr/>
+        </p:nvCxnSpPr>
+        <p:spPr>
+          <a:xfrm>
+            <a:off x="3671483" y="1321619"/>
+            <a:ext cx="1572036" cy="0"/>
+          </a:xfrm>
+          <a:prstGeom prst="straightConnector1">
+            <a:avLst/>
+          </a:prstGeom>
+          <a:ln>
+            <a:tailEnd type="triangle"/>
+          </a:ln>
+        </p:spPr>
+        <p:style>
+          <a:lnRef idx="1">
+            <a:schemeClr val="dk1"/>
+          </a:lnRef>
+          <a:fillRef idx="0">
+            <a:schemeClr val="dk1"/>
+          </a:fillRef>
+          <a:effectRef idx="0">
+            <a:schemeClr val="dk1"/>
+          </a:effectRef>
+          <a:fontRef idx="minor">
+            <a:schemeClr val="tx1"/>
+          </a:fontRef>
+        </p:style>
+      </p:cxnSp>
+      <p:sp>
+        <p:nvSpPr>
+          <p:cNvPr id="80" name="Rectangle 79">
+            <a:extLst>
+              <a:ext uri="{FF2B5EF4-FFF2-40B4-BE49-F238E27FC236}">
+                <a16:creationId xmlns:a16="http://schemas.microsoft.com/office/drawing/2014/main" id="{9554C08B-1201-44DE-AD5F-3FAFC13D0F9F}"/>
               </a:ext>
             </a:extLst>
           </p:cNvPr>
@@ -3610,10 +3653,10 @@
         </p:nvSpPr>
         <p:spPr>
           <a:xfrm>
-            <a:off x="6064475" y="3356109"/>
-            <a:ext cx="2236074" cy="746163"/>
-          </a:xfrm>
-          <a:prstGeom prst="diamond">
+            <a:off x="5276292" y="1074173"/>
+            <a:ext cx="1207359" cy="494891"/>
+          </a:xfrm>
+          <a:prstGeom prst="rect">
             <a:avLst/>
           </a:prstGeom>
           <a:solidFill>
@@ -3652,59 +3695,52 @@
                   <a:schemeClr val="tx1"/>
                 </a:solidFill>
               </a:rPr>
-              <a:t>Email Exist on Database</a:t>
-            </a:r>
-          </a:p>
-        </p:txBody>
-      </p:sp>
-      <p:cxnSp>
-        <p:nvCxnSpPr>
-          <p:cNvPr id="43" name="Straight Arrow Connector 42">
-            <a:extLst>
-              <a:ext uri="{FF2B5EF4-FFF2-40B4-BE49-F238E27FC236}">
-                <a16:creationId xmlns:a16="http://schemas.microsoft.com/office/drawing/2014/main" id="{8F75909B-E109-41FB-A25D-7DB09B16B1D0}"/>
-              </a:ext>
-            </a:extLst>
-          </p:cNvPr>
-          <p:cNvCxnSpPr>
-            <a:cxnSpLocks/>
-            <a:stCxn id="5" idx="2"/>
-          </p:cNvCxnSpPr>
-          <p:nvPr/>
-        </p:nvCxnSpPr>
-        <p:spPr>
-          <a:xfrm flipH="1">
-            <a:off x="1996954" y="4115018"/>
-            <a:ext cx="760274" cy="2006824"/>
-          </a:xfrm>
-          <a:prstGeom prst="straightConnector1">
-            <a:avLst/>
-          </a:prstGeom>
-          <a:ln>
-            <a:tailEnd type="triangle"/>
-          </a:ln>
-        </p:spPr>
-        <p:style>
-          <a:lnRef idx="1">
-            <a:schemeClr val="accent1"/>
-          </a:lnRef>
-          <a:fillRef idx="0">
-            <a:schemeClr val="accent1"/>
-          </a:fillRef>
-          <a:effectRef idx="0">
-            <a:schemeClr val="accent1"/>
-          </a:effectRef>
-          <a:fontRef idx="minor">
-            <a:schemeClr val="tx1"/>
-          </a:fontRef>
-        </p:style>
-      </p:cxnSp>
-      <p:sp>
-        <p:nvSpPr>
-          <p:cNvPr id="50" name="Rectangle 49">
-            <a:extLst>
-              <a:ext uri="{FF2B5EF4-FFF2-40B4-BE49-F238E27FC236}">
-                <a16:creationId xmlns:a16="http://schemas.microsoft.com/office/drawing/2014/main" id="{9FD5CA24-AF93-4556-9389-CA1D415FE5C7}"/>
+              <a:t>i = 0</a:t>
+            </a:r>
+          </a:p>
+        </p:txBody>
+      </p:sp>
+      <p:sp>
+        <p:nvSpPr>
+          <p:cNvPr id="91" name="TextBox 90">
+            <a:extLst>
+              <a:ext uri="{FF2B5EF4-FFF2-40B4-BE49-F238E27FC236}">
+                <a16:creationId xmlns:a16="http://schemas.microsoft.com/office/drawing/2014/main" id="{A7090343-8A4C-42BF-BE0B-714B8DB1F978}"/>
+              </a:ext>
+            </a:extLst>
+          </p:cNvPr>
+          <p:cNvSpPr txBox="1"/>
+          <p:nvPr/>
+        </p:nvSpPr>
+        <p:spPr>
+          <a:xfrm>
+            <a:off x="5919279" y="2846683"/>
+            <a:ext cx="616952" cy="307777"/>
+          </a:xfrm>
+          <a:prstGeom prst="rect">
+            <a:avLst/>
+          </a:prstGeom>
+          <a:noFill/>
+        </p:spPr>
+        <p:txBody>
+          <a:bodyPr wrap="square" rtlCol="0">
+            <a:spAutoFit/>
+          </a:bodyPr>
+          <a:lstStyle/>
+          <a:p>
+            <a:r>
+              <a:rPr lang="en-SG" sz="1400" b="1" dirty="0"/>
+              <a:t>True</a:t>
+            </a:r>
+          </a:p>
+        </p:txBody>
+      </p:sp>
+      <p:sp>
+        <p:nvSpPr>
+          <p:cNvPr id="93" name="Rectangle 92">
+            <a:extLst>
+              <a:ext uri="{FF2B5EF4-FFF2-40B4-BE49-F238E27FC236}">
+                <a16:creationId xmlns:a16="http://schemas.microsoft.com/office/drawing/2014/main" id="{61B67C3D-3922-454E-818F-322E5683F2DD}"/>
               </a:ext>
             </a:extLst>
           </p:cNvPr>
@@ -3713,8 +3749,42 @@
         </p:nvSpPr>
         <p:spPr>
           <a:xfrm>
-            <a:off x="2052205" y="2407321"/>
-            <a:ext cx="2300508" cy="575401"/>
+            <a:off x="1754629" y="4122209"/>
+            <a:ext cx="556434" cy="307777"/>
+          </a:xfrm>
+          <a:prstGeom prst="rect">
+            <a:avLst/>
+          </a:prstGeom>
+        </p:spPr>
+        <p:txBody>
+          <a:bodyPr wrap="none">
+            <a:spAutoFit/>
+          </a:bodyPr>
+          <a:lstStyle/>
+          <a:p>
+            <a:r>
+              <a:rPr lang="en-SG" sz="1400" b="1" dirty="0"/>
+              <a:t>False</a:t>
+            </a:r>
+          </a:p>
+        </p:txBody>
+      </p:sp>
+      <p:sp>
+        <p:nvSpPr>
+          <p:cNvPr id="95" name="Rectangle 94">
+            <a:extLst>
+              <a:ext uri="{FF2B5EF4-FFF2-40B4-BE49-F238E27FC236}">
+                <a16:creationId xmlns:a16="http://schemas.microsoft.com/office/drawing/2014/main" id="{925C8E33-51F1-4398-9371-089BAA3F2D5A}"/>
+              </a:ext>
+            </a:extLst>
+          </p:cNvPr>
+          <p:cNvSpPr/>
+          <p:nvPr/>
+        </p:nvSpPr>
+        <p:spPr>
+          <a:xfrm>
+            <a:off x="563719" y="2189565"/>
+            <a:ext cx="2275139" cy="456303"/>
           </a:xfrm>
           <a:prstGeom prst="rect">
             <a:avLst/>
@@ -3750,22 +3820,22 @@
           <a:p>
             <a:pPr algn="ctr"/>
             <a:r>
-              <a:rPr lang="en-SG" sz="1400" dirty="0">
+              <a:rPr lang="en-SG" sz="1400" b="1" dirty="0">
                 <a:solidFill>
                   <a:schemeClr val="tx1"/>
                 </a:solidFill>
               </a:rPr>
-              <a:t>Print “Wrong Password. Please try again”</a:t>
+              <a:t>Int size = 0, float rating = 0</a:t>
             </a:r>
           </a:p>
         </p:txBody>
       </p:sp>
       <p:cxnSp>
         <p:nvCxnSpPr>
-          <p:cNvPr id="52" name="Straight Arrow Connector 51">
-            <a:extLst>
-              <a:ext uri="{FF2B5EF4-FFF2-40B4-BE49-F238E27FC236}">
-                <a16:creationId xmlns:a16="http://schemas.microsoft.com/office/drawing/2014/main" id="{62E4DEE8-A830-46D8-9906-3C8646DF4F94}"/>
+          <p:cNvPr id="99" name="Straight Arrow Connector 98">
+            <a:extLst>
+              <a:ext uri="{FF2B5EF4-FFF2-40B4-BE49-F238E27FC236}">
+                <a16:creationId xmlns:a16="http://schemas.microsoft.com/office/drawing/2014/main" id="{355B43B6-0A25-4E50-B794-DDA4B8C65028}"/>
               </a:ext>
             </a:extLst>
           </p:cNvPr>
@@ -3776,8 +3846,8 @@
         </p:nvCxnSpPr>
         <p:spPr>
           <a:xfrm>
-            <a:off x="7160916" y="1808214"/>
-            <a:ext cx="0" cy="237186"/>
+            <a:off x="1657443" y="1637840"/>
+            <a:ext cx="0" cy="520329"/>
           </a:xfrm>
           <a:prstGeom prst="straightConnector1">
             <a:avLst/>
@@ -3788,13 +3858,13 @@
         </p:spPr>
         <p:style>
           <a:lnRef idx="1">
-            <a:schemeClr val="accent1"/>
+            <a:schemeClr val="dk1"/>
           </a:lnRef>
           <a:fillRef idx="0">
-            <a:schemeClr val="accent1"/>
+            <a:schemeClr val="dk1"/>
           </a:fillRef>
           <a:effectRef idx="0">
-            <a:schemeClr val="accent1"/>
+            <a:schemeClr val="dk1"/>
           </a:effectRef>
           <a:fontRef idx="minor">
             <a:schemeClr val="tx1"/>
@@ -3803,10 +3873,10 @@
       </p:cxnSp>
       <p:cxnSp>
         <p:nvCxnSpPr>
-          <p:cNvPr id="55" name="Straight Arrow Connector 54">
-            <a:extLst>
-              <a:ext uri="{FF2B5EF4-FFF2-40B4-BE49-F238E27FC236}">
-                <a16:creationId xmlns:a16="http://schemas.microsoft.com/office/drawing/2014/main" id="{7168D8D2-6A8F-4761-A7D4-4E4BD3CD598C}"/>
+          <p:cNvPr id="57" name="Straight Arrow Connector 56">
+            <a:extLst>
+              <a:ext uri="{FF2B5EF4-FFF2-40B4-BE49-F238E27FC236}">
+                <a16:creationId xmlns:a16="http://schemas.microsoft.com/office/drawing/2014/main" id="{DED3471E-5292-4892-9F32-817476B51520}"/>
               </a:ext>
             </a:extLst>
           </p:cNvPr>
@@ -3817,8 +3887,8 @@
         </p:nvCxnSpPr>
         <p:spPr>
           <a:xfrm>
-            <a:off x="7160915" y="4100299"/>
-            <a:ext cx="0" cy="581603"/>
+            <a:off x="1638482" y="2645868"/>
+            <a:ext cx="0" cy="520329"/>
           </a:xfrm>
           <a:prstGeom prst="straightConnector1">
             <a:avLst/>
@@ -3829,13 +3899,13 @@
         </p:spPr>
         <p:style>
           <a:lnRef idx="1">
-            <a:schemeClr val="accent1"/>
+            <a:schemeClr val="dk1"/>
           </a:lnRef>
           <a:fillRef idx="0">
-            <a:schemeClr val="accent1"/>
+            <a:schemeClr val="dk1"/>
           </a:fillRef>
           <a:effectRef idx="0">
-            <a:schemeClr val="accent1"/>
+            <a:schemeClr val="dk1"/>
           </a:effectRef>
           <a:fontRef idx="minor">
             <a:schemeClr val="tx1"/>
@@ -3844,23 +3914,22 @@
       </p:cxnSp>
       <p:cxnSp>
         <p:nvCxnSpPr>
-          <p:cNvPr id="56" name="Straight Arrow Connector 55">
-            <a:extLst>
-              <a:ext uri="{FF2B5EF4-FFF2-40B4-BE49-F238E27FC236}">
-                <a16:creationId xmlns:a16="http://schemas.microsoft.com/office/drawing/2014/main" id="{D608985F-CB32-4C9C-B055-C28FE9AA74EF}"/>
+          <p:cNvPr id="58" name="Straight Arrow Connector 57">
+            <a:extLst>
+              <a:ext uri="{FF2B5EF4-FFF2-40B4-BE49-F238E27FC236}">
+                <a16:creationId xmlns:a16="http://schemas.microsoft.com/office/drawing/2014/main" id="{4DAACAF8-4D7F-4CF9-A6A6-BE18FA82F743}"/>
               </a:ext>
             </a:extLst>
           </p:cNvPr>
           <p:cNvCxnSpPr>
             <a:cxnSpLocks/>
-            <a:stCxn id="61" idx="2"/>
           </p:cNvCxnSpPr>
           <p:nvPr/>
         </p:nvCxnSpPr>
         <p:spPr>
-          <a:xfrm>
-            <a:off x="7160916" y="2382618"/>
-            <a:ext cx="0" cy="324729"/>
+          <a:xfrm flipH="1">
+            <a:off x="1649975" y="4105159"/>
+            <a:ext cx="7469" cy="1115001"/>
           </a:xfrm>
           <a:prstGeom prst="straightConnector1">
             <a:avLst/>
@@ -3871,25 +3940,68 @@
         </p:spPr>
         <p:style>
           <a:lnRef idx="1">
-            <a:schemeClr val="accent1"/>
+            <a:schemeClr val="dk1"/>
           </a:lnRef>
           <a:fillRef idx="0">
-            <a:schemeClr val="accent1"/>
+            <a:schemeClr val="dk1"/>
           </a:fillRef>
           <a:effectRef idx="0">
-            <a:schemeClr val="accent1"/>
+            <a:schemeClr val="dk1"/>
           </a:effectRef>
           <a:fontRef idx="minor">
             <a:schemeClr val="tx1"/>
           </a:fontRef>
         </p:style>
       </p:cxnSp>
-      <p:sp>
-        <p:nvSpPr>
-          <p:cNvPr id="61" name="Rectangle 60">
-            <a:extLst>
-              <a:ext uri="{FF2B5EF4-FFF2-40B4-BE49-F238E27FC236}">
-                <a16:creationId xmlns:a16="http://schemas.microsoft.com/office/drawing/2014/main" id="{A860AEEF-8D7B-4560-9A51-13E396999C06}"/>
+      <p:cxnSp>
+        <p:nvCxnSpPr>
+          <p:cNvPr id="62" name="Straight Arrow Connector 61">
+            <a:extLst>
+              <a:ext uri="{FF2B5EF4-FFF2-40B4-BE49-F238E27FC236}">
+                <a16:creationId xmlns:a16="http://schemas.microsoft.com/office/drawing/2014/main" id="{E8E4381F-F55B-478A-9B52-30F3CF46BEE7}"/>
+              </a:ext>
+            </a:extLst>
+          </p:cNvPr>
+          <p:cNvCxnSpPr>
+            <a:cxnSpLocks/>
+            <a:stCxn id="4" idx="2"/>
+            <a:endCxn id="8" idx="0"/>
+          </p:cNvCxnSpPr>
+          <p:nvPr/>
+        </p:nvCxnSpPr>
+        <p:spPr>
+          <a:xfrm>
+            <a:off x="1621710" y="5619895"/>
+            <a:ext cx="0" cy="521795"/>
+          </a:xfrm>
+          <a:prstGeom prst="straightConnector1">
+            <a:avLst/>
+          </a:prstGeom>
+          <a:ln>
+            <a:tailEnd type="triangle"/>
+          </a:ln>
+        </p:spPr>
+        <p:style>
+          <a:lnRef idx="1">
+            <a:schemeClr val="dk1"/>
+          </a:lnRef>
+          <a:fillRef idx="0">
+            <a:schemeClr val="dk1"/>
+          </a:fillRef>
+          <a:effectRef idx="0">
+            <a:schemeClr val="dk1"/>
+          </a:effectRef>
+          <a:fontRef idx="minor">
+            <a:schemeClr val="tx1"/>
+          </a:fontRef>
+        </p:style>
+      </p:cxnSp>
+      <p:sp>
+        <p:nvSpPr>
+          <p:cNvPr id="67" name="Rectangle 66">
+            <a:extLst>
+              <a:ext uri="{FF2B5EF4-FFF2-40B4-BE49-F238E27FC236}">
+                <a16:creationId xmlns:a16="http://schemas.microsoft.com/office/drawing/2014/main" id="{130AB98F-62C9-4DE4-840E-33ECFB4A3E77}"/>
               </a:ext>
             </a:extLst>
           </p:cNvPr>
@@ -3898,10 +4010,44 @@
         </p:nvSpPr>
         <p:spPr>
           <a:xfrm>
-            <a:off x="6309559" y="2058092"/>
-            <a:ext cx="1702713" cy="324526"/>
+            <a:off x="3024125" y="3191805"/>
+            <a:ext cx="513667" cy="307777"/>
           </a:xfrm>
           <a:prstGeom prst="rect">
+            <a:avLst/>
+          </a:prstGeom>
+        </p:spPr>
+        <p:txBody>
+          <a:bodyPr wrap="square">
+            <a:spAutoFit/>
+          </a:bodyPr>
+          <a:lstStyle/>
+          <a:p>
+            <a:r>
+              <a:rPr lang="en-SG" sz="1400" b="1" dirty="0"/>
+              <a:t>True</a:t>
+            </a:r>
+          </a:p>
+        </p:txBody>
+      </p:sp>
+      <p:sp>
+        <p:nvSpPr>
+          <p:cNvPr id="71" name="Diamond 70">
+            <a:extLst>
+              <a:ext uri="{FF2B5EF4-FFF2-40B4-BE49-F238E27FC236}">
+                <a16:creationId xmlns:a16="http://schemas.microsoft.com/office/drawing/2014/main" id="{6013D7FE-D2F0-49D3-B56C-BC74A5559B10}"/>
+              </a:ext>
+            </a:extLst>
+          </p:cNvPr>
+          <p:cNvSpPr/>
+          <p:nvPr/>
+        </p:nvSpPr>
+        <p:spPr>
+          <a:xfrm>
+            <a:off x="4464222" y="3652236"/>
+            <a:ext cx="2720348" cy="950168"/>
+          </a:xfrm>
+          <a:prstGeom prst="diamond">
             <a:avLst/>
           </a:prstGeom>
           <a:solidFill>
@@ -3935,22 +4081,294 @@
           <a:p>
             <a:pPr algn="ctr"/>
             <a:r>
-              <a:rPr lang="en-SG" sz="1400" dirty="0">
+              <a:rPr lang="en-SG" sz="1400" b="1" dirty="0">
                 <a:solidFill>
                   <a:schemeClr val="tx1"/>
                 </a:solidFill>
               </a:rPr>
-              <a:t>Input Email</a:t>
-            </a:r>
-          </a:p>
-        </p:txBody>
-      </p:sp>
-      <p:sp>
-        <p:nvSpPr>
-          <p:cNvPr id="69" name="Rectangle 68">
-            <a:extLst>
-              <a:ext uri="{FF2B5EF4-FFF2-40B4-BE49-F238E27FC236}">
-                <a16:creationId xmlns:a16="http://schemas.microsoft.com/office/drawing/2014/main" id="{4E611924-0FEC-4D4F-BD27-13E3D88E8A47}"/>
+              <a:t>If Review</a:t>
+            </a:r>
+          </a:p>
+          <a:p>
+            <a:pPr algn="ctr"/>
+            <a:r>
+              <a:rPr lang="en-SG" sz="1400" b="1" dirty="0">
+                <a:solidFill>
+                  <a:schemeClr val="tx1"/>
+                </a:solidFill>
+              </a:rPr>
+              <a:t>.</a:t>
+            </a:r>
+            <a:r>
+              <a:rPr lang="en-SG" sz="1400" b="1" dirty="0" err="1">
+                <a:solidFill>
+                  <a:schemeClr val="tx1"/>
+                </a:solidFill>
+              </a:rPr>
+              <a:t>getClinicCode</a:t>
+            </a:r>
+            <a:r>
+              <a:rPr lang="en-SG" sz="1400" b="1" dirty="0">
+                <a:solidFill>
+                  <a:schemeClr val="tx1"/>
+                </a:solidFill>
+              </a:rPr>
+              <a:t>() = </a:t>
+            </a:r>
+            <a:r>
+              <a:rPr lang="en-SG" sz="1400" b="1" dirty="0" err="1">
+                <a:solidFill>
+                  <a:schemeClr val="tx1"/>
+                </a:solidFill>
+              </a:rPr>
+              <a:t>clinicCode</a:t>
+            </a:r>
+            <a:endParaRPr lang="en-SG" sz="1400" b="1" dirty="0">
+              <a:solidFill>
+                <a:schemeClr val="tx1"/>
+              </a:solidFill>
+            </a:endParaRPr>
+          </a:p>
+        </p:txBody>
+      </p:sp>
+      <p:cxnSp>
+        <p:nvCxnSpPr>
+          <p:cNvPr id="73" name="Straight Connector 72">
+            <a:extLst>
+              <a:ext uri="{FF2B5EF4-FFF2-40B4-BE49-F238E27FC236}">
+                <a16:creationId xmlns:a16="http://schemas.microsoft.com/office/drawing/2014/main" id="{9C37281D-A4E1-411C-8246-5CD4BCA9BBE8}"/>
+              </a:ext>
+            </a:extLst>
+          </p:cNvPr>
+          <p:cNvCxnSpPr>
+            <a:cxnSpLocks/>
+          </p:cNvCxnSpPr>
+          <p:nvPr/>
+        </p:nvCxnSpPr>
+        <p:spPr>
+          <a:xfrm>
+            <a:off x="3671483" y="1314940"/>
+            <a:ext cx="0" cy="2330809"/>
+          </a:xfrm>
+          <a:prstGeom prst="line">
+            <a:avLst/>
+          </a:prstGeom>
+        </p:spPr>
+        <p:style>
+          <a:lnRef idx="1">
+            <a:schemeClr val="dk1"/>
+          </a:lnRef>
+          <a:fillRef idx="0">
+            <a:schemeClr val="dk1"/>
+          </a:fillRef>
+          <a:effectRef idx="0">
+            <a:schemeClr val="dk1"/>
+          </a:effectRef>
+          <a:fontRef idx="minor">
+            <a:schemeClr val="tx1"/>
+          </a:fontRef>
+        </p:style>
+      </p:cxnSp>
+      <p:cxnSp>
+        <p:nvCxnSpPr>
+          <p:cNvPr id="78" name="Straight Arrow Connector 77">
+            <a:extLst>
+              <a:ext uri="{FF2B5EF4-FFF2-40B4-BE49-F238E27FC236}">
+                <a16:creationId xmlns:a16="http://schemas.microsoft.com/office/drawing/2014/main" id="{C4FA28D7-E8EF-41A3-AF9D-AFE47516F5C6}"/>
+              </a:ext>
+            </a:extLst>
+          </p:cNvPr>
+          <p:cNvCxnSpPr>
+            <a:cxnSpLocks/>
+          </p:cNvCxnSpPr>
+          <p:nvPr/>
+        </p:nvCxnSpPr>
+        <p:spPr>
+          <a:xfrm>
+            <a:off x="5847316" y="1569064"/>
+            <a:ext cx="0" cy="498375"/>
+          </a:xfrm>
+          <a:prstGeom prst="straightConnector1">
+            <a:avLst/>
+          </a:prstGeom>
+          <a:ln>
+            <a:tailEnd type="triangle"/>
+          </a:ln>
+        </p:spPr>
+        <p:style>
+          <a:lnRef idx="1">
+            <a:schemeClr val="dk1"/>
+          </a:lnRef>
+          <a:fillRef idx="0">
+            <a:schemeClr val="dk1"/>
+          </a:fillRef>
+          <a:effectRef idx="0">
+            <a:schemeClr val="dk1"/>
+          </a:effectRef>
+          <a:fontRef idx="minor">
+            <a:schemeClr val="tx1"/>
+          </a:fontRef>
+        </p:style>
+      </p:cxnSp>
+      <p:cxnSp>
+        <p:nvCxnSpPr>
+          <p:cNvPr id="100" name="Straight Connector 99">
+            <a:extLst>
+              <a:ext uri="{FF2B5EF4-FFF2-40B4-BE49-F238E27FC236}">
+                <a16:creationId xmlns:a16="http://schemas.microsoft.com/office/drawing/2014/main" id="{B7C01CA9-F36F-4EB6-8F50-448304112F64}"/>
+              </a:ext>
+            </a:extLst>
+          </p:cNvPr>
+          <p:cNvCxnSpPr>
+            <a:cxnSpLocks/>
+          </p:cNvCxnSpPr>
+          <p:nvPr/>
+        </p:nvCxnSpPr>
+        <p:spPr>
+          <a:xfrm>
+            <a:off x="4108862" y="2452758"/>
+            <a:ext cx="0" cy="2947682"/>
+          </a:xfrm>
+          <a:prstGeom prst="line">
+            <a:avLst/>
+          </a:prstGeom>
+        </p:spPr>
+        <p:style>
+          <a:lnRef idx="1">
+            <a:schemeClr val="dk1"/>
+          </a:lnRef>
+          <a:fillRef idx="0">
+            <a:schemeClr val="dk1"/>
+          </a:fillRef>
+          <a:effectRef idx="0">
+            <a:schemeClr val="dk1"/>
+          </a:effectRef>
+          <a:fontRef idx="minor">
+            <a:schemeClr val="tx1"/>
+          </a:fontRef>
+        </p:style>
+      </p:cxnSp>
+      <p:cxnSp>
+        <p:nvCxnSpPr>
+          <p:cNvPr id="101" name="Straight Connector 100">
+            <a:extLst>
+              <a:ext uri="{FF2B5EF4-FFF2-40B4-BE49-F238E27FC236}">
+                <a16:creationId xmlns:a16="http://schemas.microsoft.com/office/drawing/2014/main" id="{729FED9E-0D65-44BD-949B-1A51CEA8186C}"/>
+              </a:ext>
+            </a:extLst>
+          </p:cNvPr>
+          <p:cNvCxnSpPr>
+            <a:cxnSpLocks/>
+          </p:cNvCxnSpPr>
+          <p:nvPr/>
+        </p:nvCxnSpPr>
+        <p:spPr>
+          <a:xfrm flipH="1">
+            <a:off x="4108862" y="2464465"/>
+            <a:ext cx="275140" cy="7512"/>
+          </a:xfrm>
+          <a:prstGeom prst="line">
+            <a:avLst/>
+          </a:prstGeom>
+        </p:spPr>
+        <p:style>
+          <a:lnRef idx="1">
+            <a:schemeClr val="dk1"/>
+          </a:lnRef>
+          <a:fillRef idx="0">
+            <a:schemeClr val="dk1"/>
+          </a:fillRef>
+          <a:effectRef idx="0">
+            <a:schemeClr val="dk1"/>
+          </a:effectRef>
+          <a:fontRef idx="minor">
+            <a:schemeClr val="tx1"/>
+          </a:fontRef>
+        </p:style>
+      </p:cxnSp>
+      <p:cxnSp>
+        <p:nvCxnSpPr>
+          <p:cNvPr id="102" name="Straight Arrow Connector 101">
+            <a:extLst>
+              <a:ext uri="{FF2B5EF4-FFF2-40B4-BE49-F238E27FC236}">
+                <a16:creationId xmlns:a16="http://schemas.microsoft.com/office/drawing/2014/main" id="{EE50B023-C0F5-441C-8828-D8BE6794E7A1}"/>
+              </a:ext>
+            </a:extLst>
+          </p:cNvPr>
+          <p:cNvCxnSpPr>
+            <a:cxnSpLocks/>
+            <a:endCxn id="4" idx="3"/>
+          </p:cNvCxnSpPr>
+          <p:nvPr/>
+        </p:nvCxnSpPr>
+        <p:spPr>
+          <a:xfrm flipH="1">
+            <a:off x="2630244" y="5425881"/>
+            <a:ext cx="1478618" cy="0"/>
+          </a:xfrm>
+          <a:prstGeom prst="straightConnector1">
+            <a:avLst/>
+          </a:prstGeom>
+          <a:ln>
+            <a:tailEnd type="triangle"/>
+          </a:ln>
+        </p:spPr>
+        <p:style>
+          <a:lnRef idx="1">
+            <a:schemeClr val="dk1"/>
+          </a:lnRef>
+          <a:fillRef idx="0">
+            <a:schemeClr val="dk1"/>
+          </a:fillRef>
+          <a:effectRef idx="0">
+            <a:schemeClr val="dk1"/>
+          </a:effectRef>
+          <a:fontRef idx="minor">
+            <a:schemeClr val="tx1"/>
+          </a:fontRef>
+        </p:style>
+      </p:cxnSp>
+      <p:sp>
+        <p:nvSpPr>
+          <p:cNvPr id="103" name="TextBox 102">
+            <a:extLst>
+              <a:ext uri="{FF2B5EF4-FFF2-40B4-BE49-F238E27FC236}">
+                <a16:creationId xmlns:a16="http://schemas.microsoft.com/office/drawing/2014/main" id="{12566C33-5374-4B01-90B6-0045415ACC52}"/>
+              </a:ext>
+            </a:extLst>
+          </p:cNvPr>
+          <p:cNvSpPr txBox="1"/>
+          <p:nvPr/>
+        </p:nvSpPr>
+        <p:spPr>
+          <a:xfrm>
+            <a:off x="4134040" y="2111764"/>
+            <a:ext cx="616952" cy="307777"/>
+          </a:xfrm>
+          <a:prstGeom prst="rect">
+            <a:avLst/>
+          </a:prstGeom>
+          <a:noFill/>
+        </p:spPr>
+        <p:txBody>
+          <a:bodyPr wrap="square" rtlCol="0">
+            <a:spAutoFit/>
+          </a:bodyPr>
+          <a:lstStyle/>
+          <a:p>
+            <a:r>
+              <a:rPr lang="en-SG" sz="1400" b="1" dirty="0"/>
+              <a:t>False</a:t>
+            </a:r>
+          </a:p>
+        </p:txBody>
+      </p:sp>
+      <p:sp>
+        <p:nvSpPr>
+          <p:cNvPr id="109" name="Rectangle 108">
+            <a:extLst>
+              <a:ext uri="{FF2B5EF4-FFF2-40B4-BE49-F238E27FC236}">
+                <a16:creationId xmlns:a16="http://schemas.microsoft.com/office/drawing/2014/main" id="{953D894F-EB56-458B-AA09-FAB863D38BCC}"/>
               </a:ext>
             </a:extLst>
           </p:cNvPr>
@@ -3959,8 +4377,8 @@
         </p:nvSpPr>
         <p:spPr>
           <a:xfrm>
-            <a:off x="6167909" y="4680253"/>
-            <a:ext cx="2051620" cy="438177"/>
+            <a:off x="7954727" y="5522929"/>
+            <a:ext cx="1096010" cy="521794"/>
           </a:xfrm>
           <a:prstGeom prst="rect">
             <a:avLst/>
@@ -3996,22 +4414,22 @@
           <a:p>
             <a:pPr algn="ctr"/>
             <a:r>
-              <a:rPr lang="en-SG" sz="1400" dirty="0">
+              <a:rPr lang="en-SG" sz="1400" b="1" dirty="0">
                 <a:solidFill>
                   <a:schemeClr val="tx1"/>
                 </a:solidFill>
               </a:rPr>
-              <a:t>Input Name &amp; Password</a:t>
+              <a:t>size++</a:t>
             </a:r>
           </a:p>
         </p:txBody>
       </p:sp>
       <p:cxnSp>
         <p:nvCxnSpPr>
-          <p:cNvPr id="70" name="Straight Arrow Connector 69">
-            <a:extLst>
-              <a:ext uri="{FF2B5EF4-FFF2-40B4-BE49-F238E27FC236}">
-                <a16:creationId xmlns:a16="http://schemas.microsoft.com/office/drawing/2014/main" id="{D53A6F73-22D7-4A5B-866B-C1839997A563}"/>
+          <p:cNvPr id="110" name="Straight Arrow Connector 109">
+            <a:extLst>
+              <a:ext uri="{FF2B5EF4-FFF2-40B4-BE49-F238E27FC236}">
+                <a16:creationId xmlns:a16="http://schemas.microsoft.com/office/drawing/2014/main" id="{5C53F5F0-54BC-4FE8-BE00-2F3CCB3905E8}"/>
               </a:ext>
             </a:extLst>
           </p:cNvPr>
@@ -4021,9 +4439,9 @@
           <p:nvPr/>
         </p:nvCxnSpPr>
         <p:spPr>
-          <a:xfrm flipV="1">
-            <a:off x="2790333" y="2960276"/>
-            <a:ext cx="0" cy="491214"/>
+          <a:xfrm flipH="1">
+            <a:off x="7310632" y="2452758"/>
+            <a:ext cx="1192100" cy="0"/>
           </a:xfrm>
           <a:prstGeom prst="straightConnector1">
             <a:avLst/>
@@ -4034,13 +4452,13 @@
         </p:spPr>
         <p:style>
           <a:lnRef idx="1">
-            <a:schemeClr val="accent1"/>
+            <a:schemeClr val="dk1"/>
           </a:lnRef>
           <a:fillRef idx="0">
-            <a:schemeClr val="accent1"/>
+            <a:schemeClr val="dk1"/>
           </a:fillRef>
           <a:effectRef idx="0">
-            <a:schemeClr val="accent1"/>
+            <a:schemeClr val="dk1"/>
           </a:effectRef>
           <a:fontRef idx="minor">
             <a:schemeClr val="tx1"/>
@@ -4049,41 +4467,37 @@
       </p:cxnSp>
       <p:cxnSp>
         <p:nvCxnSpPr>
-          <p:cNvPr id="72" name="Straight Arrow Connector 71">
-            <a:extLst>
-              <a:ext uri="{FF2B5EF4-FFF2-40B4-BE49-F238E27FC236}">
-                <a16:creationId xmlns:a16="http://schemas.microsoft.com/office/drawing/2014/main" id="{FD16E487-52D7-4720-9F48-8782D5BF9B8B}"/>
+          <p:cNvPr id="111" name="Straight Connector 110">
+            <a:extLst>
+              <a:ext uri="{FF2B5EF4-FFF2-40B4-BE49-F238E27FC236}">
+                <a16:creationId xmlns:a16="http://schemas.microsoft.com/office/drawing/2014/main" id="{2AB28B55-D043-4B2A-9C2B-840EE2038536}"/>
               </a:ext>
             </a:extLst>
           </p:cNvPr>
           <p:cNvCxnSpPr>
             <a:cxnSpLocks/>
-            <a:stCxn id="42" idx="1"/>
-            <a:endCxn id="4" idx="3"/>
+            <a:endCxn id="24" idx="0"/>
           </p:cNvCxnSpPr>
           <p:nvPr/>
         </p:nvCxnSpPr>
         <p:spPr>
-          <a:xfrm flipH="1">
-            <a:off x="5337991" y="3729191"/>
-            <a:ext cx="726484" cy="3873"/>
-          </a:xfrm>
-          <a:prstGeom prst="straightConnector1">
-            <a:avLst/>
-          </a:prstGeom>
-          <a:ln>
-            <a:tailEnd type="triangle"/>
-          </a:ln>
+          <a:xfrm>
+            <a:off x="8502732" y="2452758"/>
+            <a:ext cx="0" cy="1408554"/>
+          </a:xfrm>
+          <a:prstGeom prst="line">
+            <a:avLst/>
+          </a:prstGeom>
         </p:spPr>
         <p:style>
           <a:lnRef idx="1">
-            <a:schemeClr val="accent1"/>
+            <a:schemeClr val="dk1"/>
           </a:lnRef>
           <a:fillRef idx="0">
-            <a:schemeClr val="accent1"/>
+            <a:schemeClr val="dk1"/>
           </a:fillRef>
           <a:effectRef idx="0">
-            <a:schemeClr val="accent1"/>
+            <a:schemeClr val="dk1"/>
           </a:effectRef>
           <a:fontRef idx="minor">
             <a:schemeClr val="tx1"/>
@@ -4092,22 +4506,23 @@
       </p:cxnSp>
       <p:cxnSp>
         <p:nvCxnSpPr>
-          <p:cNvPr id="77" name="Straight Arrow Connector 76">
-            <a:extLst>
-              <a:ext uri="{FF2B5EF4-FFF2-40B4-BE49-F238E27FC236}">
-                <a16:creationId xmlns:a16="http://schemas.microsoft.com/office/drawing/2014/main" id="{65B463BD-903F-4F0D-AE75-62588CADB7D4}"/>
+          <p:cNvPr id="112" name="Straight Arrow Connector 111">
+            <a:extLst>
+              <a:ext uri="{FF2B5EF4-FFF2-40B4-BE49-F238E27FC236}">
+                <a16:creationId xmlns:a16="http://schemas.microsoft.com/office/drawing/2014/main" id="{B0C66D43-2B90-4A13-B565-7B5CA94D267C}"/>
               </a:ext>
             </a:extLst>
           </p:cNvPr>
           <p:cNvCxnSpPr>
             <a:cxnSpLocks/>
+            <a:endCxn id="24" idx="1"/>
           </p:cNvCxnSpPr>
           <p:nvPr/>
         </p:nvCxnSpPr>
         <p:spPr>
-          <a:xfrm flipH="1">
-            <a:off x="4875471" y="2689401"/>
-            <a:ext cx="6210" cy="772816"/>
+          <a:xfrm>
+            <a:off x="7184570" y="4122209"/>
+            <a:ext cx="770157" cy="0"/>
           </a:xfrm>
           <a:prstGeom prst="straightConnector1">
             <a:avLst/>
@@ -4118,961 +4533,13 @@
         </p:spPr>
         <p:style>
           <a:lnRef idx="1">
-            <a:schemeClr val="accent1"/>
+            <a:schemeClr val="dk1"/>
           </a:lnRef>
           <a:fillRef idx="0">
-            <a:schemeClr val="accent1"/>
+            <a:schemeClr val="dk1"/>
           </a:fillRef>
           <a:effectRef idx="0">
-            <a:schemeClr val="accent1"/>
-          </a:effectRef>
-          <a:fontRef idx="minor">
-            <a:schemeClr val="tx1"/>
-          </a:fontRef>
-        </p:style>
-      </p:cxnSp>
-      <p:sp>
-        <p:nvSpPr>
-          <p:cNvPr id="80" name="Rectangle 79">
-            <a:extLst>
-              <a:ext uri="{FF2B5EF4-FFF2-40B4-BE49-F238E27FC236}">
-                <a16:creationId xmlns:a16="http://schemas.microsoft.com/office/drawing/2014/main" id="{9554C08B-1201-44DE-AD5F-3FAFC13D0F9F}"/>
-              </a:ext>
-            </a:extLst>
-          </p:cNvPr>
-          <p:cNvSpPr/>
-          <p:nvPr/>
-        </p:nvSpPr>
-        <p:spPr>
-          <a:xfrm>
-            <a:off x="459253" y="1385278"/>
-            <a:ext cx="1393006" cy="388028"/>
-          </a:xfrm>
-          <a:prstGeom prst="rect">
-            <a:avLst/>
-          </a:prstGeom>
-          <a:solidFill>
-            <a:schemeClr val="bg1"/>
-          </a:solidFill>
-          <a:ln>
-            <a:solidFill>
-              <a:schemeClr val="tx1"/>
-            </a:solidFill>
-          </a:ln>
-        </p:spPr>
-        <p:style>
-          <a:lnRef idx="2">
-            <a:schemeClr val="accent1">
-              <a:shade val="50000"/>
-            </a:schemeClr>
-          </a:lnRef>
-          <a:fillRef idx="1">
-            <a:schemeClr val="accent1"/>
-          </a:fillRef>
-          <a:effectRef idx="0">
-            <a:schemeClr val="accent1"/>
-          </a:effectRef>
-          <a:fontRef idx="minor">
-            <a:schemeClr val="lt1"/>
-          </a:fontRef>
-        </p:style>
-        <p:txBody>
-          <a:bodyPr rtlCol="0" anchor="ctr"/>
-          <a:lstStyle/>
-          <a:p>
-            <a:pPr algn="ctr"/>
-            <a:r>
-              <a:rPr lang="en-SG" sz="1400" dirty="0">
-                <a:solidFill>
-                  <a:schemeClr val="tx1"/>
-                </a:solidFill>
-              </a:rPr>
-              <a:t>Get User Info</a:t>
-            </a:r>
-          </a:p>
-        </p:txBody>
-      </p:sp>
-      <p:cxnSp>
-        <p:nvCxnSpPr>
-          <p:cNvPr id="81" name="Straight Arrow Connector 80">
-            <a:extLst>
-              <a:ext uri="{FF2B5EF4-FFF2-40B4-BE49-F238E27FC236}">
-                <a16:creationId xmlns:a16="http://schemas.microsoft.com/office/drawing/2014/main" id="{91EC39C9-9C32-4A2A-931A-B14013E3A001}"/>
-              </a:ext>
-            </a:extLst>
-          </p:cNvPr>
-          <p:cNvCxnSpPr>
-            <a:cxnSpLocks/>
-            <a:endCxn id="5" idx="3"/>
-          </p:cNvCxnSpPr>
-          <p:nvPr/>
-        </p:nvCxnSpPr>
-        <p:spPr>
-          <a:xfrm flipH="1">
-            <a:off x="3908601" y="3767905"/>
-            <a:ext cx="518814" cy="1"/>
-          </a:xfrm>
-          <a:prstGeom prst="straightConnector1">
-            <a:avLst/>
-          </a:prstGeom>
-          <a:ln>
-            <a:tailEnd type="triangle"/>
-          </a:ln>
-        </p:spPr>
-        <p:style>
-          <a:lnRef idx="1">
-            <a:schemeClr val="accent1"/>
-          </a:lnRef>
-          <a:fillRef idx="0">
-            <a:schemeClr val="accent1"/>
-          </a:fillRef>
-          <a:effectRef idx="0">
-            <a:schemeClr val="accent1"/>
-          </a:effectRef>
-          <a:fontRef idx="minor">
-            <a:schemeClr val="tx1"/>
-          </a:fontRef>
-        </p:style>
-      </p:cxnSp>
-      <p:sp>
-        <p:nvSpPr>
-          <p:cNvPr id="89" name="TextBox 88">
-            <a:extLst>
-              <a:ext uri="{FF2B5EF4-FFF2-40B4-BE49-F238E27FC236}">
-                <a16:creationId xmlns:a16="http://schemas.microsoft.com/office/drawing/2014/main" id="{C4AE46D0-2897-4F32-AAF3-620543489F8A}"/>
-              </a:ext>
-            </a:extLst>
-          </p:cNvPr>
-          <p:cNvSpPr txBox="1"/>
-          <p:nvPr/>
-        </p:nvSpPr>
-        <p:spPr>
-          <a:xfrm>
-            <a:off x="2876562" y="3077428"/>
-            <a:ext cx="508537" cy="307777"/>
-          </a:xfrm>
-          <a:prstGeom prst="rect">
-            <a:avLst/>
-          </a:prstGeom>
-          <a:noFill/>
-        </p:spPr>
-        <p:txBody>
-          <a:bodyPr wrap="none" rtlCol="0">
-            <a:spAutoFit/>
-          </a:bodyPr>
-          <a:lstStyle/>
-          <a:p>
-            <a:r>
-              <a:rPr lang="en-SG" sz="1400" dirty="0"/>
-              <a:t>True</a:t>
-            </a:r>
-          </a:p>
-        </p:txBody>
-      </p:sp>
-      <p:sp>
-        <p:nvSpPr>
-          <p:cNvPr id="92" name="TextBox 91">
-            <a:extLst>
-              <a:ext uri="{FF2B5EF4-FFF2-40B4-BE49-F238E27FC236}">
-                <a16:creationId xmlns:a16="http://schemas.microsoft.com/office/drawing/2014/main" id="{8D75CF43-FAB1-41C8-8EAA-4BB739AC057F}"/>
-              </a:ext>
-            </a:extLst>
-          </p:cNvPr>
-          <p:cNvSpPr txBox="1"/>
-          <p:nvPr/>
-        </p:nvSpPr>
-        <p:spPr>
-          <a:xfrm>
-            <a:off x="2496482" y="4783092"/>
-            <a:ext cx="618509" cy="307777"/>
-          </a:xfrm>
-          <a:prstGeom prst="rect">
-            <a:avLst/>
-          </a:prstGeom>
-          <a:noFill/>
-        </p:spPr>
-        <p:txBody>
-          <a:bodyPr wrap="square" rtlCol="0">
-            <a:spAutoFit/>
-          </a:bodyPr>
-          <a:lstStyle/>
-          <a:p>
-            <a:r>
-              <a:rPr lang="en-SG" sz="1400" dirty="0"/>
-              <a:t>False</a:t>
-            </a:r>
-          </a:p>
-        </p:txBody>
-      </p:sp>
-      <p:sp>
-        <p:nvSpPr>
-          <p:cNvPr id="93" name="Rectangle 92">
-            <a:extLst>
-              <a:ext uri="{FF2B5EF4-FFF2-40B4-BE49-F238E27FC236}">
-                <a16:creationId xmlns:a16="http://schemas.microsoft.com/office/drawing/2014/main" id="{61B67C3D-3922-454E-818F-322E5683F2DD}"/>
-              </a:ext>
-            </a:extLst>
-          </p:cNvPr>
-          <p:cNvSpPr/>
-          <p:nvPr/>
-        </p:nvSpPr>
-        <p:spPr>
-          <a:xfrm>
-            <a:off x="3254898" y="967928"/>
-            <a:ext cx="704039" cy="307777"/>
-          </a:xfrm>
-          <a:prstGeom prst="rect">
-            <a:avLst/>
-          </a:prstGeom>
-        </p:spPr>
-        <p:txBody>
-          <a:bodyPr wrap="none">
-            <a:spAutoFit/>
-          </a:bodyPr>
-          <a:lstStyle/>
-          <a:p>
-            <a:r>
-              <a:rPr lang="en-SG" sz="1400" dirty="0"/>
-              <a:t>Google</a:t>
-            </a:r>
-          </a:p>
-        </p:txBody>
-      </p:sp>
-      <p:sp>
-        <p:nvSpPr>
-          <p:cNvPr id="94" name="Rectangle 93">
-            <a:extLst>
-              <a:ext uri="{FF2B5EF4-FFF2-40B4-BE49-F238E27FC236}">
-                <a16:creationId xmlns:a16="http://schemas.microsoft.com/office/drawing/2014/main" id="{59C9C21C-BDEC-4D22-8AAB-818E36C1E98C}"/>
-              </a:ext>
-            </a:extLst>
-          </p:cNvPr>
-          <p:cNvSpPr/>
-          <p:nvPr/>
-        </p:nvSpPr>
-        <p:spPr>
-          <a:xfrm>
-            <a:off x="7175980" y="4170012"/>
-            <a:ext cx="550151" cy="307777"/>
-          </a:xfrm>
-          <a:prstGeom prst="rect">
-            <a:avLst/>
-          </a:prstGeom>
-        </p:spPr>
-        <p:txBody>
-          <a:bodyPr wrap="none">
-            <a:spAutoFit/>
-          </a:bodyPr>
-          <a:lstStyle/>
-          <a:p>
-            <a:r>
-              <a:rPr lang="en-SG" sz="1400" dirty="0"/>
-              <a:t>False</a:t>
-            </a:r>
-          </a:p>
-        </p:txBody>
-      </p:sp>
-      <p:cxnSp>
-        <p:nvCxnSpPr>
-          <p:cNvPr id="99" name="Straight Arrow Connector 98">
-            <a:extLst>
-              <a:ext uri="{FF2B5EF4-FFF2-40B4-BE49-F238E27FC236}">
-                <a16:creationId xmlns:a16="http://schemas.microsoft.com/office/drawing/2014/main" id="{355B43B6-0A25-4E50-B794-DDA4B8C65028}"/>
-              </a:ext>
-            </a:extLst>
-          </p:cNvPr>
-          <p:cNvCxnSpPr>
-            <a:cxnSpLocks/>
-          </p:cNvCxnSpPr>
-          <p:nvPr/>
-        </p:nvCxnSpPr>
-        <p:spPr>
-          <a:xfrm flipH="1">
-            <a:off x="3776353" y="966099"/>
-            <a:ext cx="795648" cy="378797"/>
-          </a:xfrm>
-          <a:prstGeom prst="straightConnector1">
-            <a:avLst/>
-          </a:prstGeom>
-          <a:ln>
-            <a:tailEnd type="triangle"/>
-          </a:ln>
-        </p:spPr>
-        <p:style>
-          <a:lnRef idx="1">
-            <a:schemeClr val="accent1"/>
-          </a:lnRef>
-          <a:fillRef idx="0">
-            <a:schemeClr val="accent1"/>
-          </a:fillRef>
-          <a:effectRef idx="0">
-            <a:schemeClr val="accent1"/>
-          </a:effectRef>
-          <a:fontRef idx="minor">
-            <a:schemeClr val="tx1"/>
-          </a:fontRef>
-        </p:style>
-      </p:cxnSp>
-      <p:sp>
-        <p:nvSpPr>
-          <p:cNvPr id="66" name="Rectangle 65">
-            <a:extLst>
-              <a:ext uri="{FF2B5EF4-FFF2-40B4-BE49-F238E27FC236}">
-                <a16:creationId xmlns:a16="http://schemas.microsoft.com/office/drawing/2014/main" id="{0F71CFCF-CB17-4C48-A1BE-EBA3232CC512}"/>
-              </a:ext>
-            </a:extLst>
-          </p:cNvPr>
-          <p:cNvSpPr/>
-          <p:nvPr/>
-        </p:nvSpPr>
-        <p:spPr>
-          <a:xfrm>
-            <a:off x="2629921" y="380041"/>
-            <a:ext cx="208231" cy="275662"/>
-          </a:xfrm>
-          <a:prstGeom prst="rect">
-            <a:avLst/>
-          </a:prstGeom>
-        </p:spPr>
-        <p:style>
-          <a:lnRef idx="2">
-            <a:schemeClr val="accent2"/>
-          </a:lnRef>
-          <a:fillRef idx="1">
-            <a:schemeClr val="lt1"/>
-          </a:fillRef>
-          <a:effectRef idx="0">
-            <a:schemeClr val="accent2"/>
-          </a:effectRef>
-          <a:fontRef idx="minor">
-            <a:schemeClr val="dk1"/>
-          </a:fontRef>
-        </p:style>
-        <p:txBody>
-          <a:bodyPr rtlCol="0" anchor="ctr"/>
-          <a:lstStyle/>
-          <a:p>
-            <a:pPr algn="ctr"/>
-            <a:r>
-              <a:rPr lang="en-SG" dirty="0"/>
-              <a:t>1</a:t>
-            </a:r>
-          </a:p>
-        </p:txBody>
-      </p:sp>
-      <p:sp>
-        <p:nvSpPr>
-          <p:cNvPr id="84" name="Rectangle 83">
-            <a:extLst>
-              <a:ext uri="{FF2B5EF4-FFF2-40B4-BE49-F238E27FC236}">
-                <a16:creationId xmlns:a16="http://schemas.microsoft.com/office/drawing/2014/main" id="{93337966-EE62-4E40-99DA-FD7C501B8030}"/>
-              </a:ext>
-            </a:extLst>
-          </p:cNvPr>
-          <p:cNvSpPr/>
-          <p:nvPr/>
-        </p:nvSpPr>
-        <p:spPr>
-          <a:xfrm>
-            <a:off x="8115414" y="3594615"/>
-            <a:ext cx="208231" cy="275662"/>
-          </a:xfrm>
-          <a:prstGeom prst="rect">
-            <a:avLst/>
-          </a:prstGeom>
-        </p:spPr>
-        <p:style>
-          <a:lnRef idx="2">
-            <a:schemeClr val="accent2"/>
-          </a:lnRef>
-          <a:fillRef idx="1">
-            <a:schemeClr val="lt1"/>
-          </a:fillRef>
-          <a:effectRef idx="0">
-            <a:schemeClr val="accent2"/>
-          </a:effectRef>
-          <a:fontRef idx="minor">
-            <a:schemeClr val="dk1"/>
-          </a:fontRef>
-        </p:style>
-        <p:txBody>
-          <a:bodyPr rtlCol="0" anchor="ctr"/>
-          <a:lstStyle/>
-          <a:p>
-            <a:pPr algn="ctr"/>
-            <a:r>
-              <a:rPr lang="en-SG" dirty="0"/>
-              <a:t>8</a:t>
-            </a:r>
-          </a:p>
-        </p:txBody>
-      </p:sp>
-      <p:sp>
-        <p:nvSpPr>
-          <p:cNvPr id="86" name="Rectangle 85">
-            <a:extLst>
-              <a:ext uri="{FF2B5EF4-FFF2-40B4-BE49-F238E27FC236}">
-                <a16:creationId xmlns:a16="http://schemas.microsoft.com/office/drawing/2014/main" id="{9022FDC1-FBC0-4277-A847-D46F72AE3073}"/>
-              </a:ext>
-            </a:extLst>
-          </p:cNvPr>
-          <p:cNvSpPr/>
-          <p:nvPr/>
-        </p:nvSpPr>
-        <p:spPr>
-          <a:xfrm>
-            <a:off x="7948247" y="2567297"/>
-            <a:ext cx="208231" cy="275662"/>
-          </a:xfrm>
-          <a:prstGeom prst="rect">
-            <a:avLst/>
-          </a:prstGeom>
-        </p:spPr>
-        <p:style>
-          <a:lnRef idx="2">
-            <a:schemeClr val="accent2"/>
-          </a:lnRef>
-          <a:fillRef idx="1">
-            <a:schemeClr val="lt1"/>
-          </a:fillRef>
-          <a:effectRef idx="0">
-            <a:schemeClr val="accent2"/>
-          </a:effectRef>
-          <a:fontRef idx="minor">
-            <a:schemeClr val="dk1"/>
-          </a:fontRef>
-        </p:style>
-        <p:txBody>
-          <a:bodyPr rtlCol="0" anchor="ctr"/>
-          <a:lstStyle/>
-          <a:p>
-            <a:pPr algn="ctr"/>
-            <a:r>
-              <a:rPr lang="en-SG" dirty="0"/>
-              <a:t>7</a:t>
-            </a:r>
-          </a:p>
-        </p:txBody>
-      </p:sp>
-      <p:sp>
-        <p:nvSpPr>
-          <p:cNvPr id="87" name="Rectangle 86">
-            <a:extLst>
-              <a:ext uri="{FF2B5EF4-FFF2-40B4-BE49-F238E27FC236}">
-                <a16:creationId xmlns:a16="http://schemas.microsoft.com/office/drawing/2014/main" id="{1F5D32BA-0A46-4B23-8D6C-C31E7CDCD3FB}"/>
-              </a:ext>
-            </a:extLst>
-          </p:cNvPr>
-          <p:cNvSpPr/>
-          <p:nvPr/>
-        </p:nvSpPr>
-        <p:spPr>
-          <a:xfrm>
-            <a:off x="7966995" y="1888970"/>
-            <a:ext cx="208231" cy="275662"/>
-          </a:xfrm>
-          <a:prstGeom prst="rect">
-            <a:avLst/>
-          </a:prstGeom>
-        </p:spPr>
-        <p:style>
-          <a:lnRef idx="2">
-            <a:schemeClr val="accent2"/>
-          </a:lnRef>
-          <a:fillRef idx="1">
-            <a:schemeClr val="lt1"/>
-          </a:fillRef>
-          <a:effectRef idx="0">
-            <a:schemeClr val="accent2"/>
-          </a:effectRef>
-          <a:fontRef idx="minor">
-            <a:schemeClr val="dk1"/>
-          </a:fontRef>
-        </p:style>
-        <p:txBody>
-          <a:bodyPr rtlCol="0" anchor="ctr"/>
-          <a:lstStyle/>
-          <a:p>
-            <a:pPr algn="ctr"/>
-            <a:r>
-              <a:rPr lang="en-SG" dirty="0"/>
-              <a:t>6</a:t>
-            </a:r>
-          </a:p>
-        </p:txBody>
-      </p:sp>
-      <p:sp>
-        <p:nvSpPr>
-          <p:cNvPr id="88" name="Rectangle 87">
-            <a:extLst>
-              <a:ext uri="{FF2B5EF4-FFF2-40B4-BE49-F238E27FC236}">
-                <a16:creationId xmlns:a16="http://schemas.microsoft.com/office/drawing/2014/main" id="{65D44A53-0CFF-4465-AE44-F6F52390CDAF}"/>
-              </a:ext>
-            </a:extLst>
-          </p:cNvPr>
-          <p:cNvSpPr/>
-          <p:nvPr/>
-        </p:nvSpPr>
-        <p:spPr>
-          <a:xfrm>
-            <a:off x="8497422" y="1240904"/>
-            <a:ext cx="208231" cy="275662"/>
-          </a:xfrm>
-          <a:prstGeom prst="rect">
-            <a:avLst/>
-          </a:prstGeom>
-        </p:spPr>
-        <p:style>
-          <a:lnRef idx="2">
-            <a:schemeClr val="accent2"/>
-          </a:lnRef>
-          <a:fillRef idx="1">
-            <a:schemeClr val="lt1"/>
-          </a:fillRef>
-          <a:effectRef idx="0">
-            <a:schemeClr val="accent2"/>
-          </a:effectRef>
-          <a:fontRef idx="minor">
-            <a:schemeClr val="dk1"/>
-          </a:fontRef>
-        </p:style>
-        <p:txBody>
-          <a:bodyPr rtlCol="0" anchor="ctr"/>
-          <a:lstStyle/>
-          <a:p>
-            <a:pPr algn="ctr"/>
-            <a:r>
-              <a:rPr lang="en-SG" dirty="0"/>
-              <a:t>5</a:t>
-            </a:r>
-          </a:p>
-        </p:txBody>
-      </p:sp>
-      <p:sp>
-        <p:nvSpPr>
-          <p:cNvPr id="96" name="Rectangle 95">
-            <a:extLst>
-              <a:ext uri="{FF2B5EF4-FFF2-40B4-BE49-F238E27FC236}">
-                <a16:creationId xmlns:a16="http://schemas.microsoft.com/office/drawing/2014/main" id="{76F62D2B-089B-44E5-8D5D-CDCAB5C418AC}"/>
-              </a:ext>
-            </a:extLst>
-          </p:cNvPr>
-          <p:cNvSpPr/>
-          <p:nvPr/>
-        </p:nvSpPr>
-        <p:spPr>
-          <a:xfrm>
-            <a:off x="1717087" y="1226207"/>
-            <a:ext cx="208231" cy="275662"/>
-          </a:xfrm>
-          <a:prstGeom prst="rect">
-            <a:avLst/>
-          </a:prstGeom>
-        </p:spPr>
-        <p:style>
-          <a:lnRef idx="2">
-            <a:schemeClr val="accent2"/>
-          </a:lnRef>
-          <a:fillRef idx="1">
-            <a:schemeClr val="lt1"/>
-          </a:fillRef>
-          <a:effectRef idx="0">
-            <a:schemeClr val="accent2"/>
-          </a:effectRef>
-          <a:fontRef idx="minor">
-            <a:schemeClr val="dk1"/>
-          </a:fontRef>
-        </p:style>
-        <p:txBody>
-          <a:bodyPr rtlCol="0" anchor="ctr"/>
-          <a:lstStyle/>
-          <a:p>
-            <a:pPr algn="ctr"/>
-            <a:r>
-              <a:rPr lang="en-SG" dirty="0"/>
-              <a:t>4</a:t>
-            </a:r>
-          </a:p>
-        </p:txBody>
-      </p:sp>
-      <p:sp>
-        <p:nvSpPr>
-          <p:cNvPr id="97" name="Rectangle 96">
-            <a:extLst>
-              <a:ext uri="{FF2B5EF4-FFF2-40B4-BE49-F238E27FC236}">
-                <a16:creationId xmlns:a16="http://schemas.microsoft.com/office/drawing/2014/main" id="{B9453CE8-A98A-4F79-B99F-AAAFC74531AB}"/>
-              </a:ext>
-            </a:extLst>
-          </p:cNvPr>
-          <p:cNvSpPr/>
-          <p:nvPr/>
-        </p:nvSpPr>
-        <p:spPr>
-          <a:xfrm>
-            <a:off x="4374222" y="1338260"/>
-            <a:ext cx="208231" cy="275662"/>
-          </a:xfrm>
-          <a:prstGeom prst="rect">
-            <a:avLst/>
-          </a:prstGeom>
-        </p:spPr>
-        <p:style>
-          <a:lnRef idx="2">
-            <a:schemeClr val="accent2"/>
-          </a:lnRef>
-          <a:fillRef idx="1">
-            <a:schemeClr val="lt1"/>
-          </a:fillRef>
-          <a:effectRef idx="0">
-            <a:schemeClr val="accent2"/>
-          </a:effectRef>
-          <a:fontRef idx="minor">
-            <a:schemeClr val="dk1"/>
-          </a:fontRef>
-        </p:style>
-        <p:txBody>
-          <a:bodyPr rtlCol="0" anchor="ctr"/>
-          <a:lstStyle/>
-          <a:p>
-            <a:pPr algn="ctr"/>
-            <a:r>
-              <a:rPr lang="en-SG" dirty="0"/>
-              <a:t>3</a:t>
-            </a:r>
-          </a:p>
-        </p:txBody>
-      </p:sp>
-      <p:sp>
-        <p:nvSpPr>
-          <p:cNvPr id="104" name="Rectangle 103">
-            <a:extLst>
-              <a:ext uri="{FF2B5EF4-FFF2-40B4-BE49-F238E27FC236}">
-                <a16:creationId xmlns:a16="http://schemas.microsoft.com/office/drawing/2014/main" id="{781B7B7F-8358-4613-AD00-73CD113912AE}"/>
-              </a:ext>
-            </a:extLst>
-          </p:cNvPr>
-          <p:cNvSpPr/>
-          <p:nvPr/>
-        </p:nvSpPr>
-        <p:spPr>
-          <a:xfrm>
-            <a:off x="1488793" y="3577871"/>
-            <a:ext cx="456587" cy="292406"/>
-          </a:xfrm>
-          <a:prstGeom prst="rect">
-            <a:avLst/>
-          </a:prstGeom>
-        </p:spPr>
-        <p:style>
-          <a:lnRef idx="2">
-            <a:schemeClr val="accent2"/>
-          </a:lnRef>
-          <a:fillRef idx="1">
-            <a:schemeClr val="lt1"/>
-          </a:fillRef>
-          <a:effectRef idx="0">
-            <a:schemeClr val="accent2"/>
-          </a:effectRef>
-          <a:fontRef idx="minor">
-            <a:schemeClr val="dk1"/>
-          </a:fontRef>
-        </p:style>
-        <p:txBody>
-          <a:bodyPr rtlCol="0" anchor="ctr"/>
-          <a:lstStyle/>
-          <a:p>
-            <a:pPr algn="ctr"/>
-            <a:r>
-              <a:rPr lang="en-SG" dirty="0"/>
-              <a:t>10</a:t>
-            </a:r>
-          </a:p>
-        </p:txBody>
-      </p:sp>
-      <p:sp>
-        <p:nvSpPr>
-          <p:cNvPr id="105" name="Rectangle 104">
-            <a:extLst>
-              <a:ext uri="{FF2B5EF4-FFF2-40B4-BE49-F238E27FC236}">
-                <a16:creationId xmlns:a16="http://schemas.microsoft.com/office/drawing/2014/main" id="{761C967B-2E23-47D6-B662-D5EE22EF7985}"/>
-              </a:ext>
-            </a:extLst>
-          </p:cNvPr>
-          <p:cNvSpPr/>
-          <p:nvPr/>
-        </p:nvSpPr>
-        <p:spPr>
-          <a:xfrm>
-            <a:off x="5258675" y="3345712"/>
-            <a:ext cx="208231" cy="275662"/>
-          </a:xfrm>
-          <a:prstGeom prst="rect">
-            <a:avLst/>
-          </a:prstGeom>
-        </p:spPr>
-        <p:style>
-          <a:lnRef idx="2">
-            <a:schemeClr val="accent2"/>
-          </a:lnRef>
-          <a:fillRef idx="1">
-            <a:schemeClr val="lt1"/>
-          </a:fillRef>
-          <a:effectRef idx="0">
-            <a:schemeClr val="accent2"/>
-          </a:effectRef>
-          <a:fontRef idx="minor">
-            <a:schemeClr val="dk1"/>
-          </a:fontRef>
-        </p:style>
-        <p:txBody>
-          <a:bodyPr rtlCol="0" anchor="ctr"/>
-          <a:lstStyle/>
-          <a:p>
-            <a:pPr algn="ctr"/>
-            <a:r>
-              <a:rPr lang="en-SG" dirty="0"/>
-              <a:t>9</a:t>
-            </a:r>
-          </a:p>
-        </p:txBody>
-      </p:sp>
-      <p:sp>
-        <p:nvSpPr>
-          <p:cNvPr id="106" name="Rectangle 105">
-            <a:extLst>
-              <a:ext uri="{FF2B5EF4-FFF2-40B4-BE49-F238E27FC236}">
-                <a16:creationId xmlns:a16="http://schemas.microsoft.com/office/drawing/2014/main" id="{C2036BB4-5D19-4981-8148-85939DBE8813}"/>
-              </a:ext>
-            </a:extLst>
-          </p:cNvPr>
-          <p:cNvSpPr/>
-          <p:nvPr/>
-        </p:nvSpPr>
-        <p:spPr>
-          <a:xfrm>
-            <a:off x="1780121" y="2312615"/>
-            <a:ext cx="456587" cy="292406"/>
-          </a:xfrm>
-          <a:prstGeom prst="rect">
-            <a:avLst/>
-          </a:prstGeom>
-        </p:spPr>
-        <p:style>
-          <a:lnRef idx="2">
-            <a:schemeClr val="accent2"/>
-          </a:lnRef>
-          <a:fillRef idx="1">
-            <a:schemeClr val="lt1"/>
-          </a:fillRef>
-          <a:effectRef idx="0">
-            <a:schemeClr val="accent2"/>
-          </a:effectRef>
-          <a:fontRef idx="minor">
-            <a:schemeClr val="dk1"/>
-          </a:fontRef>
-        </p:style>
-        <p:txBody>
-          <a:bodyPr rtlCol="0" anchor="ctr"/>
-          <a:lstStyle/>
-          <a:p>
-            <a:pPr algn="ctr"/>
-            <a:r>
-              <a:rPr lang="en-SG" dirty="0"/>
-              <a:t>11</a:t>
-            </a:r>
-          </a:p>
-        </p:txBody>
-      </p:sp>
-      <p:sp>
-        <p:nvSpPr>
-          <p:cNvPr id="107" name="Rectangle 106">
-            <a:extLst>
-              <a:ext uri="{FF2B5EF4-FFF2-40B4-BE49-F238E27FC236}">
-                <a16:creationId xmlns:a16="http://schemas.microsoft.com/office/drawing/2014/main" id="{56865E07-4788-40D8-B50F-EE9634031EAA}"/>
-              </a:ext>
-            </a:extLst>
-          </p:cNvPr>
-          <p:cNvSpPr/>
-          <p:nvPr/>
-        </p:nvSpPr>
-        <p:spPr>
-          <a:xfrm>
-            <a:off x="1315573" y="5897043"/>
-            <a:ext cx="456587" cy="292406"/>
-          </a:xfrm>
-          <a:prstGeom prst="rect">
-            <a:avLst/>
-          </a:prstGeom>
-        </p:spPr>
-        <p:style>
-          <a:lnRef idx="2">
-            <a:schemeClr val="accent2"/>
-          </a:lnRef>
-          <a:fillRef idx="1">
-            <a:schemeClr val="lt1"/>
-          </a:fillRef>
-          <a:effectRef idx="0">
-            <a:schemeClr val="accent2"/>
-          </a:effectRef>
-          <a:fontRef idx="minor">
-            <a:schemeClr val="dk1"/>
-          </a:fontRef>
-        </p:style>
-        <p:txBody>
-          <a:bodyPr rtlCol="0" anchor="ctr"/>
-          <a:lstStyle/>
-          <a:p>
-            <a:pPr algn="ctr"/>
-            <a:r>
-              <a:rPr lang="en-SG" dirty="0"/>
-              <a:t>12</a:t>
-            </a:r>
-          </a:p>
-        </p:txBody>
-      </p:sp>
-      <p:sp>
-        <p:nvSpPr>
-          <p:cNvPr id="108" name="Rectangle 107">
-            <a:extLst>
-              <a:ext uri="{FF2B5EF4-FFF2-40B4-BE49-F238E27FC236}">
-                <a16:creationId xmlns:a16="http://schemas.microsoft.com/office/drawing/2014/main" id="{BAF695C4-B56A-45C1-843D-D57A4311D247}"/>
-              </a:ext>
-            </a:extLst>
-          </p:cNvPr>
-          <p:cNvSpPr/>
-          <p:nvPr/>
-        </p:nvSpPr>
-        <p:spPr>
-          <a:xfrm>
-            <a:off x="8115414" y="4483179"/>
-            <a:ext cx="456587" cy="292406"/>
-          </a:xfrm>
-          <a:prstGeom prst="rect">
-            <a:avLst/>
-          </a:prstGeom>
-        </p:spPr>
-        <p:style>
-          <a:lnRef idx="2">
-            <a:schemeClr val="accent2"/>
-          </a:lnRef>
-          <a:fillRef idx="1">
-            <a:schemeClr val="lt1"/>
-          </a:fillRef>
-          <a:effectRef idx="0">
-            <a:schemeClr val="accent2"/>
-          </a:effectRef>
-          <a:fontRef idx="minor">
-            <a:schemeClr val="dk1"/>
-          </a:fontRef>
-        </p:style>
-        <p:txBody>
-          <a:bodyPr rtlCol="0" anchor="ctr"/>
-          <a:lstStyle/>
-          <a:p>
-            <a:pPr algn="ctr"/>
-            <a:r>
-              <a:rPr lang="en-SG" dirty="0"/>
-              <a:t>13</a:t>
-            </a:r>
-          </a:p>
-        </p:txBody>
-      </p:sp>
-      <p:sp>
-        <p:nvSpPr>
-          <p:cNvPr id="54" name="Diamond 53">
-            <a:extLst>
-              <a:ext uri="{FF2B5EF4-FFF2-40B4-BE49-F238E27FC236}">
-                <a16:creationId xmlns:a16="http://schemas.microsoft.com/office/drawing/2014/main" id="{4F139AB8-36FC-469F-9876-01728C267B83}"/>
-              </a:ext>
-            </a:extLst>
-          </p:cNvPr>
-          <p:cNvSpPr/>
-          <p:nvPr/>
-        </p:nvSpPr>
-        <p:spPr>
-          <a:xfrm>
-            <a:off x="3473456" y="396900"/>
-            <a:ext cx="2521919" cy="710619"/>
-          </a:xfrm>
-          <a:prstGeom prst="diamond">
-            <a:avLst/>
-          </a:prstGeom>
-          <a:solidFill>
-            <a:schemeClr val="bg1"/>
-          </a:solidFill>
-          <a:ln>
-            <a:solidFill>
-              <a:schemeClr val="tx1"/>
-            </a:solidFill>
-          </a:ln>
-        </p:spPr>
-        <p:style>
-          <a:lnRef idx="2">
-            <a:schemeClr val="accent1">
-              <a:shade val="50000"/>
-            </a:schemeClr>
-          </a:lnRef>
-          <a:fillRef idx="1">
-            <a:schemeClr val="accent1"/>
-          </a:fillRef>
-          <a:effectRef idx="0">
-            <a:schemeClr val="accent1"/>
-          </a:effectRef>
-          <a:fontRef idx="minor">
-            <a:schemeClr val="lt1"/>
-          </a:fontRef>
-        </p:style>
-        <p:txBody>
-          <a:bodyPr rtlCol="0" anchor="ctr"/>
-          <a:lstStyle/>
-          <a:p>
-            <a:pPr algn="ctr"/>
-            <a:r>
-              <a:rPr lang="en-SG" sz="1400" b="1" dirty="0">
-                <a:solidFill>
-                  <a:schemeClr val="tx1"/>
-                </a:solidFill>
-              </a:rPr>
-              <a:t>switch(option)</a:t>
-            </a:r>
-          </a:p>
-        </p:txBody>
-      </p:sp>
-      <p:cxnSp>
-        <p:nvCxnSpPr>
-          <p:cNvPr id="62" name="Straight Arrow Connector 61">
-            <a:extLst>
-              <a:ext uri="{FF2B5EF4-FFF2-40B4-BE49-F238E27FC236}">
-                <a16:creationId xmlns:a16="http://schemas.microsoft.com/office/drawing/2014/main" id="{C834B60B-3F93-4AB7-9047-07F7D09C2439}"/>
-              </a:ext>
-            </a:extLst>
-          </p:cNvPr>
-          <p:cNvCxnSpPr>
-            <a:cxnSpLocks/>
-          </p:cNvCxnSpPr>
-          <p:nvPr/>
-        </p:nvCxnSpPr>
-        <p:spPr>
-          <a:xfrm>
-            <a:off x="5101394" y="977020"/>
-            <a:ext cx="1158133" cy="401715"/>
-          </a:xfrm>
-          <a:prstGeom prst="straightConnector1">
-            <a:avLst/>
-          </a:prstGeom>
-          <a:ln>
-            <a:tailEnd type="triangle"/>
-          </a:ln>
-        </p:spPr>
-        <p:style>
-          <a:lnRef idx="1">
-            <a:schemeClr val="accent1"/>
-          </a:lnRef>
-          <a:fillRef idx="0">
-            <a:schemeClr val="accent1"/>
-          </a:fillRef>
-          <a:effectRef idx="0">
-            <a:schemeClr val="accent1"/>
+            <a:schemeClr val="dk1"/>
           </a:effectRef>
           <a:fontRef idx="minor">
             <a:schemeClr val="tx1"/>
@@ -5081,10 +4548,10 @@
       </p:cxnSp>
       <p:cxnSp>
         <p:nvCxnSpPr>
-          <p:cNvPr id="79" name="Straight Arrow Connector 78">
-            <a:extLst>
-              <a:ext uri="{FF2B5EF4-FFF2-40B4-BE49-F238E27FC236}">
-                <a16:creationId xmlns:a16="http://schemas.microsoft.com/office/drawing/2014/main" id="{96332F9D-76D0-4DDD-A6CE-B2798545BCB7}"/>
+          <p:cNvPr id="114" name="Straight Arrow Connector 113">
+            <a:extLst>
+              <a:ext uri="{FF2B5EF4-FFF2-40B4-BE49-F238E27FC236}">
+                <a16:creationId xmlns:a16="http://schemas.microsoft.com/office/drawing/2014/main" id="{700A37AD-2C69-4839-92F2-A42666E89791}"/>
               </a:ext>
             </a:extLst>
           </p:cNvPr>
@@ -5095,8 +4562,8 @@
         </p:nvCxnSpPr>
         <p:spPr>
           <a:xfrm>
-            <a:off x="7160915" y="3032938"/>
-            <a:ext cx="0" cy="324729"/>
+            <a:off x="5847316" y="4602404"/>
+            <a:ext cx="0" cy="823477"/>
           </a:xfrm>
           <a:prstGeom prst="straightConnector1">
             <a:avLst/>
@@ -5107,243 +4574,13 @@
         </p:spPr>
         <p:style>
           <a:lnRef idx="1">
-            <a:schemeClr val="accent1"/>
+            <a:schemeClr val="dk1"/>
           </a:lnRef>
           <a:fillRef idx="0">
-            <a:schemeClr val="accent1"/>
+            <a:schemeClr val="dk1"/>
           </a:fillRef>
           <a:effectRef idx="0">
-            <a:schemeClr val="accent1"/>
-          </a:effectRef>
-          <a:fontRef idx="minor">
-            <a:schemeClr val="tx1"/>
-          </a:fontRef>
-        </p:style>
-      </p:cxnSp>
-      <p:sp>
-        <p:nvSpPr>
-          <p:cNvPr id="109" name="Rectangle 108">
-            <a:extLst>
-              <a:ext uri="{FF2B5EF4-FFF2-40B4-BE49-F238E27FC236}">
-                <a16:creationId xmlns:a16="http://schemas.microsoft.com/office/drawing/2014/main" id="{7D523246-6CEA-426B-907F-12F106F91952}"/>
-              </a:ext>
-            </a:extLst>
-          </p:cNvPr>
-          <p:cNvSpPr/>
-          <p:nvPr/>
-        </p:nvSpPr>
-        <p:spPr>
-          <a:xfrm>
-            <a:off x="5820729" y="918430"/>
-            <a:ext cx="585417" cy="307777"/>
-          </a:xfrm>
-          <a:prstGeom prst="rect">
-            <a:avLst/>
-          </a:prstGeom>
-        </p:spPr>
-        <p:txBody>
-          <a:bodyPr wrap="none">
-            <a:spAutoFit/>
-          </a:bodyPr>
-          <a:lstStyle/>
-          <a:p>
-            <a:r>
-              <a:rPr lang="en-SG" sz="1400" dirty="0"/>
-              <a:t>Email</a:t>
-            </a:r>
-          </a:p>
-        </p:txBody>
-      </p:sp>
-      <p:sp>
-        <p:nvSpPr>
-          <p:cNvPr id="98" name="Rectangle 97">
-            <a:extLst>
-              <a:ext uri="{FF2B5EF4-FFF2-40B4-BE49-F238E27FC236}">
-                <a16:creationId xmlns:a16="http://schemas.microsoft.com/office/drawing/2014/main" id="{5A193838-625B-4CE6-A8CE-E0A553A78680}"/>
-              </a:ext>
-            </a:extLst>
-          </p:cNvPr>
-          <p:cNvSpPr/>
-          <p:nvPr/>
-        </p:nvSpPr>
-        <p:spPr>
-          <a:xfrm>
-            <a:off x="5396541" y="366249"/>
-            <a:ext cx="208231" cy="275662"/>
-          </a:xfrm>
-          <a:prstGeom prst="rect">
-            <a:avLst/>
-          </a:prstGeom>
-        </p:spPr>
-        <p:style>
-          <a:lnRef idx="2">
-            <a:schemeClr val="accent2"/>
-          </a:lnRef>
-          <a:fillRef idx="1">
-            <a:schemeClr val="lt1"/>
-          </a:fillRef>
-          <a:effectRef idx="0">
-            <a:schemeClr val="accent2"/>
-          </a:effectRef>
-          <a:fontRef idx="minor">
-            <a:schemeClr val="dk1"/>
-          </a:fontRef>
-        </p:style>
-        <p:txBody>
-          <a:bodyPr rtlCol="0" anchor="ctr"/>
-          <a:lstStyle/>
-          <a:p>
-            <a:pPr algn="ctr"/>
-            <a:r>
-              <a:rPr lang="en-SG" dirty="0"/>
-              <a:t>2</a:t>
-            </a:r>
-          </a:p>
-        </p:txBody>
-      </p:sp>
-      <p:sp>
-        <p:nvSpPr>
-          <p:cNvPr id="112" name="Rectangle 111">
-            <a:extLst>
-              <a:ext uri="{FF2B5EF4-FFF2-40B4-BE49-F238E27FC236}">
-                <a16:creationId xmlns:a16="http://schemas.microsoft.com/office/drawing/2014/main" id="{22FB289C-C4EA-46F3-ACCE-42D256751A2F}"/>
-              </a:ext>
-            </a:extLst>
-          </p:cNvPr>
-          <p:cNvSpPr/>
-          <p:nvPr/>
-        </p:nvSpPr>
-        <p:spPr>
-          <a:xfrm>
-            <a:off x="6167909" y="5963620"/>
-            <a:ext cx="2051620" cy="560681"/>
-          </a:xfrm>
-          <a:prstGeom prst="rect">
-            <a:avLst/>
-          </a:prstGeom>
-          <a:solidFill>
-            <a:schemeClr val="bg1"/>
-          </a:solidFill>
-          <a:ln>
-            <a:solidFill>
-              <a:schemeClr val="tx1"/>
-            </a:solidFill>
-          </a:ln>
-        </p:spPr>
-        <p:style>
-          <a:lnRef idx="2">
-            <a:schemeClr val="accent1">
-              <a:shade val="50000"/>
-            </a:schemeClr>
-          </a:lnRef>
-          <a:fillRef idx="1">
-            <a:schemeClr val="accent1"/>
-          </a:fillRef>
-          <a:effectRef idx="0">
-            <a:schemeClr val="accent1"/>
-          </a:effectRef>
-          <a:fontRef idx="minor">
-            <a:schemeClr val="lt1"/>
-          </a:fontRef>
-        </p:style>
-        <p:txBody>
-          <a:bodyPr rtlCol="0" anchor="ctr"/>
-          <a:lstStyle/>
-          <a:p>
-            <a:pPr algn="ctr"/>
-            <a:r>
-              <a:rPr lang="en-SG" sz="1400" dirty="0">
-                <a:solidFill>
-                  <a:schemeClr val="tx1"/>
-                </a:solidFill>
-              </a:rPr>
-              <a:t>Store into database &amp; Print(“Account Created”)</a:t>
-            </a:r>
-          </a:p>
-        </p:txBody>
-      </p:sp>
-      <p:sp>
-        <p:nvSpPr>
-          <p:cNvPr id="113" name="Rectangle 112">
-            <a:extLst>
-              <a:ext uri="{FF2B5EF4-FFF2-40B4-BE49-F238E27FC236}">
-                <a16:creationId xmlns:a16="http://schemas.microsoft.com/office/drawing/2014/main" id="{73658D6A-EEB0-4ACB-A079-2673AA2693D4}"/>
-              </a:ext>
-            </a:extLst>
-          </p:cNvPr>
-          <p:cNvSpPr/>
-          <p:nvPr/>
-        </p:nvSpPr>
-        <p:spPr>
-          <a:xfrm>
-            <a:off x="8096926" y="5750840"/>
-            <a:ext cx="456587" cy="292406"/>
-          </a:xfrm>
-          <a:prstGeom prst="rect">
-            <a:avLst/>
-          </a:prstGeom>
-        </p:spPr>
-        <p:style>
-          <a:lnRef idx="2">
-            <a:schemeClr val="accent2"/>
-          </a:lnRef>
-          <a:fillRef idx="1">
-            <a:schemeClr val="lt1"/>
-          </a:fillRef>
-          <a:effectRef idx="0">
-            <a:schemeClr val="accent2"/>
-          </a:effectRef>
-          <a:fontRef idx="minor">
-            <a:schemeClr val="dk1"/>
-          </a:fontRef>
-        </p:style>
-        <p:txBody>
-          <a:bodyPr rtlCol="0" anchor="ctr"/>
-          <a:lstStyle/>
-          <a:p>
-            <a:pPr algn="ctr"/>
-            <a:r>
-              <a:rPr lang="en-SG" dirty="0"/>
-              <a:t>14</a:t>
-            </a:r>
-          </a:p>
-        </p:txBody>
-      </p:sp>
-      <p:cxnSp>
-        <p:nvCxnSpPr>
-          <p:cNvPr id="114" name="Straight Arrow Connector 113">
-            <a:extLst>
-              <a:ext uri="{FF2B5EF4-FFF2-40B4-BE49-F238E27FC236}">
-                <a16:creationId xmlns:a16="http://schemas.microsoft.com/office/drawing/2014/main" id="{8804AFB0-FBC5-418E-8424-B62E5B99ADC7}"/>
-              </a:ext>
-            </a:extLst>
-          </p:cNvPr>
-          <p:cNvCxnSpPr>
-            <a:cxnSpLocks/>
-          </p:cNvCxnSpPr>
-          <p:nvPr/>
-        </p:nvCxnSpPr>
-        <p:spPr>
-          <a:xfrm flipH="1">
-            <a:off x="2203454" y="6315856"/>
-            <a:ext cx="3964455" cy="0"/>
-          </a:xfrm>
-          <a:prstGeom prst="straightConnector1">
-            <a:avLst/>
-          </a:prstGeom>
-          <a:ln>
-            <a:tailEnd type="triangle"/>
-          </a:ln>
-        </p:spPr>
-        <p:style>
-          <a:lnRef idx="1">
-            <a:schemeClr val="accent1"/>
-          </a:lnRef>
-          <a:fillRef idx="0">
-            <a:schemeClr val="accent1"/>
-          </a:fillRef>
-          <a:effectRef idx="0">
-            <a:schemeClr val="accent1"/>
+            <a:schemeClr val="dk1"/>
           </a:effectRef>
           <a:fontRef idx="minor">
             <a:schemeClr val="tx1"/>
@@ -5352,23 +4589,23 @@
       </p:cxnSp>
       <p:cxnSp>
         <p:nvCxnSpPr>
-          <p:cNvPr id="117" name="Straight Arrow Connector 116">
-            <a:extLst>
-              <a:ext uri="{FF2B5EF4-FFF2-40B4-BE49-F238E27FC236}">
-                <a16:creationId xmlns:a16="http://schemas.microsoft.com/office/drawing/2014/main" id="{1E0A075F-B6FA-47F2-B973-37BEA45E0E10}"/>
+          <p:cNvPr id="120" name="Straight Arrow Connector 119">
+            <a:extLst>
+              <a:ext uri="{FF2B5EF4-FFF2-40B4-BE49-F238E27FC236}">
+                <a16:creationId xmlns:a16="http://schemas.microsoft.com/office/drawing/2014/main" id="{8D749BDE-D30C-4000-910D-2CEEA8AB65A2}"/>
               </a:ext>
             </a:extLst>
           </p:cNvPr>
           <p:cNvCxnSpPr>
             <a:cxnSpLocks/>
-            <a:endCxn id="112" idx="0"/>
+            <a:endCxn id="109" idx="1"/>
           </p:cNvCxnSpPr>
           <p:nvPr/>
         </p:nvCxnSpPr>
         <p:spPr>
           <a:xfrm>
-            <a:off x="7147047" y="5118430"/>
-            <a:ext cx="46672" cy="845190"/>
+            <a:off x="6685899" y="5783826"/>
+            <a:ext cx="1268828" cy="0"/>
           </a:xfrm>
           <a:prstGeom prst="straightConnector1">
             <a:avLst/>
@@ -5379,23 +4616,135 @@
         </p:spPr>
         <p:style>
           <a:lnRef idx="1">
-            <a:schemeClr val="accent1"/>
+            <a:schemeClr val="dk1"/>
           </a:lnRef>
           <a:fillRef idx="0">
-            <a:schemeClr val="accent1"/>
+            <a:schemeClr val="dk1"/>
           </a:fillRef>
           <a:effectRef idx="0">
-            <a:schemeClr val="accent1"/>
+            <a:schemeClr val="dk1"/>
           </a:effectRef>
           <a:fontRef idx="minor">
             <a:schemeClr val="tx1"/>
           </a:fontRef>
         </p:style>
       </p:cxnSp>
+      <p:cxnSp>
+        <p:nvCxnSpPr>
+          <p:cNvPr id="125" name="Straight Arrow Connector 124">
+            <a:extLst>
+              <a:ext uri="{FF2B5EF4-FFF2-40B4-BE49-F238E27FC236}">
+                <a16:creationId xmlns:a16="http://schemas.microsoft.com/office/drawing/2014/main" id="{EE0D0B50-FEB5-4259-B244-195A412A76E7}"/>
+              </a:ext>
+            </a:extLst>
+          </p:cNvPr>
+          <p:cNvCxnSpPr>
+            <a:cxnSpLocks/>
+            <a:endCxn id="24" idx="2"/>
+          </p:cNvCxnSpPr>
+          <p:nvPr/>
+        </p:nvCxnSpPr>
+        <p:spPr>
+          <a:xfrm flipV="1">
+            <a:off x="8502732" y="4383106"/>
+            <a:ext cx="0" cy="1139824"/>
+          </a:xfrm>
+          <a:prstGeom prst="straightConnector1">
+            <a:avLst/>
+          </a:prstGeom>
+          <a:ln>
+            <a:tailEnd type="triangle"/>
+          </a:ln>
+        </p:spPr>
+        <p:style>
+          <a:lnRef idx="1">
+            <a:schemeClr val="dk1"/>
+          </a:lnRef>
+          <a:fillRef idx="0">
+            <a:schemeClr val="dk1"/>
+          </a:fillRef>
+          <a:effectRef idx="0">
+            <a:schemeClr val="dk1"/>
+          </a:effectRef>
+          <a:fontRef idx="minor">
+            <a:schemeClr val="tx1"/>
+          </a:fontRef>
+        </p:style>
+      </p:cxnSp>
+      <p:sp>
+        <p:nvSpPr>
+          <p:cNvPr id="128" name="TextBox 127">
+            <a:extLst>
+              <a:ext uri="{FF2B5EF4-FFF2-40B4-BE49-F238E27FC236}">
+                <a16:creationId xmlns:a16="http://schemas.microsoft.com/office/drawing/2014/main" id="{82FD4F5A-7AC9-42F4-BC4A-629129A5B578}"/>
+              </a:ext>
+            </a:extLst>
+          </p:cNvPr>
+          <p:cNvSpPr txBox="1"/>
+          <p:nvPr/>
+        </p:nvSpPr>
+        <p:spPr>
+          <a:xfrm>
+            <a:off x="5869440" y="4602404"/>
+            <a:ext cx="616952" cy="307777"/>
+          </a:xfrm>
+          <a:prstGeom prst="rect">
+            <a:avLst/>
+          </a:prstGeom>
+          <a:noFill/>
+        </p:spPr>
+        <p:txBody>
+          <a:bodyPr wrap="square" rtlCol="0">
+            <a:spAutoFit/>
+          </a:bodyPr>
+          <a:lstStyle/>
+          <a:p>
+            <a:r>
+              <a:rPr lang="en-SG" sz="1400" b="1" dirty="0"/>
+              <a:t>True</a:t>
+            </a:r>
+          </a:p>
+        </p:txBody>
+      </p:sp>
+      <p:sp>
+        <p:nvSpPr>
+          <p:cNvPr id="129" name="TextBox 128">
+            <a:extLst>
+              <a:ext uri="{FF2B5EF4-FFF2-40B4-BE49-F238E27FC236}">
+                <a16:creationId xmlns:a16="http://schemas.microsoft.com/office/drawing/2014/main" id="{D22C3A61-B9B0-4F83-A772-ABCFD4902926}"/>
+              </a:ext>
+            </a:extLst>
+          </p:cNvPr>
+          <p:cNvSpPr txBox="1"/>
+          <p:nvPr/>
+        </p:nvSpPr>
+        <p:spPr>
+          <a:xfrm>
+            <a:off x="7033512" y="3793698"/>
+            <a:ext cx="616952" cy="307777"/>
+          </a:xfrm>
+          <a:prstGeom prst="rect">
+            <a:avLst/>
+          </a:prstGeom>
+          <a:noFill/>
+        </p:spPr>
+        <p:txBody>
+          <a:bodyPr wrap="square" rtlCol="0">
+            <a:spAutoFit/>
+          </a:bodyPr>
+          <a:lstStyle/>
+          <a:p>
+            <a:r>
+              <a:rPr lang="en-SG" sz="1400" b="1" dirty="0"/>
+              <a:t>False</a:t>
+            </a:r>
+          </a:p>
+        </p:txBody>
+      </p:sp>
     </p:spTree>
     <p:extLst>
       <p:ext uri="{BB962C8B-B14F-4D97-AF65-F5344CB8AC3E}">
-        <p14:creationId xmlns:p14="http://schemas.microsoft.com/office/powerpoint/2010/main" val="77919728"/>
+        <p14:creationId xmlns:p14="http://schemas.microsoft.com/office/powerpoint/2010/main" val="2924959434"/>
       </p:ext>
     </p:extLst>
   </p:cSld>
@@ -5424,10 +4773,68 @@
       </p:grpSpPr>
       <p:sp>
         <p:nvSpPr>
-          <p:cNvPr id="4" name="Rectangle 3">
-            <a:extLst>
-              <a:ext uri="{FF2B5EF4-FFF2-40B4-BE49-F238E27FC236}">
-                <a16:creationId xmlns:a16="http://schemas.microsoft.com/office/drawing/2014/main" id="{90004C61-8882-4C9A-88FF-FD271963B701}"/>
+          <p:cNvPr id="2" name="TextBox 1">
+            <a:extLst>
+              <a:ext uri="{FF2B5EF4-FFF2-40B4-BE49-F238E27FC236}">
+                <a16:creationId xmlns:a16="http://schemas.microsoft.com/office/drawing/2014/main" id="{2F689EB9-D61C-453C-8C75-F9606476E2C7}"/>
+              </a:ext>
+            </a:extLst>
+          </p:cNvPr>
+          <p:cNvSpPr txBox="1"/>
+          <p:nvPr/>
+        </p:nvSpPr>
+        <p:spPr>
+          <a:xfrm>
+            <a:off x="220368" y="108608"/>
+            <a:ext cx="4865306" cy="923330"/>
+          </a:xfrm>
+          <a:prstGeom prst="rect">
+            <a:avLst/>
+          </a:prstGeom>
+          <a:noFill/>
+        </p:spPr>
+        <p:txBody>
+          <a:bodyPr wrap="none" rtlCol="0">
+            <a:spAutoFit/>
+          </a:bodyPr>
+          <a:lstStyle/>
+          <a:p>
+            <a:r>
+              <a:rPr lang="en-SG" b="1" u="sng" dirty="0"/>
+              <a:t>Give Clinic Review</a:t>
+            </a:r>
+          </a:p>
+          <a:p>
+            <a:endParaRPr lang="en-SG" b="1" u="sng" dirty="0"/>
+          </a:p>
+          <a:p>
+            <a:r>
+              <a:rPr lang="en-SG" b="1" dirty="0" err="1"/>
+              <a:t>getAllFeedbackForClinic</a:t>
+            </a:r>
+            <a:r>
+              <a:rPr lang="en-SG" b="1" dirty="0"/>
+              <a:t>() </a:t>
+            </a:r>
+            <a:r>
+              <a:rPr lang="en-SG" b="1" dirty="0">
+                <a:sym typeface="Wingdings" panose="05000000000000000000" pitchFamily="2" charset="2"/>
+              </a:rPr>
+              <a:t> </a:t>
+            </a:r>
+            <a:r>
+              <a:rPr lang="en-SG" b="1" dirty="0"/>
+              <a:t>Retrieve All Reviews</a:t>
+            </a:r>
+          </a:p>
+        </p:txBody>
+      </p:sp>
+      <p:sp>
+        <p:nvSpPr>
+          <p:cNvPr id="8" name="Rectangle 7">
+            <a:extLst>
+              <a:ext uri="{FF2B5EF4-FFF2-40B4-BE49-F238E27FC236}">
+                <a16:creationId xmlns:a16="http://schemas.microsoft.com/office/drawing/2014/main" id="{0A6967D2-149B-4FFA-AF4B-2EE81CC78096}"/>
               </a:ext>
             </a:extLst>
           </p:cNvPr>
@@ -5436,7 +4843,7 @@
         </p:nvSpPr>
         <p:spPr>
           <a:xfrm>
-            <a:off x="3474565" y="579491"/>
+            <a:off x="635952" y="6072380"/>
             <a:ext cx="2017069" cy="388028"/>
           </a:xfrm>
           <a:prstGeom prst="rect">
@@ -5473,22 +4880,22 @@
           <a:p>
             <a:pPr algn="ctr"/>
             <a:r>
-              <a:rPr lang="en-SG" sz="1400" dirty="0">
+              <a:rPr lang="en-SG" sz="1400" b="1" dirty="0">
                 <a:solidFill>
                   <a:schemeClr val="tx1"/>
                 </a:solidFill>
               </a:rPr>
-              <a:t>Select Review Button</a:t>
-            </a:r>
-          </a:p>
-        </p:txBody>
-      </p:sp>
-      <p:sp>
-        <p:nvSpPr>
-          <p:cNvPr id="5" name="Diamond 4">
-            <a:extLst>
-              <a:ext uri="{FF2B5EF4-FFF2-40B4-BE49-F238E27FC236}">
-                <a16:creationId xmlns:a16="http://schemas.microsoft.com/office/drawing/2014/main" id="{E6DE4AA6-F1D9-46B2-9A48-BB8734AAF5B7}"/>
+              <a:t>Return</a:t>
+            </a:r>
+          </a:p>
+        </p:txBody>
+      </p:sp>
+      <p:sp>
+        <p:nvSpPr>
+          <p:cNvPr id="12" name="Rectangle 11">
+            <a:extLst>
+              <a:ext uri="{FF2B5EF4-FFF2-40B4-BE49-F238E27FC236}">
+                <a16:creationId xmlns:a16="http://schemas.microsoft.com/office/drawing/2014/main" id="{B2759F3E-FFF6-4CBC-BD13-AAFCE5BDBA5F}"/>
               </a:ext>
             </a:extLst>
           </p:cNvPr>
@@ -5497,10 +4904,10 @@
         </p:nvSpPr>
         <p:spPr>
           <a:xfrm>
-            <a:off x="5978946" y="1854445"/>
-            <a:ext cx="2903793" cy="544983"/>
-          </a:xfrm>
-          <a:prstGeom prst="diamond">
+            <a:off x="746094" y="1249812"/>
+            <a:ext cx="2017069" cy="388028"/>
+          </a:xfrm>
+          <a:prstGeom prst="rect">
             <a:avLst/>
           </a:prstGeom>
           <a:solidFill>
@@ -5539,94 +4946,17 @@
                   <a:schemeClr val="tx1"/>
                 </a:solidFill>
               </a:rPr>
-              <a:t>If account != null </a:t>
-            </a:r>
-          </a:p>
-        </p:txBody>
-      </p:sp>
-      <p:cxnSp>
-        <p:nvCxnSpPr>
-          <p:cNvPr id="7" name="Straight Arrow Connector 6">
-            <a:extLst>
-              <a:ext uri="{FF2B5EF4-FFF2-40B4-BE49-F238E27FC236}">
-                <a16:creationId xmlns:a16="http://schemas.microsoft.com/office/drawing/2014/main" id="{CA74747D-C739-4FBD-AF0D-38738DEA440B}"/>
-              </a:ext>
-            </a:extLst>
-          </p:cNvPr>
-          <p:cNvCxnSpPr>
-            <a:cxnSpLocks/>
-            <a:endCxn id="4" idx="1"/>
-          </p:cNvCxnSpPr>
-          <p:nvPr/>
-        </p:nvCxnSpPr>
-        <p:spPr>
-          <a:xfrm flipV="1">
-            <a:off x="2677916" y="773505"/>
-            <a:ext cx="796649" cy="11092"/>
-          </a:xfrm>
-          <a:prstGeom prst="straightConnector1">
-            <a:avLst/>
-          </a:prstGeom>
-          <a:ln>
-            <a:tailEnd type="triangle"/>
-          </a:ln>
-        </p:spPr>
-        <p:style>
-          <a:lnRef idx="1">
-            <a:schemeClr val="accent1"/>
-          </a:lnRef>
-          <a:fillRef idx="0">
-            <a:schemeClr val="accent1"/>
-          </a:fillRef>
-          <a:effectRef idx="0">
-            <a:schemeClr val="accent1"/>
-          </a:effectRef>
-          <a:fontRef idx="minor">
-            <a:schemeClr val="tx1"/>
-          </a:fontRef>
-        </p:style>
-      </p:cxnSp>
-      <p:sp>
-        <p:nvSpPr>
-          <p:cNvPr id="2" name="TextBox 1">
-            <a:extLst>
-              <a:ext uri="{FF2B5EF4-FFF2-40B4-BE49-F238E27FC236}">
-                <a16:creationId xmlns:a16="http://schemas.microsoft.com/office/drawing/2014/main" id="{2F689EB9-D61C-453C-8C75-F9606476E2C7}"/>
-              </a:ext>
-            </a:extLst>
-          </p:cNvPr>
-          <p:cNvSpPr txBox="1"/>
-          <p:nvPr/>
-        </p:nvSpPr>
-        <p:spPr>
-          <a:xfrm>
-            <a:off x="220368" y="108608"/>
-            <a:ext cx="1917704" cy="369332"/>
-          </a:xfrm>
-          <a:prstGeom prst="rect">
-            <a:avLst/>
-          </a:prstGeom>
-          <a:noFill/>
-        </p:spPr>
-        <p:txBody>
-          <a:bodyPr wrap="none" rtlCol="0">
-            <a:spAutoFit/>
-          </a:bodyPr>
-          <a:lstStyle/>
-          <a:p>
-            <a:r>
-              <a:rPr lang="en-SG" b="1" dirty="0"/>
-              <a:t>Give Clinic Review</a:t>
-            </a:r>
-          </a:p>
-        </p:txBody>
-      </p:sp>
-      <p:sp>
-        <p:nvSpPr>
-          <p:cNvPr id="8" name="Rectangle 7">
-            <a:extLst>
-              <a:ext uri="{FF2B5EF4-FFF2-40B4-BE49-F238E27FC236}">
-                <a16:creationId xmlns:a16="http://schemas.microsoft.com/office/drawing/2014/main" id="{0A6967D2-149B-4FFA-AF4B-2EE81CC78096}"/>
+              <a:t>Get Clinic Code</a:t>
+            </a:r>
+          </a:p>
+        </p:txBody>
+      </p:sp>
+      <p:sp>
+        <p:nvSpPr>
+          <p:cNvPr id="24" name="Rectangle 23">
+            <a:extLst>
+              <a:ext uri="{FF2B5EF4-FFF2-40B4-BE49-F238E27FC236}">
+                <a16:creationId xmlns:a16="http://schemas.microsoft.com/office/drawing/2014/main" id="{962B327E-AFA8-4691-8BDE-080C1490A6B1}"/>
               </a:ext>
             </a:extLst>
           </p:cNvPr>
@@ -5635,8 +4965,8 @@
         </p:nvSpPr>
         <p:spPr>
           <a:xfrm>
-            <a:off x="3076183" y="6268718"/>
-            <a:ext cx="2017069" cy="388028"/>
+            <a:off x="7954727" y="3861312"/>
+            <a:ext cx="1096010" cy="521794"/>
           </a:xfrm>
           <a:prstGeom prst="rect">
             <a:avLst/>
@@ -5672,30 +5002,60 @@
           <a:p>
             <a:pPr algn="ctr"/>
             <a:r>
-              <a:rPr lang="en-SG" sz="1400" b="1" dirty="0" err="1">
-                <a:solidFill>
-                  <a:schemeClr val="tx1"/>
-                </a:solidFill>
-              </a:rPr>
-              <a:t>displayMap</a:t>
-            </a:r>
-            <a:r>
               <a:rPr lang="en-SG" sz="1400" b="1" dirty="0">
                 <a:solidFill>
                   <a:schemeClr val="tx1"/>
                 </a:solidFill>
               </a:rPr>
-              <a:t>();</a:t>
-            </a:r>
-          </a:p>
-        </p:txBody>
-      </p:sp>
-      <p:sp>
-        <p:nvSpPr>
-          <p:cNvPr id="12" name="Rectangle 11">
-            <a:extLst>
-              <a:ext uri="{FF2B5EF4-FFF2-40B4-BE49-F238E27FC236}">
-                <a16:creationId xmlns:a16="http://schemas.microsoft.com/office/drawing/2014/main" id="{B2759F3E-FFF6-4CBC-BD13-AAFCE5BDBA5F}"/>
+              <a:t>i++</a:t>
+            </a:r>
+          </a:p>
+        </p:txBody>
+      </p:sp>
+      <p:cxnSp>
+        <p:nvCxnSpPr>
+          <p:cNvPr id="33" name="Straight Connector 32">
+            <a:extLst>
+              <a:ext uri="{FF2B5EF4-FFF2-40B4-BE49-F238E27FC236}">
+                <a16:creationId xmlns:a16="http://schemas.microsoft.com/office/drawing/2014/main" id="{CEA5161B-37FF-40E4-8FA8-E2CDD8041AF7}"/>
+              </a:ext>
+            </a:extLst>
+          </p:cNvPr>
+          <p:cNvCxnSpPr>
+            <a:cxnSpLocks/>
+          </p:cNvCxnSpPr>
+          <p:nvPr/>
+        </p:nvCxnSpPr>
+        <p:spPr>
+          <a:xfrm>
+            <a:off x="3060100" y="3631897"/>
+            <a:ext cx="611383" cy="0"/>
+          </a:xfrm>
+          <a:prstGeom prst="line">
+            <a:avLst/>
+          </a:prstGeom>
+        </p:spPr>
+        <p:style>
+          <a:lnRef idx="1">
+            <a:schemeClr val="dk1"/>
+          </a:lnRef>
+          <a:fillRef idx="0">
+            <a:schemeClr val="dk1"/>
+          </a:fillRef>
+          <a:effectRef idx="0">
+            <a:schemeClr val="dk1"/>
+          </a:effectRef>
+          <a:fontRef idx="minor">
+            <a:schemeClr val="tx1"/>
+          </a:fontRef>
+        </p:style>
+      </p:cxnSp>
+      <p:sp>
+        <p:nvSpPr>
+          <p:cNvPr id="42" name="Diamond 41">
+            <a:extLst>
+              <a:ext uri="{FF2B5EF4-FFF2-40B4-BE49-F238E27FC236}">
+                <a16:creationId xmlns:a16="http://schemas.microsoft.com/office/drawing/2014/main" id="{A3B59036-1B5D-4810-A49E-9E88D4D4A931}"/>
               </a:ext>
             </a:extLst>
           </p:cNvPr>
@@ -5704,10 +5064,10 @@
         </p:nvSpPr>
         <p:spPr>
           <a:xfrm>
-            <a:off x="726125" y="579709"/>
-            <a:ext cx="2017069" cy="388028"/>
-          </a:xfrm>
-          <a:prstGeom prst="rect">
+            <a:off x="279855" y="3177082"/>
+            <a:ext cx="2755175" cy="916370"/>
+          </a:xfrm>
+          <a:prstGeom prst="diamond">
             <a:avLst/>
           </a:prstGeom>
           <a:solidFill>
@@ -5741,22 +5101,41 @@
           <a:p>
             <a:pPr algn="ctr"/>
             <a:r>
+              <a:rPr lang="en-SG" sz="1400" b="1" dirty="0" err="1">
+                <a:solidFill>
+                  <a:schemeClr val="tx1"/>
+                </a:solidFill>
+              </a:rPr>
+              <a:t>reviewAI</a:t>
+            </a:r>
+            <a:r>
               <a:rPr lang="en-SG" sz="1400" b="1" dirty="0">
                 <a:solidFill>
                   <a:schemeClr val="tx1"/>
                 </a:solidFill>
               </a:rPr>
-              <a:t>View Clinic Information</a:t>
+              <a:t> != null</a:t>
+            </a:r>
+          </a:p>
+          <a:p>
+            <a:pPr algn="ctr"/>
+            <a:r>
+              <a:rPr lang="en-SG" sz="1400" b="1" dirty="0">
+                <a:solidFill>
+                  <a:schemeClr val="tx1"/>
+                </a:solidFill>
+              </a:rPr>
+              <a:t>(Is it in review page?)</a:t>
             </a:r>
           </a:p>
         </p:txBody>
       </p:sp>
       <p:cxnSp>
         <p:nvCxnSpPr>
-          <p:cNvPr id="15" name="Straight Arrow Connector 14">
-            <a:extLst>
-              <a:ext uri="{FF2B5EF4-FFF2-40B4-BE49-F238E27FC236}">
-                <a16:creationId xmlns:a16="http://schemas.microsoft.com/office/drawing/2014/main" id="{7DA807A6-24D2-4135-AA90-AB1AB7F54D41}"/>
+          <p:cNvPr id="55" name="Straight Arrow Connector 54">
+            <a:extLst>
+              <a:ext uri="{FF2B5EF4-FFF2-40B4-BE49-F238E27FC236}">
+                <a16:creationId xmlns:a16="http://schemas.microsoft.com/office/drawing/2014/main" id="{7168D8D2-6A8F-4761-A7D4-4E4BD3CD598C}"/>
               </a:ext>
             </a:extLst>
           </p:cNvPr>
@@ -5767,8 +5146,8 @@
         </p:nvCxnSpPr>
         <p:spPr>
           <a:xfrm>
-            <a:off x="7439058" y="966711"/>
-            <a:ext cx="0" cy="887734"/>
+            <a:off x="5847316" y="2862092"/>
+            <a:ext cx="0" cy="783657"/>
           </a:xfrm>
           <a:prstGeom prst="straightConnector1">
             <a:avLst/>
@@ -5779,66 +5158,25 @@
         </p:spPr>
         <p:style>
           <a:lnRef idx="1">
-            <a:schemeClr val="accent1"/>
+            <a:schemeClr val="dk1"/>
           </a:lnRef>
           <a:fillRef idx="0">
-            <a:schemeClr val="accent1"/>
+            <a:schemeClr val="dk1"/>
           </a:fillRef>
           <a:effectRef idx="0">
-            <a:schemeClr val="accent1"/>
+            <a:schemeClr val="dk1"/>
           </a:effectRef>
           <a:fontRef idx="minor">
             <a:schemeClr val="tx1"/>
           </a:fontRef>
         </p:style>
       </p:cxnSp>
-      <p:cxnSp>
-        <p:nvCxnSpPr>
-          <p:cNvPr id="21" name="Straight Arrow Connector 20">
-            <a:extLst>
-              <a:ext uri="{FF2B5EF4-FFF2-40B4-BE49-F238E27FC236}">
-                <a16:creationId xmlns:a16="http://schemas.microsoft.com/office/drawing/2014/main" id="{A36A4B12-D752-4E78-A401-04A1B90AC285}"/>
-              </a:ext>
-            </a:extLst>
-          </p:cNvPr>
-          <p:cNvCxnSpPr>
-            <a:cxnSpLocks/>
-          </p:cNvCxnSpPr>
-          <p:nvPr/>
-        </p:nvCxnSpPr>
-        <p:spPr>
-          <a:xfrm flipV="1">
-            <a:off x="1809416" y="966193"/>
-            <a:ext cx="0" cy="936820"/>
-          </a:xfrm>
-          <a:prstGeom prst="straightConnector1">
-            <a:avLst/>
-          </a:prstGeom>
-          <a:ln>
-            <a:tailEnd type="triangle"/>
-          </a:ln>
-        </p:spPr>
-        <p:style>
-          <a:lnRef idx="1">
-            <a:schemeClr val="accent1"/>
-          </a:lnRef>
-          <a:fillRef idx="0">
-            <a:schemeClr val="accent1"/>
-          </a:fillRef>
-          <a:effectRef idx="0">
-            <a:schemeClr val="accent1"/>
-          </a:effectRef>
-          <a:fontRef idx="minor">
-            <a:schemeClr val="tx1"/>
-          </a:fontRef>
-        </p:style>
-      </p:cxnSp>
-      <p:sp>
-        <p:nvSpPr>
-          <p:cNvPr id="24" name="Rectangle 23">
-            <a:extLst>
-              <a:ext uri="{FF2B5EF4-FFF2-40B4-BE49-F238E27FC236}">
-                <a16:creationId xmlns:a16="http://schemas.microsoft.com/office/drawing/2014/main" id="{962B327E-AFA8-4691-8BDE-080C1490A6B1}"/>
+      <p:sp>
+        <p:nvSpPr>
+          <p:cNvPr id="68" name="Diamond 67">
+            <a:extLst>
+              <a:ext uri="{FF2B5EF4-FFF2-40B4-BE49-F238E27FC236}">
+                <a16:creationId xmlns:a16="http://schemas.microsoft.com/office/drawing/2014/main" id="{160F875E-EDB7-4A06-98F1-B6552B102D5C}"/>
               </a:ext>
             </a:extLst>
           </p:cNvPr>
@@ -5847,10 +5185,10 @@
         </p:nvSpPr>
         <p:spPr>
           <a:xfrm>
-            <a:off x="398778" y="1903013"/>
-            <a:ext cx="3095574" cy="403996"/>
-          </a:xfrm>
-          <a:prstGeom prst="rect">
+            <a:off x="4384001" y="2066839"/>
+            <a:ext cx="2926630" cy="795253"/>
+          </a:xfrm>
+          <a:prstGeom prst="diamond">
             <a:avLst/>
           </a:prstGeom>
           <a:solidFill>
@@ -5884,180 +5222,49 @@
           <a:p>
             <a:pPr algn="ctr"/>
             <a:r>
-              <a:rPr lang="en-SG" sz="1400" dirty="0">
+              <a:rPr lang="en-SG" sz="1400" b="1" dirty="0">
                 <a:solidFill>
                   <a:schemeClr val="tx1"/>
                 </a:solidFill>
               </a:rPr>
-              <a:t>Print “Please login to leave a review”</a:t>
-            </a:r>
-          </a:p>
-        </p:txBody>
-      </p:sp>
-      <p:cxnSp>
-        <p:nvCxnSpPr>
-          <p:cNvPr id="31" name="Straight Connector 30">
-            <a:extLst>
-              <a:ext uri="{FF2B5EF4-FFF2-40B4-BE49-F238E27FC236}">
-                <a16:creationId xmlns:a16="http://schemas.microsoft.com/office/drawing/2014/main" id="{C48C486A-939F-4FF3-A06E-288FF7006B48}"/>
-              </a:ext>
-            </a:extLst>
-          </p:cNvPr>
-          <p:cNvCxnSpPr>
-            <a:cxnSpLocks/>
-            <a:endCxn id="80" idx="1"/>
-          </p:cNvCxnSpPr>
-          <p:nvPr/>
-        </p:nvCxnSpPr>
-        <p:spPr>
-          <a:xfrm>
-            <a:off x="497876" y="5041102"/>
-            <a:ext cx="1771213" cy="0"/>
-          </a:xfrm>
-          <a:prstGeom prst="line">
-            <a:avLst/>
-          </a:prstGeom>
-        </p:spPr>
-        <p:style>
-          <a:lnRef idx="1">
-            <a:schemeClr val="accent1"/>
-          </a:lnRef>
-          <a:fillRef idx="0">
-            <a:schemeClr val="accent1"/>
-          </a:fillRef>
-          <a:effectRef idx="0">
-            <a:schemeClr val="accent1"/>
-          </a:effectRef>
-          <a:fontRef idx="minor">
-            <a:schemeClr val="tx1"/>
-          </a:fontRef>
-        </p:style>
-      </p:cxnSp>
-      <p:cxnSp>
-        <p:nvCxnSpPr>
-          <p:cNvPr id="32" name="Straight Connector 31">
-            <a:extLst>
-              <a:ext uri="{FF2B5EF4-FFF2-40B4-BE49-F238E27FC236}">
-                <a16:creationId xmlns:a16="http://schemas.microsoft.com/office/drawing/2014/main" id="{5AE6988D-A350-4D5D-AE34-9503ADFF038F}"/>
-              </a:ext>
-            </a:extLst>
-          </p:cNvPr>
-          <p:cNvCxnSpPr>
-            <a:cxnSpLocks/>
-          </p:cNvCxnSpPr>
-          <p:nvPr/>
-        </p:nvCxnSpPr>
-        <p:spPr>
-          <a:xfrm>
-            <a:off x="497876" y="2858664"/>
-            <a:ext cx="0" cy="2157687"/>
-          </a:xfrm>
-          <a:prstGeom prst="line">
-            <a:avLst/>
-          </a:prstGeom>
-        </p:spPr>
-        <p:style>
-          <a:lnRef idx="1">
-            <a:schemeClr val="accent1"/>
-          </a:lnRef>
-          <a:fillRef idx="0">
-            <a:schemeClr val="accent1"/>
-          </a:fillRef>
-          <a:effectRef idx="0">
-            <a:schemeClr val="accent1"/>
-          </a:effectRef>
-          <a:fontRef idx="minor">
-            <a:schemeClr val="tx1"/>
-          </a:fontRef>
-        </p:style>
-      </p:cxnSp>
-      <p:cxnSp>
-        <p:nvCxnSpPr>
-          <p:cNvPr id="33" name="Straight Connector 32">
-            <a:extLst>
-              <a:ext uri="{FF2B5EF4-FFF2-40B4-BE49-F238E27FC236}">
-                <a16:creationId xmlns:a16="http://schemas.microsoft.com/office/drawing/2014/main" id="{CEA5161B-37FF-40E4-8FA8-E2CDD8041AF7}"/>
-              </a:ext>
-            </a:extLst>
-          </p:cNvPr>
-          <p:cNvCxnSpPr>
-            <a:cxnSpLocks/>
-          </p:cNvCxnSpPr>
-          <p:nvPr/>
-        </p:nvCxnSpPr>
-        <p:spPr>
-          <a:xfrm>
-            <a:off x="497876" y="4065701"/>
-            <a:ext cx="537445" cy="0"/>
-          </a:xfrm>
-          <a:prstGeom prst="line">
-            <a:avLst/>
-          </a:prstGeom>
-        </p:spPr>
-        <p:style>
-          <a:lnRef idx="1">
-            <a:schemeClr val="accent1"/>
-          </a:lnRef>
-          <a:fillRef idx="0">
-            <a:schemeClr val="accent1"/>
-          </a:fillRef>
-          <a:effectRef idx="0">
-            <a:schemeClr val="accent1"/>
-          </a:effectRef>
-          <a:fontRef idx="minor">
-            <a:schemeClr val="tx1"/>
-          </a:fontRef>
-        </p:style>
-      </p:cxnSp>
-      <p:cxnSp>
-        <p:nvCxnSpPr>
-          <p:cNvPr id="34" name="Straight Arrow Connector 33">
-            <a:extLst>
-              <a:ext uri="{FF2B5EF4-FFF2-40B4-BE49-F238E27FC236}">
-                <a16:creationId xmlns:a16="http://schemas.microsoft.com/office/drawing/2014/main" id="{5BD37265-87D0-422A-AF6D-D0A6A19877E8}"/>
-              </a:ext>
-            </a:extLst>
-          </p:cNvPr>
-          <p:cNvCxnSpPr>
-            <a:cxnSpLocks/>
-            <a:stCxn id="5" idx="1"/>
-            <a:endCxn id="24" idx="3"/>
-          </p:cNvCxnSpPr>
-          <p:nvPr/>
-        </p:nvCxnSpPr>
-        <p:spPr>
-          <a:xfrm flipH="1" flipV="1">
-            <a:off x="3494352" y="2105011"/>
-            <a:ext cx="2484594" cy="21926"/>
-          </a:xfrm>
-          <a:prstGeom prst="straightConnector1">
-            <a:avLst/>
-          </a:prstGeom>
-          <a:ln>
-            <a:tailEnd type="triangle"/>
-          </a:ln>
-        </p:spPr>
-        <p:style>
-          <a:lnRef idx="1">
-            <a:schemeClr val="accent1"/>
-          </a:lnRef>
-          <a:fillRef idx="0">
-            <a:schemeClr val="accent1"/>
-          </a:fillRef>
-          <a:effectRef idx="0">
-            <a:schemeClr val="accent1"/>
-          </a:effectRef>
-          <a:fontRef idx="minor">
-            <a:schemeClr val="tx1"/>
-          </a:fontRef>
-        </p:style>
-      </p:cxnSp>
-      <p:sp>
-        <p:nvSpPr>
-          <p:cNvPr id="42" name="Diamond 41">
-            <a:extLst>
-              <a:ext uri="{FF2B5EF4-FFF2-40B4-BE49-F238E27FC236}">
-                <a16:creationId xmlns:a16="http://schemas.microsoft.com/office/drawing/2014/main" id="{A3B59036-1B5D-4810-A49E-9E88D4D4A931}"/>
+              <a:t>While </a:t>
+            </a:r>
+          </a:p>
+          <a:p>
+            <a:pPr algn="ctr"/>
+            <a:r>
+              <a:rPr lang="en-SG" sz="1400" b="1" dirty="0">
+                <a:solidFill>
+                  <a:schemeClr val="tx1"/>
+                </a:solidFill>
+              </a:rPr>
+              <a:t>i &lt; </a:t>
+            </a:r>
+            <a:r>
+              <a:rPr lang="en-SG" sz="1400" b="1" dirty="0" err="1">
+                <a:solidFill>
+                  <a:schemeClr val="tx1"/>
+                </a:solidFill>
+              </a:rPr>
+              <a:t>Review.size</a:t>
+            </a:r>
+            <a:r>
+              <a:rPr lang="en-SG" sz="1400" b="1" dirty="0">
+                <a:solidFill>
+                  <a:schemeClr val="tx1"/>
+                </a:solidFill>
+              </a:rPr>
+              <a:t>() </a:t>
+            </a:r>
+          </a:p>
+        </p:txBody>
+      </p:sp>
+      <p:sp>
+        <p:nvSpPr>
+          <p:cNvPr id="69" name="Rectangle 68">
+            <a:extLst>
+              <a:ext uri="{FF2B5EF4-FFF2-40B4-BE49-F238E27FC236}">
+                <a16:creationId xmlns:a16="http://schemas.microsoft.com/office/drawing/2014/main" id="{4E611924-0FEC-4D4F-BD27-13E3D88E8A47}"/>
               </a:ext>
             </a:extLst>
           </p:cNvPr>
@@ -6066,10 +5273,10 @@
         </p:nvSpPr>
         <p:spPr>
           <a:xfrm>
-            <a:off x="3434713" y="3710971"/>
-            <a:ext cx="2017069" cy="746163"/>
-          </a:xfrm>
-          <a:prstGeom prst="diamond">
+            <a:off x="4962893" y="5462513"/>
+            <a:ext cx="1723006" cy="642627"/>
+          </a:xfrm>
+          <a:prstGeom prst="rect">
             <a:avLst/>
           </a:prstGeom>
           <a:solidFill>
@@ -6108,30 +5315,42 @@
                   <a:schemeClr val="tx1"/>
                 </a:solidFill>
               </a:rPr>
-              <a:t>Feedback != NULL</a:t>
-            </a:r>
+              <a:t>Add This Review to </a:t>
+            </a:r>
+            <a:r>
+              <a:rPr lang="en-SG" sz="1400" b="1" dirty="0" err="1">
+                <a:solidFill>
+                  <a:schemeClr val="tx1"/>
+                </a:solidFill>
+              </a:rPr>
+              <a:t>newReviewAI</a:t>
+            </a:r>
+            <a:endParaRPr lang="en-SG" sz="1400" b="1" dirty="0">
+              <a:solidFill>
+                <a:schemeClr val="tx1"/>
+              </a:solidFill>
+            </a:endParaRPr>
           </a:p>
         </p:txBody>
       </p:sp>
       <p:cxnSp>
         <p:nvCxnSpPr>
-          <p:cNvPr id="43" name="Straight Arrow Connector 42">
-            <a:extLst>
-              <a:ext uri="{FF2B5EF4-FFF2-40B4-BE49-F238E27FC236}">
-                <a16:creationId xmlns:a16="http://schemas.microsoft.com/office/drawing/2014/main" id="{8F75909B-E109-41FB-A25D-7DB09B16B1D0}"/>
+          <p:cNvPr id="72" name="Straight Arrow Connector 71">
+            <a:extLst>
+              <a:ext uri="{FF2B5EF4-FFF2-40B4-BE49-F238E27FC236}">
+                <a16:creationId xmlns:a16="http://schemas.microsoft.com/office/drawing/2014/main" id="{FD16E487-52D7-4720-9F48-8782D5BF9B8B}"/>
               </a:ext>
             </a:extLst>
           </p:cNvPr>
           <p:cNvCxnSpPr>
             <a:cxnSpLocks/>
-            <a:endCxn id="41" idx="1"/>
           </p:cNvCxnSpPr>
           <p:nvPr/>
         </p:nvCxnSpPr>
         <p:spPr>
           <a:xfrm>
-            <a:off x="497876" y="2864312"/>
-            <a:ext cx="2716646" cy="19103"/>
+            <a:off x="3671483" y="1321619"/>
+            <a:ext cx="1572036" cy="0"/>
           </a:xfrm>
           <a:prstGeom prst="straightConnector1">
             <a:avLst/>
@@ -6142,13 +5361,13 @@
         </p:spPr>
         <p:style>
           <a:lnRef idx="1">
-            <a:schemeClr val="accent1"/>
+            <a:schemeClr val="dk1"/>
           </a:lnRef>
           <a:fillRef idx="0">
-            <a:schemeClr val="accent1"/>
+            <a:schemeClr val="dk1"/>
           </a:fillRef>
           <a:effectRef idx="0">
-            <a:schemeClr val="accent1"/>
+            <a:schemeClr val="dk1"/>
           </a:effectRef>
           <a:fontRef idx="minor">
             <a:schemeClr val="tx1"/>
@@ -6157,10 +5376,10 @@
       </p:cxnSp>
       <p:sp>
         <p:nvSpPr>
-          <p:cNvPr id="50" name="Rectangle 49">
-            <a:extLst>
-              <a:ext uri="{FF2B5EF4-FFF2-40B4-BE49-F238E27FC236}">
-                <a16:creationId xmlns:a16="http://schemas.microsoft.com/office/drawing/2014/main" id="{9FD5CA24-AF93-4556-9389-CA1D415FE5C7}"/>
+          <p:cNvPr id="80" name="Rectangle 79">
+            <a:extLst>
+              <a:ext uri="{FF2B5EF4-FFF2-40B4-BE49-F238E27FC236}">
+                <a16:creationId xmlns:a16="http://schemas.microsoft.com/office/drawing/2014/main" id="{9554C08B-1201-44DE-AD5F-3FAFC13D0F9F}"/>
               </a:ext>
             </a:extLst>
           </p:cNvPr>
@@ -6169,8 +5388,8 @@
         </p:nvSpPr>
         <p:spPr>
           <a:xfrm>
-            <a:off x="6347420" y="3903932"/>
-            <a:ext cx="2074524" cy="345307"/>
+            <a:off x="5251222" y="1062327"/>
+            <a:ext cx="1207359" cy="494891"/>
           </a:xfrm>
           <a:prstGeom prst="rect">
             <a:avLst/>
@@ -6206,205 +5425,57 @@
           <a:p>
             <a:pPr algn="ctr"/>
             <a:r>
-              <a:rPr lang="en-SG" sz="1400" dirty="0">
+              <a:rPr lang="en-SG" sz="1400" b="1" dirty="0">
                 <a:solidFill>
                   <a:schemeClr val="tx1"/>
                 </a:solidFill>
               </a:rPr>
-              <a:t>Result = </a:t>
-            </a:r>
-            <a:r>
-              <a:rPr lang="en-SG" sz="1400" dirty="0" err="1">
-                <a:solidFill>
-                  <a:schemeClr val="tx1"/>
-                </a:solidFill>
-              </a:rPr>
-              <a:t>saveReview</a:t>
-            </a:r>
-            <a:r>
-              <a:rPr lang="en-SG" sz="1400" dirty="0">
-                <a:solidFill>
-                  <a:schemeClr val="tx1"/>
-                </a:solidFill>
-              </a:rPr>
-              <a:t>()</a:t>
-            </a:r>
-          </a:p>
-        </p:txBody>
-      </p:sp>
-      <p:cxnSp>
-        <p:nvCxnSpPr>
-          <p:cNvPr id="52" name="Straight Arrow Connector 51">
-            <a:extLst>
-              <a:ext uri="{FF2B5EF4-FFF2-40B4-BE49-F238E27FC236}">
-                <a16:creationId xmlns:a16="http://schemas.microsoft.com/office/drawing/2014/main" id="{62E4DEE8-A830-46D8-9906-3C8646DF4F94}"/>
-              </a:ext>
-            </a:extLst>
-          </p:cNvPr>
-          <p:cNvCxnSpPr>
-            <a:cxnSpLocks/>
-          </p:cNvCxnSpPr>
-          <p:nvPr/>
-        </p:nvCxnSpPr>
-        <p:spPr>
-          <a:xfrm>
-            <a:off x="4443248" y="3109467"/>
-            <a:ext cx="0" cy="581603"/>
-          </a:xfrm>
-          <a:prstGeom prst="straightConnector1">
-            <a:avLst/>
-          </a:prstGeom>
-          <a:ln>
-            <a:tailEnd type="triangle"/>
-          </a:ln>
-        </p:spPr>
-        <p:style>
-          <a:lnRef idx="1">
-            <a:schemeClr val="accent1"/>
-          </a:lnRef>
-          <a:fillRef idx="0">
-            <a:schemeClr val="accent1"/>
-          </a:fillRef>
-          <a:effectRef idx="0">
-            <a:schemeClr val="accent1"/>
-          </a:effectRef>
-          <a:fontRef idx="minor">
-            <a:schemeClr val="tx1"/>
-          </a:fontRef>
-        </p:style>
-      </p:cxnSp>
-      <p:cxnSp>
-        <p:nvCxnSpPr>
-          <p:cNvPr id="55" name="Straight Arrow Connector 54">
-            <a:extLst>
-              <a:ext uri="{FF2B5EF4-FFF2-40B4-BE49-F238E27FC236}">
-                <a16:creationId xmlns:a16="http://schemas.microsoft.com/office/drawing/2014/main" id="{7168D8D2-6A8F-4761-A7D4-4E4BD3CD598C}"/>
-              </a:ext>
-            </a:extLst>
-          </p:cNvPr>
-          <p:cNvCxnSpPr>
-            <a:cxnSpLocks/>
-          </p:cNvCxnSpPr>
-          <p:nvPr/>
-        </p:nvCxnSpPr>
-        <p:spPr>
-          <a:xfrm>
-            <a:off x="7394401" y="5398889"/>
-            <a:ext cx="0" cy="581603"/>
-          </a:xfrm>
-          <a:prstGeom prst="straightConnector1">
-            <a:avLst/>
-          </a:prstGeom>
-          <a:ln>
-            <a:tailEnd type="triangle"/>
-          </a:ln>
-        </p:spPr>
-        <p:style>
-          <a:lnRef idx="1">
-            <a:schemeClr val="accent1"/>
-          </a:lnRef>
-          <a:fillRef idx="0">
-            <a:schemeClr val="accent1"/>
-          </a:fillRef>
-          <a:effectRef idx="0">
-            <a:schemeClr val="accent1"/>
-          </a:effectRef>
-          <a:fontRef idx="minor">
-            <a:schemeClr val="tx1"/>
-          </a:fontRef>
-        </p:style>
-      </p:cxnSp>
-      <p:cxnSp>
-        <p:nvCxnSpPr>
-          <p:cNvPr id="56" name="Straight Arrow Connector 55">
-            <a:extLst>
-              <a:ext uri="{FF2B5EF4-FFF2-40B4-BE49-F238E27FC236}">
-                <a16:creationId xmlns:a16="http://schemas.microsoft.com/office/drawing/2014/main" id="{D608985F-CB32-4C9C-B055-C28FE9AA74EF}"/>
-              </a:ext>
-            </a:extLst>
-          </p:cNvPr>
-          <p:cNvCxnSpPr>
-            <a:cxnSpLocks/>
-            <a:stCxn id="42" idx="1"/>
-          </p:cNvCxnSpPr>
-          <p:nvPr/>
-        </p:nvCxnSpPr>
-        <p:spPr>
-          <a:xfrm flipH="1" flipV="1">
-            <a:off x="2602541" y="4065701"/>
-            <a:ext cx="832172" cy="18352"/>
-          </a:xfrm>
-          <a:prstGeom prst="straightConnector1">
-            <a:avLst/>
-          </a:prstGeom>
-          <a:ln>
-            <a:tailEnd type="triangle"/>
-          </a:ln>
-        </p:spPr>
-        <p:style>
-          <a:lnRef idx="1">
-            <a:schemeClr val="accent1"/>
-          </a:lnRef>
-          <a:fillRef idx="0">
-            <a:schemeClr val="accent1"/>
-          </a:fillRef>
-          <a:effectRef idx="0">
-            <a:schemeClr val="accent1"/>
-          </a:effectRef>
-          <a:fontRef idx="minor">
-            <a:schemeClr val="tx1"/>
-          </a:fontRef>
-        </p:style>
-      </p:cxnSp>
-      <p:cxnSp>
-        <p:nvCxnSpPr>
-          <p:cNvPr id="59" name="Straight Arrow Connector 58">
-            <a:extLst>
-              <a:ext uri="{FF2B5EF4-FFF2-40B4-BE49-F238E27FC236}">
-                <a16:creationId xmlns:a16="http://schemas.microsoft.com/office/drawing/2014/main" id="{4B11AC78-2575-4E93-8041-D3F70C839FD2}"/>
-              </a:ext>
-            </a:extLst>
-          </p:cNvPr>
-          <p:cNvCxnSpPr>
-            <a:cxnSpLocks/>
-            <a:stCxn id="42" idx="3"/>
-            <a:endCxn id="50" idx="1"/>
-          </p:cNvCxnSpPr>
-          <p:nvPr/>
-        </p:nvCxnSpPr>
-        <p:spPr>
-          <a:xfrm flipV="1">
-            <a:off x="5451782" y="4076586"/>
-            <a:ext cx="895638" cy="7467"/>
-          </a:xfrm>
-          <a:prstGeom prst="straightConnector1">
-            <a:avLst/>
-          </a:prstGeom>
-          <a:ln>
-            <a:tailEnd type="triangle"/>
-          </a:ln>
-        </p:spPr>
-        <p:style>
-          <a:lnRef idx="1">
-            <a:schemeClr val="accent1"/>
-          </a:lnRef>
-          <a:fillRef idx="0">
-            <a:schemeClr val="accent1"/>
-          </a:fillRef>
-          <a:effectRef idx="0">
-            <a:schemeClr val="accent1"/>
-          </a:effectRef>
-          <a:fontRef idx="minor">
-            <a:schemeClr val="tx1"/>
-          </a:fontRef>
-        </p:style>
-      </p:cxnSp>
-      <p:sp>
-        <p:nvSpPr>
-          <p:cNvPr id="61" name="Rectangle 60">
-            <a:extLst>
-              <a:ext uri="{FF2B5EF4-FFF2-40B4-BE49-F238E27FC236}">
-                <a16:creationId xmlns:a16="http://schemas.microsoft.com/office/drawing/2014/main" id="{A860AEEF-8D7B-4560-9A51-13E396999C06}"/>
+              <a:t>i = 0</a:t>
+            </a:r>
+          </a:p>
+        </p:txBody>
+      </p:sp>
+      <p:sp>
+        <p:nvSpPr>
+          <p:cNvPr id="91" name="TextBox 90">
+            <a:extLst>
+              <a:ext uri="{FF2B5EF4-FFF2-40B4-BE49-F238E27FC236}">
+                <a16:creationId xmlns:a16="http://schemas.microsoft.com/office/drawing/2014/main" id="{A7090343-8A4C-42BF-BE0B-714B8DB1F978}"/>
+              </a:ext>
+            </a:extLst>
+          </p:cNvPr>
+          <p:cNvSpPr txBox="1"/>
+          <p:nvPr/>
+        </p:nvSpPr>
+        <p:spPr>
+          <a:xfrm>
+            <a:off x="5919279" y="2846683"/>
+            <a:ext cx="616952" cy="307777"/>
+          </a:xfrm>
+          <a:prstGeom prst="rect">
+            <a:avLst/>
+          </a:prstGeom>
+          <a:noFill/>
+        </p:spPr>
+        <p:txBody>
+          <a:bodyPr wrap="square" rtlCol="0">
+            <a:spAutoFit/>
+          </a:bodyPr>
+          <a:lstStyle/>
+          <a:p>
+            <a:r>
+              <a:rPr lang="en-SG" sz="1400" b="1" dirty="0"/>
+              <a:t>True</a:t>
+            </a:r>
+          </a:p>
+        </p:txBody>
+      </p:sp>
+      <p:sp>
+        <p:nvSpPr>
+          <p:cNvPr id="93" name="Rectangle 92">
+            <a:extLst>
+              <a:ext uri="{FF2B5EF4-FFF2-40B4-BE49-F238E27FC236}">
+                <a16:creationId xmlns:a16="http://schemas.microsoft.com/office/drawing/2014/main" id="{61B67C3D-3922-454E-818F-322E5683F2DD}"/>
               </a:ext>
             </a:extLst>
           </p:cNvPr>
@@ -6413,8 +5484,42 @@
         </p:nvSpPr>
         <p:spPr>
           <a:xfrm>
-            <a:off x="1035321" y="3736387"/>
-            <a:ext cx="1548191" cy="581601"/>
+            <a:off x="1754629" y="4122209"/>
+            <a:ext cx="556434" cy="307777"/>
+          </a:xfrm>
+          <a:prstGeom prst="rect">
+            <a:avLst/>
+          </a:prstGeom>
+        </p:spPr>
+        <p:txBody>
+          <a:bodyPr wrap="none">
+            <a:spAutoFit/>
+          </a:bodyPr>
+          <a:lstStyle/>
+          <a:p>
+            <a:r>
+              <a:rPr lang="en-SG" sz="1400" b="1" dirty="0"/>
+              <a:t>False</a:t>
+            </a:r>
+          </a:p>
+        </p:txBody>
+      </p:sp>
+      <p:sp>
+        <p:nvSpPr>
+          <p:cNvPr id="95" name="Rectangle 94">
+            <a:extLst>
+              <a:ext uri="{FF2B5EF4-FFF2-40B4-BE49-F238E27FC236}">
+                <a16:creationId xmlns:a16="http://schemas.microsoft.com/office/drawing/2014/main" id="{925C8E33-51F1-4398-9371-089BAA3F2D5A}"/>
+              </a:ext>
+            </a:extLst>
+          </p:cNvPr>
+          <p:cNvSpPr/>
+          <p:nvPr/>
+        </p:nvSpPr>
+        <p:spPr>
+          <a:xfrm>
+            <a:off x="563719" y="2189566"/>
+            <a:ext cx="2496378" cy="408370"/>
           </a:xfrm>
           <a:prstGeom prst="rect">
             <a:avLst/>
@@ -6450,22 +5555,215 @@
           <a:p>
             <a:pPr algn="ctr"/>
             <a:r>
-              <a:rPr lang="en-SG" sz="1400" dirty="0">
+              <a:rPr lang="en-SG" sz="1400" b="1" dirty="0">
                 <a:solidFill>
                   <a:schemeClr val="tx1"/>
                 </a:solidFill>
               </a:rPr>
-              <a:t>Print “Please fill in your feedback.”</a:t>
-            </a:r>
-          </a:p>
-        </p:txBody>
-      </p:sp>
-      <p:sp>
-        <p:nvSpPr>
-          <p:cNvPr id="68" name="Diamond 67">
-            <a:extLst>
-              <a:ext uri="{FF2B5EF4-FFF2-40B4-BE49-F238E27FC236}">
-                <a16:creationId xmlns:a16="http://schemas.microsoft.com/office/drawing/2014/main" id="{160F875E-EDB7-4A06-98F1-B6552B102D5C}"/>
+              <a:t>Create </a:t>
+            </a:r>
+            <a:r>
+              <a:rPr lang="en-SG" sz="1400" b="1" dirty="0" err="1">
+                <a:solidFill>
+                  <a:schemeClr val="tx1"/>
+                </a:solidFill>
+              </a:rPr>
+              <a:t>ArrayList</a:t>
+            </a:r>
+            <a:r>
+              <a:rPr lang="en-SG" sz="1400" b="1" dirty="0">
+                <a:solidFill>
+                  <a:schemeClr val="tx1"/>
+                </a:solidFill>
+              </a:rPr>
+              <a:t> </a:t>
+            </a:r>
+            <a:r>
+              <a:rPr lang="en-SG" sz="1400" b="1" dirty="0" err="1">
+                <a:solidFill>
+                  <a:schemeClr val="tx1"/>
+                </a:solidFill>
+              </a:rPr>
+              <a:t>newReviewAI</a:t>
+            </a:r>
+            <a:endParaRPr lang="en-SG" sz="1400" b="1" dirty="0">
+              <a:solidFill>
+                <a:schemeClr val="tx1"/>
+              </a:solidFill>
+            </a:endParaRPr>
+          </a:p>
+        </p:txBody>
+      </p:sp>
+      <p:cxnSp>
+        <p:nvCxnSpPr>
+          <p:cNvPr id="99" name="Straight Arrow Connector 98">
+            <a:extLst>
+              <a:ext uri="{FF2B5EF4-FFF2-40B4-BE49-F238E27FC236}">
+                <a16:creationId xmlns:a16="http://schemas.microsoft.com/office/drawing/2014/main" id="{355B43B6-0A25-4E50-B794-DDA4B8C65028}"/>
+              </a:ext>
+            </a:extLst>
+          </p:cNvPr>
+          <p:cNvCxnSpPr>
+            <a:cxnSpLocks/>
+          </p:cNvCxnSpPr>
+          <p:nvPr/>
+        </p:nvCxnSpPr>
+        <p:spPr>
+          <a:xfrm>
+            <a:off x="1657443" y="1637840"/>
+            <a:ext cx="0" cy="520329"/>
+          </a:xfrm>
+          <a:prstGeom prst="straightConnector1">
+            <a:avLst/>
+          </a:prstGeom>
+          <a:ln>
+            <a:tailEnd type="triangle"/>
+          </a:ln>
+        </p:spPr>
+        <p:style>
+          <a:lnRef idx="1">
+            <a:schemeClr val="dk1"/>
+          </a:lnRef>
+          <a:fillRef idx="0">
+            <a:schemeClr val="dk1"/>
+          </a:fillRef>
+          <a:effectRef idx="0">
+            <a:schemeClr val="dk1"/>
+          </a:effectRef>
+          <a:fontRef idx="minor">
+            <a:schemeClr val="tx1"/>
+          </a:fontRef>
+        </p:style>
+      </p:cxnSp>
+      <p:cxnSp>
+        <p:nvCxnSpPr>
+          <p:cNvPr id="57" name="Straight Arrow Connector 56">
+            <a:extLst>
+              <a:ext uri="{FF2B5EF4-FFF2-40B4-BE49-F238E27FC236}">
+                <a16:creationId xmlns:a16="http://schemas.microsoft.com/office/drawing/2014/main" id="{DED3471E-5292-4892-9F32-817476B51520}"/>
+              </a:ext>
+            </a:extLst>
+          </p:cNvPr>
+          <p:cNvCxnSpPr>
+            <a:cxnSpLocks/>
+          </p:cNvCxnSpPr>
+          <p:nvPr/>
+        </p:nvCxnSpPr>
+        <p:spPr>
+          <a:xfrm>
+            <a:off x="1668898" y="2634131"/>
+            <a:ext cx="0" cy="520329"/>
+          </a:xfrm>
+          <a:prstGeom prst="straightConnector1">
+            <a:avLst/>
+          </a:prstGeom>
+          <a:ln>
+            <a:tailEnd type="triangle"/>
+          </a:ln>
+        </p:spPr>
+        <p:style>
+          <a:lnRef idx="1">
+            <a:schemeClr val="dk1"/>
+          </a:lnRef>
+          <a:fillRef idx="0">
+            <a:schemeClr val="dk1"/>
+          </a:fillRef>
+          <a:effectRef idx="0">
+            <a:schemeClr val="dk1"/>
+          </a:effectRef>
+          <a:fontRef idx="minor">
+            <a:schemeClr val="tx1"/>
+          </a:fontRef>
+        </p:style>
+      </p:cxnSp>
+      <p:cxnSp>
+        <p:nvCxnSpPr>
+          <p:cNvPr id="58" name="Straight Arrow Connector 57">
+            <a:extLst>
+              <a:ext uri="{FF2B5EF4-FFF2-40B4-BE49-F238E27FC236}">
+                <a16:creationId xmlns:a16="http://schemas.microsoft.com/office/drawing/2014/main" id="{4DAACAF8-4D7F-4CF9-A6A6-BE18FA82F743}"/>
+              </a:ext>
+            </a:extLst>
+          </p:cNvPr>
+          <p:cNvCxnSpPr>
+            <a:cxnSpLocks/>
+          </p:cNvCxnSpPr>
+          <p:nvPr/>
+        </p:nvCxnSpPr>
+        <p:spPr>
+          <a:xfrm>
+            <a:off x="1657445" y="4068609"/>
+            <a:ext cx="0" cy="1976114"/>
+          </a:xfrm>
+          <a:prstGeom prst="straightConnector1">
+            <a:avLst/>
+          </a:prstGeom>
+          <a:ln>
+            <a:tailEnd type="triangle"/>
+          </a:ln>
+        </p:spPr>
+        <p:style>
+          <a:lnRef idx="1">
+            <a:schemeClr val="dk1"/>
+          </a:lnRef>
+          <a:fillRef idx="0">
+            <a:schemeClr val="dk1"/>
+          </a:fillRef>
+          <a:effectRef idx="0">
+            <a:schemeClr val="dk1"/>
+          </a:effectRef>
+          <a:fontRef idx="minor">
+            <a:schemeClr val="tx1"/>
+          </a:fontRef>
+        </p:style>
+      </p:cxnSp>
+      <p:cxnSp>
+        <p:nvCxnSpPr>
+          <p:cNvPr id="62" name="Straight Arrow Connector 61">
+            <a:extLst>
+              <a:ext uri="{FF2B5EF4-FFF2-40B4-BE49-F238E27FC236}">
+                <a16:creationId xmlns:a16="http://schemas.microsoft.com/office/drawing/2014/main" id="{E8E4381F-F55B-478A-9B52-30F3CF46BEE7}"/>
+              </a:ext>
+            </a:extLst>
+          </p:cNvPr>
+          <p:cNvCxnSpPr>
+            <a:cxnSpLocks/>
+          </p:cNvCxnSpPr>
+          <p:nvPr/>
+        </p:nvCxnSpPr>
+        <p:spPr>
+          <a:xfrm flipH="1">
+            <a:off x="2627675" y="6245708"/>
+            <a:ext cx="1481187" cy="23281"/>
+          </a:xfrm>
+          <a:prstGeom prst="straightConnector1">
+            <a:avLst/>
+          </a:prstGeom>
+          <a:ln>
+            <a:tailEnd type="triangle"/>
+          </a:ln>
+        </p:spPr>
+        <p:style>
+          <a:lnRef idx="1">
+            <a:schemeClr val="dk1"/>
+          </a:lnRef>
+          <a:fillRef idx="0">
+            <a:schemeClr val="dk1"/>
+          </a:fillRef>
+          <a:effectRef idx="0">
+            <a:schemeClr val="dk1"/>
+          </a:effectRef>
+          <a:fontRef idx="minor">
+            <a:schemeClr val="tx1"/>
+          </a:fontRef>
+        </p:style>
+      </p:cxnSp>
+      <p:sp>
+        <p:nvSpPr>
+          <p:cNvPr id="67" name="Rectangle 66">
+            <a:extLst>
+              <a:ext uri="{FF2B5EF4-FFF2-40B4-BE49-F238E27FC236}">
+                <a16:creationId xmlns:a16="http://schemas.microsoft.com/office/drawing/2014/main" id="{130AB98F-62C9-4DE4-840E-33ECFB4A3E77}"/>
               </a:ext>
             </a:extLst>
           </p:cNvPr>
@@ -6474,8 +5772,42 @@
         </p:nvSpPr>
         <p:spPr>
           <a:xfrm>
-            <a:off x="6124310" y="4652726"/>
-            <a:ext cx="2509527" cy="746163"/>
+            <a:off x="3024125" y="3191805"/>
+            <a:ext cx="513667" cy="307777"/>
+          </a:xfrm>
+          <a:prstGeom prst="rect">
+            <a:avLst/>
+          </a:prstGeom>
+        </p:spPr>
+        <p:txBody>
+          <a:bodyPr wrap="square">
+            <a:spAutoFit/>
+          </a:bodyPr>
+          <a:lstStyle/>
+          <a:p>
+            <a:r>
+              <a:rPr lang="en-SG" sz="1400" b="1" dirty="0"/>
+              <a:t>True</a:t>
+            </a:r>
+          </a:p>
+        </p:txBody>
+      </p:sp>
+      <p:sp>
+        <p:nvSpPr>
+          <p:cNvPr id="71" name="Diamond 70">
+            <a:extLst>
+              <a:ext uri="{FF2B5EF4-FFF2-40B4-BE49-F238E27FC236}">
+                <a16:creationId xmlns:a16="http://schemas.microsoft.com/office/drawing/2014/main" id="{6013D7FE-D2F0-49D3-B56C-BC74A5559B10}"/>
+              </a:ext>
+            </a:extLst>
+          </p:cNvPr>
+          <p:cNvSpPr/>
+          <p:nvPr/>
+        </p:nvSpPr>
+        <p:spPr>
+          <a:xfrm>
+            <a:off x="4464222" y="3652236"/>
+            <a:ext cx="2720348" cy="950168"/>
           </a:xfrm>
           <a:prstGeom prst="diamond">
             <a:avLst/>
@@ -6516,125 +5848,83 @@
                   <a:schemeClr val="tx1"/>
                 </a:solidFill>
               </a:rPr>
-              <a:t>Result == true</a:t>
-            </a:r>
-          </a:p>
-        </p:txBody>
-      </p:sp>
-      <p:sp>
-        <p:nvSpPr>
-          <p:cNvPr id="69" name="Rectangle 68">
-            <a:extLst>
-              <a:ext uri="{FF2B5EF4-FFF2-40B4-BE49-F238E27FC236}">
-                <a16:creationId xmlns:a16="http://schemas.microsoft.com/office/drawing/2014/main" id="{4E611924-0FEC-4D4F-BD27-13E3D88E8A47}"/>
-              </a:ext>
-            </a:extLst>
-          </p:cNvPr>
-          <p:cNvSpPr/>
-          <p:nvPr/>
-        </p:nvSpPr>
-        <p:spPr>
-          <a:xfrm>
-            <a:off x="6104858" y="5962623"/>
-            <a:ext cx="2377551" cy="746163"/>
-          </a:xfrm>
-          <a:prstGeom prst="rect">
-            <a:avLst/>
-          </a:prstGeom>
-          <a:solidFill>
-            <a:schemeClr val="bg1"/>
-          </a:solidFill>
-          <a:ln>
-            <a:solidFill>
-              <a:schemeClr val="tx1"/>
-            </a:solidFill>
-          </a:ln>
-        </p:spPr>
-        <p:style>
-          <a:lnRef idx="2">
-            <a:schemeClr val="accent1">
-              <a:shade val="50000"/>
-            </a:schemeClr>
-          </a:lnRef>
-          <a:fillRef idx="1">
-            <a:schemeClr val="accent1"/>
-          </a:fillRef>
-          <a:effectRef idx="0">
-            <a:schemeClr val="accent1"/>
-          </a:effectRef>
-          <a:fontRef idx="minor">
-            <a:schemeClr val="lt1"/>
-          </a:fontRef>
-        </p:style>
-        <p:txBody>
-          <a:bodyPr rtlCol="0" anchor="ctr"/>
-          <a:lstStyle/>
+              <a:t>If Review</a:t>
+            </a:r>
+          </a:p>
           <a:p>
             <a:pPr algn="ctr"/>
             <a:r>
-              <a:rPr lang="en-SG" sz="1400" dirty="0">
+              <a:rPr lang="en-SG" sz="1400" b="1" dirty="0">
                 <a:solidFill>
                   <a:schemeClr val="tx1"/>
                 </a:solidFill>
               </a:rPr>
-              <a:t>Print “Thank you for </a:t>
-            </a:r>
-            <a:r>
-              <a:rPr lang="en-SG" sz="1400" dirty="0" err="1">
+              <a:t>.</a:t>
+            </a:r>
+            <a:r>
+              <a:rPr lang="en-SG" sz="1400" b="1" dirty="0" err="1">
                 <a:solidFill>
                   <a:schemeClr val="tx1"/>
                 </a:solidFill>
               </a:rPr>
-              <a:t>shraing</a:t>
-            </a:r>
-            <a:r>
-              <a:rPr lang="en-SG" sz="1400" dirty="0">
+              <a:t>getClinicCode</a:t>
+            </a:r>
+            <a:r>
+              <a:rPr lang="en-SG" sz="1400" b="1" dirty="0">
                 <a:solidFill>
                   <a:schemeClr val="tx1"/>
                 </a:solidFill>
               </a:rPr>
-              <a:t> your feedback! Feedback saved successfully.”</a:t>
-            </a:r>
+              <a:t>() = </a:t>
+            </a:r>
+            <a:r>
+              <a:rPr lang="en-SG" sz="1400" b="1" dirty="0" err="1">
+                <a:solidFill>
+                  <a:schemeClr val="tx1"/>
+                </a:solidFill>
+              </a:rPr>
+              <a:t>clinicCode</a:t>
+            </a:r>
+            <a:endParaRPr lang="en-SG" sz="1400" b="1" dirty="0">
+              <a:solidFill>
+                <a:schemeClr val="tx1"/>
+              </a:solidFill>
+            </a:endParaRPr>
           </a:p>
         </p:txBody>
       </p:sp>
       <p:cxnSp>
         <p:nvCxnSpPr>
-          <p:cNvPr id="70" name="Straight Arrow Connector 69">
-            <a:extLst>
-              <a:ext uri="{FF2B5EF4-FFF2-40B4-BE49-F238E27FC236}">
-                <a16:creationId xmlns:a16="http://schemas.microsoft.com/office/drawing/2014/main" id="{D53A6F73-22D7-4A5B-866B-C1839997A563}"/>
+          <p:cNvPr id="73" name="Straight Connector 72">
+            <a:extLst>
+              <a:ext uri="{FF2B5EF4-FFF2-40B4-BE49-F238E27FC236}">
+                <a16:creationId xmlns:a16="http://schemas.microsoft.com/office/drawing/2014/main" id="{9C37281D-A4E1-411C-8246-5CD4BCA9BBE8}"/>
               </a:ext>
             </a:extLst>
           </p:cNvPr>
           <p:cNvCxnSpPr>
             <a:cxnSpLocks/>
-            <a:stCxn id="68" idx="1"/>
-            <a:endCxn id="80" idx="3"/>
           </p:cNvCxnSpPr>
           <p:nvPr/>
         </p:nvCxnSpPr>
         <p:spPr>
-          <a:xfrm flipH="1">
-            <a:off x="4646639" y="5025808"/>
-            <a:ext cx="1477671" cy="15294"/>
-          </a:xfrm>
-          <a:prstGeom prst="straightConnector1">
-            <a:avLst/>
-          </a:prstGeom>
-          <a:ln>
-            <a:tailEnd type="triangle"/>
-          </a:ln>
+          <a:xfrm>
+            <a:off x="3671483" y="1314940"/>
+            <a:ext cx="0" cy="2330809"/>
+          </a:xfrm>
+          <a:prstGeom prst="line">
+            <a:avLst/>
+          </a:prstGeom>
         </p:spPr>
         <p:style>
           <a:lnRef idx="1">
-            <a:schemeClr val="accent1"/>
+            <a:schemeClr val="dk1"/>
           </a:lnRef>
           <a:fillRef idx="0">
-            <a:schemeClr val="accent1"/>
+            <a:schemeClr val="dk1"/>
           </a:fillRef>
           <a:effectRef idx="0">
-            <a:schemeClr val="accent1"/>
+            <a:schemeClr val="dk1"/>
           </a:effectRef>
           <a:fontRef idx="minor">
             <a:schemeClr val="tx1"/>
@@ -6643,23 +5933,22 @@
       </p:cxnSp>
       <p:cxnSp>
         <p:nvCxnSpPr>
-          <p:cNvPr id="72" name="Straight Arrow Connector 71">
-            <a:extLst>
-              <a:ext uri="{FF2B5EF4-FFF2-40B4-BE49-F238E27FC236}">
-                <a16:creationId xmlns:a16="http://schemas.microsoft.com/office/drawing/2014/main" id="{FD16E487-52D7-4720-9F48-8782D5BF9B8B}"/>
+          <p:cNvPr id="78" name="Straight Arrow Connector 77">
+            <a:extLst>
+              <a:ext uri="{FF2B5EF4-FFF2-40B4-BE49-F238E27FC236}">
+                <a16:creationId xmlns:a16="http://schemas.microsoft.com/office/drawing/2014/main" id="{C4FA28D7-E8EF-41A3-AF9D-AFE47516F5C6}"/>
               </a:ext>
             </a:extLst>
           </p:cNvPr>
           <p:cNvCxnSpPr>
             <a:cxnSpLocks/>
-            <a:endCxn id="8" idx="3"/>
           </p:cNvCxnSpPr>
           <p:nvPr/>
         </p:nvCxnSpPr>
         <p:spPr>
-          <a:xfrm flipH="1">
-            <a:off x="5093252" y="6454663"/>
-            <a:ext cx="1011606" cy="8069"/>
+          <a:xfrm>
+            <a:off x="5847316" y="1569064"/>
+            <a:ext cx="0" cy="498375"/>
           </a:xfrm>
           <a:prstGeom prst="straightConnector1">
             <a:avLst/>
@@ -6670,13 +5959,13 @@
         </p:spPr>
         <p:style>
           <a:lnRef idx="1">
-            <a:schemeClr val="accent1"/>
+            <a:schemeClr val="dk1"/>
           </a:lnRef>
           <a:fillRef idx="0">
-            <a:schemeClr val="accent1"/>
+            <a:schemeClr val="dk1"/>
           </a:fillRef>
           <a:effectRef idx="0">
-            <a:schemeClr val="accent1"/>
+            <a:schemeClr val="dk1"/>
           </a:effectRef>
           <a:fontRef idx="minor">
             <a:schemeClr val="tx1"/>
@@ -6685,10 +5974,10 @@
       </p:cxnSp>
       <p:cxnSp>
         <p:nvCxnSpPr>
-          <p:cNvPr id="77" name="Straight Arrow Connector 76">
-            <a:extLst>
-              <a:ext uri="{FF2B5EF4-FFF2-40B4-BE49-F238E27FC236}">
-                <a16:creationId xmlns:a16="http://schemas.microsoft.com/office/drawing/2014/main" id="{65B463BD-903F-4F0D-AE75-62588CADB7D4}"/>
+          <p:cNvPr id="100" name="Straight Connector 99">
+            <a:extLst>
+              <a:ext uri="{FF2B5EF4-FFF2-40B4-BE49-F238E27FC236}">
+                <a16:creationId xmlns:a16="http://schemas.microsoft.com/office/drawing/2014/main" id="{B7C01CA9-F36F-4EB6-8F50-448304112F64}"/>
               </a:ext>
             </a:extLst>
           </p:cNvPr>
@@ -6699,453 +5988,22 @@
         </p:nvCxnSpPr>
         <p:spPr>
           <a:xfrm>
-            <a:off x="7374414" y="4261645"/>
-            <a:ext cx="1" cy="387377"/>
-          </a:xfrm>
-          <a:prstGeom prst="straightConnector1">
-            <a:avLst/>
-          </a:prstGeom>
-          <a:ln>
-            <a:tailEnd type="triangle"/>
-          </a:ln>
+            <a:off x="4108862" y="2452758"/>
+            <a:ext cx="0" cy="3792950"/>
+          </a:xfrm>
+          <a:prstGeom prst="line">
+            <a:avLst/>
+          </a:prstGeom>
         </p:spPr>
         <p:style>
           <a:lnRef idx="1">
-            <a:schemeClr val="accent1"/>
+            <a:schemeClr val="dk1"/>
           </a:lnRef>
           <a:fillRef idx="0">
-            <a:schemeClr val="accent1"/>
+            <a:schemeClr val="dk1"/>
           </a:fillRef>
           <a:effectRef idx="0">
-            <a:schemeClr val="accent1"/>
-          </a:effectRef>
-          <a:fontRef idx="minor">
-            <a:schemeClr val="tx1"/>
-          </a:fontRef>
-        </p:style>
-      </p:cxnSp>
-      <p:sp>
-        <p:nvSpPr>
-          <p:cNvPr id="80" name="Rectangle 79">
-            <a:extLst>
-              <a:ext uri="{FF2B5EF4-FFF2-40B4-BE49-F238E27FC236}">
-                <a16:creationId xmlns:a16="http://schemas.microsoft.com/office/drawing/2014/main" id="{9554C08B-1201-44DE-AD5F-3FAFC13D0F9F}"/>
-              </a:ext>
-            </a:extLst>
-          </p:cNvPr>
-          <p:cNvSpPr/>
-          <p:nvPr/>
-        </p:nvSpPr>
-        <p:spPr>
-          <a:xfrm>
-            <a:off x="2269089" y="4773241"/>
-            <a:ext cx="2377550" cy="535722"/>
-          </a:xfrm>
-          <a:prstGeom prst="rect">
-            <a:avLst/>
-          </a:prstGeom>
-          <a:solidFill>
-            <a:schemeClr val="bg1"/>
-          </a:solidFill>
-          <a:ln>
-            <a:solidFill>
-              <a:schemeClr val="tx1"/>
-            </a:solidFill>
-          </a:ln>
-        </p:spPr>
-        <p:style>
-          <a:lnRef idx="2">
-            <a:schemeClr val="accent1">
-              <a:shade val="50000"/>
-            </a:schemeClr>
-          </a:lnRef>
-          <a:fillRef idx="1">
-            <a:schemeClr val="accent1"/>
-          </a:fillRef>
-          <a:effectRef idx="0">
-            <a:schemeClr val="accent1"/>
-          </a:effectRef>
-          <a:fontRef idx="minor">
-            <a:schemeClr val="lt1"/>
-          </a:fontRef>
-        </p:style>
-        <p:txBody>
-          <a:bodyPr rtlCol="0" anchor="ctr"/>
-          <a:lstStyle/>
-          <a:p>
-            <a:pPr algn="ctr"/>
-            <a:r>
-              <a:rPr lang="en-SG" sz="1400" dirty="0">
-                <a:solidFill>
-                  <a:schemeClr val="tx1"/>
-                </a:solidFill>
-              </a:rPr>
-              <a:t>Print “Feedback not saved successfully.”</a:t>
-            </a:r>
-          </a:p>
-        </p:txBody>
-      </p:sp>
-      <p:cxnSp>
-        <p:nvCxnSpPr>
-          <p:cNvPr id="81" name="Straight Arrow Connector 80">
-            <a:extLst>
-              <a:ext uri="{FF2B5EF4-FFF2-40B4-BE49-F238E27FC236}">
-                <a16:creationId xmlns:a16="http://schemas.microsoft.com/office/drawing/2014/main" id="{91EC39C9-9C32-4A2A-931A-B14013E3A001}"/>
-              </a:ext>
-            </a:extLst>
-          </p:cNvPr>
-          <p:cNvCxnSpPr>
-            <a:cxnSpLocks/>
-            <a:endCxn id="41" idx="3"/>
-          </p:cNvCxnSpPr>
-          <p:nvPr/>
-        </p:nvCxnSpPr>
-        <p:spPr>
-          <a:xfrm flipH="1">
-            <a:off x="5524767" y="2873863"/>
-            <a:ext cx="1906075" cy="9552"/>
-          </a:xfrm>
-          <a:prstGeom prst="straightConnector1">
-            <a:avLst/>
-          </a:prstGeom>
-          <a:ln>
-            <a:tailEnd type="triangle"/>
-          </a:ln>
-        </p:spPr>
-        <p:style>
-          <a:lnRef idx="1">
-            <a:schemeClr val="accent1"/>
-          </a:lnRef>
-          <a:fillRef idx="0">
-            <a:schemeClr val="accent1"/>
-          </a:fillRef>
-          <a:effectRef idx="0">
-            <a:schemeClr val="accent1"/>
-          </a:effectRef>
-          <a:fontRef idx="minor">
-            <a:schemeClr val="tx1"/>
-          </a:fontRef>
-        </p:style>
-      </p:cxnSp>
-      <p:sp>
-        <p:nvSpPr>
-          <p:cNvPr id="89" name="TextBox 88">
-            <a:extLst>
-              <a:ext uri="{FF2B5EF4-FFF2-40B4-BE49-F238E27FC236}">
-                <a16:creationId xmlns:a16="http://schemas.microsoft.com/office/drawing/2014/main" id="{C4AE46D0-2897-4F32-AAF3-620543489F8A}"/>
-              </a:ext>
-            </a:extLst>
-          </p:cNvPr>
-          <p:cNvSpPr txBox="1"/>
-          <p:nvPr/>
-        </p:nvSpPr>
-        <p:spPr>
-          <a:xfrm>
-            <a:off x="7456326" y="2465911"/>
-            <a:ext cx="508537" cy="307777"/>
-          </a:xfrm>
-          <a:prstGeom prst="rect">
-            <a:avLst/>
-          </a:prstGeom>
-          <a:noFill/>
-        </p:spPr>
-        <p:txBody>
-          <a:bodyPr wrap="none" rtlCol="0">
-            <a:spAutoFit/>
-          </a:bodyPr>
-          <a:lstStyle/>
-          <a:p>
-            <a:r>
-              <a:rPr lang="en-SG" sz="1400" dirty="0"/>
-              <a:t>True</a:t>
-            </a:r>
-          </a:p>
-        </p:txBody>
-      </p:sp>
-      <p:sp>
-        <p:nvSpPr>
-          <p:cNvPr id="90" name="Rectangle 89">
-            <a:extLst>
-              <a:ext uri="{FF2B5EF4-FFF2-40B4-BE49-F238E27FC236}">
-                <a16:creationId xmlns:a16="http://schemas.microsoft.com/office/drawing/2014/main" id="{064CFB9D-B333-49D8-A454-4C802E8A3EA8}"/>
-              </a:ext>
-            </a:extLst>
-          </p:cNvPr>
-          <p:cNvSpPr/>
-          <p:nvPr/>
-        </p:nvSpPr>
-        <p:spPr>
-          <a:xfrm>
-            <a:off x="2734037" y="3716389"/>
-            <a:ext cx="550151" cy="307777"/>
-          </a:xfrm>
-          <a:prstGeom prst="rect">
-            <a:avLst/>
-          </a:prstGeom>
-        </p:spPr>
-        <p:txBody>
-          <a:bodyPr wrap="none">
-            <a:spAutoFit/>
-          </a:bodyPr>
-          <a:lstStyle/>
-          <a:p>
-            <a:r>
-              <a:rPr lang="en-SG" sz="1400" dirty="0"/>
-              <a:t>False</a:t>
-            </a:r>
-          </a:p>
-        </p:txBody>
-      </p:sp>
-      <p:sp>
-        <p:nvSpPr>
-          <p:cNvPr id="91" name="TextBox 90">
-            <a:extLst>
-              <a:ext uri="{FF2B5EF4-FFF2-40B4-BE49-F238E27FC236}">
-                <a16:creationId xmlns:a16="http://schemas.microsoft.com/office/drawing/2014/main" id="{A7090343-8A4C-42BF-BE0B-714B8DB1F978}"/>
-              </a:ext>
-            </a:extLst>
-          </p:cNvPr>
-          <p:cNvSpPr txBox="1"/>
-          <p:nvPr/>
-        </p:nvSpPr>
-        <p:spPr>
-          <a:xfrm>
-            <a:off x="7384682" y="5489239"/>
-            <a:ext cx="508537" cy="307777"/>
-          </a:xfrm>
-          <a:prstGeom prst="rect">
-            <a:avLst/>
-          </a:prstGeom>
-          <a:noFill/>
-        </p:spPr>
-        <p:txBody>
-          <a:bodyPr wrap="none" rtlCol="0">
-            <a:spAutoFit/>
-          </a:bodyPr>
-          <a:lstStyle/>
-          <a:p>
-            <a:r>
-              <a:rPr lang="en-SG" sz="1400" dirty="0"/>
-              <a:t>True</a:t>
-            </a:r>
-          </a:p>
-        </p:txBody>
-      </p:sp>
-      <p:sp>
-        <p:nvSpPr>
-          <p:cNvPr id="92" name="TextBox 91">
-            <a:extLst>
-              <a:ext uri="{FF2B5EF4-FFF2-40B4-BE49-F238E27FC236}">
-                <a16:creationId xmlns:a16="http://schemas.microsoft.com/office/drawing/2014/main" id="{8D75CF43-FAB1-41C8-8EAA-4BB739AC057F}"/>
-              </a:ext>
-            </a:extLst>
-          </p:cNvPr>
-          <p:cNvSpPr txBox="1"/>
-          <p:nvPr/>
-        </p:nvSpPr>
-        <p:spPr>
-          <a:xfrm>
-            <a:off x="5602307" y="3783620"/>
-            <a:ext cx="508537" cy="307777"/>
-          </a:xfrm>
-          <a:prstGeom prst="rect">
-            <a:avLst/>
-          </a:prstGeom>
-          <a:noFill/>
-        </p:spPr>
-        <p:txBody>
-          <a:bodyPr wrap="none" rtlCol="0">
-            <a:spAutoFit/>
-          </a:bodyPr>
-          <a:lstStyle/>
-          <a:p>
-            <a:r>
-              <a:rPr lang="en-SG" sz="1400" dirty="0"/>
-              <a:t>True</a:t>
-            </a:r>
-          </a:p>
-        </p:txBody>
-      </p:sp>
-      <p:sp>
-        <p:nvSpPr>
-          <p:cNvPr id="93" name="Rectangle 92">
-            <a:extLst>
-              <a:ext uri="{FF2B5EF4-FFF2-40B4-BE49-F238E27FC236}">
-                <a16:creationId xmlns:a16="http://schemas.microsoft.com/office/drawing/2014/main" id="{61B67C3D-3922-454E-818F-322E5683F2DD}"/>
-              </a:ext>
-            </a:extLst>
-          </p:cNvPr>
-          <p:cNvSpPr/>
-          <p:nvPr/>
-        </p:nvSpPr>
-        <p:spPr>
-          <a:xfrm>
-            <a:off x="4464014" y="1790670"/>
-            <a:ext cx="550151" cy="307777"/>
-          </a:xfrm>
-          <a:prstGeom prst="rect">
-            <a:avLst/>
-          </a:prstGeom>
-        </p:spPr>
-        <p:txBody>
-          <a:bodyPr wrap="none">
-            <a:spAutoFit/>
-          </a:bodyPr>
-          <a:lstStyle/>
-          <a:p>
-            <a:r>
-              <a:rPr lang="en-SG" sz="1400" dirty="0"/>
-              <a:t>False</a:t>
-            </a:r>
-          </a:p>
-        </p:txBody>
-      </p:sp>
-      <p:sp>
-        <p:nvSpPr>
-          <p:cNvPr id="94" name="Rectangle 93">
-            <a:extLst>
-              <a:ext uri="{FF2B5EF4-FFF2-40B4-BE49-F238E27FC236}">
-                <a16:creationId xmlns:a16="http://schemas.microsoft.com/office/drawing/2014/main" id="{59C9C21C-BDEC-4D22-8AAB-818E36C1E98C}"/>
-              </a:ext>
-            </a:extLst>
-          </p:cNvPr>
-          <p:cNvSpPr/>
-          <p:nvPr/>
-        </p:nvSpPr>
-        <p:spPr>
-          <a:xfrm>
-            <a:off x="5130310" y="4716163"/>
-            <a:ext cx="550151" cy="307777"/>
-          </a:xfrm>
-          <a:prstGeom prst="rect">
-            <a:avLst/>
-          </a:prstGeom>
-        </p:spPr>
-        <p:txBody>
-          <a:bodyPr wrap="none">
-            <a:spAutoFit/>
-          </a:bodyPr>
-          <a:lstStyle/>
-          <a:p>
-            <a:r>
-              <a:rPr lang="en-SG" sz="1400" dirty="0"/>
-              <a:t>False</a:t>
-            </a:r>
-          </a:p>
-        </p:txBody>
-      </p:sp>
-      <p:sp>
-        <p:nvSpPr>
-          <p:cNvPr id="95" name="Rectangle 94">
-            <a:extLst>
-              <a:ext uri="{FF2B5EF4-FFF2-40B4-BE49-F238E27FC236}">
-                <a16:creationId xmlns:a16="http://schemas.microsoft.com/office/drawing/2014/main" id="{925C8E33-51F1-4398-9371-089BAA3F2D5A}"/>
-              </a:ext>
-            </a:extLst>
-          </p:cNvPr>
-          <p:cNvSpPr/>
-          <p:nvPr/>
-        </p:nvSpPr>
-        <p:spPr>
-          <a:xfrm>
-            <a:off x="6318757" y="522295"/>
-            <a:ext cx="2275139" cy="456303"/>
-          </a:xfrm>
-          <a:prstGeom prst="rect">
-            <a:avLst/>
-          </a:prstGeom>
-          <a:solidFill>
-            <a:schemeClr val="bg1"/>
-          </a:solidFill>
-          <a:ln>
-            <a:solidFill>
-              <a:schemeClr val="tx1"/>
-            </a:solidFill>
-          </a:ln>
-        </p:spPr>
-        <p:style>
-          <a:lnRef idx="2">
-            <a:schemeClr val="accent1">
-              <a:shade val="50000"/>
-            </a:schemeClr>
-          </a:lnRef>
-          <a:fillRef idx="1">
-            <a:schemeClr val="accent1"/>
-          </a:fillRef>
-          <a:effectRef idx="0">
-            <a:schemeClr val="accent1"/>
-          </a:effectRef>
-          <a:fontRef idx="minor">
-            <a:schemeClr val="lt1"/>
-          </a:fontRef>
-        </p:style>
-        <p:txBody>
-          <a:bodyPr rtlCol="0" anchor="ctr"/>
-          <a:lstStyle/>
-          <a:p>
-            <a:pPr algn="ctr"/>
-            <a:r>
-              <a:rPr lang="en-SG" sz="1400" dirty="0">
-                <a:solidFill>
-                  <a:schemeClr val="tx1"/>
-                </a:solidFill>
-              </a:rPr>
-              <a:t>account = </a:t>
-            </a:r>
-            <a:r>
-              <a:rPr lang="en-SG" sz="1400" dirty="0" err="1">
-                <a:solidFill>
-                  <a:schemeClr val="tx1"/>
-                </a:solidFill>
-              </a:rPr>
-              <a:t>getCurrentUser</a:t>
-            </a:r>
-            <a:r>
-              <a:rPr lang="en-SG" sz="1400" dirty="0">
-                <a:solidFill>
-                  <a:schemeClr val="tx1"/>
-                </a:solidFill>
-              </a:rPr>
-              <a:t>();</a:t>
-            </a:r>
-          </a:p>
-        </p:txBody>
-      </p:sp>
-      <p:cxnSp>
-        <p:nvCxnSpPr>
-          <p:cNvPr id="99" name="Straight Arrow Connector 98">
-            <a:extLst>
-              <a:ext uri="{FF2B5EF4-FFF2-40B4-BE49-F238E27FC236}">
-                <a16:creationId xmlns:a16="http://schemas.microsoft.com/office/drawing/2014/main" id="{355B43B6-0A25-4E50-B794-DDA4B8C65028}"/>
-              </a:ext>
-            </a:extLst>
-          </p:cNvPr>
-          <p:cNvCxnSpPr>
-            <a:cxnSpLocks/>
-          </p:cNvCxnSpPr>
-          <p:nvPr/>
-        </p:nvCxnSpPr>
-        <p:spPr>
-          <a:xfrm flipV="1">
-            <a:off x="5522108" y="762413"/>
-            <a:ext cx="796649" cy="11092"/>
-          </a:xfrm>
-          <a:prstGeom prst="straightConnector1">
-            <a:avLst/>
-          </a:prstGeom>
-          <a:ln>
-            <a:tailEnd type="triangle"/>
-          </a:ln>
-        </p:spPr>
-        <p:style>
-          <a:lnRef idx="1">
-            <a:schemeClr val="accent1"/>
-          </a:lnRef>
-          <a:fillRef idx="0">
-            <a:schemeClr val="accent1"/>
-          </a:fillRef>
-          <a:effectRef idx="0">
-            <a:schemeClr val="accent1"/>
+            <a:schemeClr val="dk1"/>
           </a:effectRef>
           <a:fontRef idx="minor">
             <a:schemeClr val="tx1"/>
@@ -7154,10 +6012,10 @@
       </p:cxnSp>
       <p:cxnSp>
         <p:nvCxnSpPr>
-          <p:cNvPr id="51" name="Straight Connector 50">
-            <a:extLst>
-              <a:ext uri="{FF2B5EF4-FFF2-40B4-BE49-F238E27FC236}">
-                <a16:creationId xmlns:a16="http://schemas.microsoft.com/office/drawing/2014/main" id="{AD266171-F6B0-4BB8-B0B4-AC177CEE5A2A}"/>
+          <p:cNvPr id="101" name="Straight Connector 100">
+            <a:extLst>
+              <a:ext uri="{FF2B5EF4-FFF2-40B4-BE49-F238E27FC236}">
+                <a16:creationId xmlns:a16="http://schemas.microsoft.com/office/drawing/2014/main" id="{729FED9E-0D65-44BD-949B-1A51CEA8186C}"/>
               </a:ext>
             </a:extLst>
           </p:cNvPr>
@@ -7168,8 +6026,8 @@
         </p:nvCxnSpPr>
         <p:spPr>
           <a:xfrm flipH="1">
-            <a:off x="7430842" y="2399918"/>
-            <a:ext cx="8238" cy="458746"/>
+            <a:off x="4108862" y="2464465"/>
+            <a:ext cx="275140" cy="7512"/>
           </a:xfrm>
           <a:prstGeom prst="line">
             <a:avLst/>
@@ -7177,13 +6035,13 @@
         </p:spPr>
         <p:style>
           <a:lnRef idx="1">
-            <a:schemeClr val="accent1"/>
+            <a:schemeClr val="dk1"/>
           </a:lnRef>
           <a:fillRef idx="0">
-            <a:schemeClr val="accent1"/>
+            <a:schemeClr val="dk1"/>
           </a:fillRef>
           <a:effectRef idx="0">
-            <a:schemeClr val="accent1"/>
+            <a:schemeClr val="dk1"/>
           </a:effectRef>
           <a:fontRef idx="minor">
             <a:schemeClr val="tx1"/>
@@ -7192,683 +6050,348 @@
       </p:cxnSp>
       <p:sp>
         <p:nvSpPr>
-          <p:cNvPr id="66" name="Rectangle 65">
-            <a:extLst>
-              <a:ext uri="{FF2B5EF4-FFF2-40B4-BE49-F238E27FC236}">
-                <a16:creationId xmlns:a16="http://schemas.microsoft.com/office/drawing/2014/main" id="{0F71CFCF-CB17-4C48-A1BE-EBA3232CC512}"/>
-              </a:ext>
-            </a:extLst>
-          </p:cNvPr>
-          <p:cNvSpPr/>
-          <p:nvPr/>
-        </p:nvSpPr>
-        <p:spPr>
-          <a:xfrm>
-            <a:off x="2629921" y="380041"/>
-            <a:ext cx="208231" cy="275662"/>
+          <p:cNvPr id="103" name="TextBox 102">
+            <a:extLst>
+              <a:ext uri="{FF2B5EF4-FFF2-40B4-BE49-F238E27FC236}">
+                <a16:creationId xmlns:a16="http://schemas.microsoft.com/office/drawing/2014/main" id="{12566C33-5374-4B01-90B6-0045415ACC52}"/>
+              </a:ext>
+            </a:extLst>
+          </p:cNvPr>
+          <p:cNvSpPr txBox="1"/>
+          <p:nvPr/>
+        </p:nvSpPr>
+        <p:spPr>
+          <a:xfrm>
+            <a:off x="4134040" y="2111764"/>
+            <a:ext cx="616952" cy="307777"/>
           </a:xfrm>
           <a:prstGeom prst="rect">
             <a:avLst/>
           </a:prstGeom>
+          <a:noFill/>
+        </p:spPr>
+        <p:txBody>
+          <a:bodyPr wrap="square" rtlCol="0">
+            <a:spAutoFit/>
+          </a:bodyPr>
+          <a:lstStyle/>
+          <a:p>
+            <a:r>
+              <a:rPr lang="en-SG" sz="1400" b="1" dirty="0"/>
+              <a:t>False</a:t>
+            </a:r>
+          </a:p>
+        </p:txBody>
+      </p:sp>
+      <p:cxnSp>
+        <p:nvCxnSpPr>
+          <p:cNvPr id="110" name="Straight Arrow Connector 109">
+            <a:extLst>
+              <a:ext uri="{FF2B5EF4-FFF2-40B4-BE49-F238E27FC236}">
+                <a16:creationId xmlns:a16="http://schemas.microsoft.com/office/drawing/2014/main" id="{5C53F5F0-54BC-4FE8-BE00-2F3CCB3905E8}"/>
+              </a:ext>
+            </a:extLst>
+          </p:cNvPr>
+          <p:cNvCxnSpPr>
+            <a:cxnSpLocks/>
+          </p:cNvCxnSpPr>
+          <p:nvPr/>
+        </p:nvCxnSpPr>
+        <p:spPr>
+          <a:xfrm flipH="1">
+            <a:off x="7310632" y="2452758"/>
+            <a:ext cx="1192100" cy="0"/>
+          </a:xfrm>
+          <a:prstGeom prst="straightConnector1">
+            <a:avLst/>
+          </a:prstGeom>
+          <a:ln>
+            <a:tailEnd type="triangle"/>
+          </a:ln>
         </p:spPr>
         <p:style>
-          <a:lnRef idx="2">
-            <a:schemeClr val="accent2"/>
+          <a:lnRef idx="1">
+            <a:schemeClr val="dk1"/>
           </a:lnRef>
-          <a:fillRef idx="1">
-            <a:schemeClr val="lt1"/>
+          <a:fillRef idx="0">
+            <a:schemeClr val="dk1"/>
           </a:fillRef>
           <a:effectRef idx="0">
-            <a:schemeClr val="accent2"/>
+            <a:schemeClr val="dk1"/>
           </a:effectRef>
           <a:fontRef idx="minor">
-            <a:schemeClr val="dk1"/>
+            <a:schemeClr val="tx1"/>
           </a:fontRef>
         </p:style>
-        <p:txBody>
-          <a:bodyPr rtlCol="0" anchor="ctr"/>
-          <a:lstStyle/>
-          <a:p>
-            <a:pPr algn="ctr"/>
-            <a:r>
-              <a:rPr lang="en-SG" dirty="0"/>
-              <a:t>1</a:t>
-            </a:r>
-          </a:p>
-        </p:txBody>
-      </p:sp>
-      <p:sp>
-        <p:nvSpPr>
-          <p:cNvPr id="84" name="Rectangle 83">
-            <a:extLst>
-              <a:ext uri="{FF2B5EF4-FFF2-40B4-BE49-F238E27FC236}">
-                <a16:creationId xmlns:a16="http://schemas.microsoft.com/office/drawing/2014/main" id="{93337966-EE62-4E40-99DA-FD7C501B8030}"/>
-              </a:ext>
-            </a:extLst>
-          </p:cNvPr>
-          <p:cNvSpPr/>
-          <p:nvPr/>
-        </p:nvSpPr>
-        <p:spPr>
-          <a:xfrm>
-            <a:off x="2516680" y="3583276"/>
-            <a:ext cx="208231" cy="275662"/>
-          </a:xfrm>
-          <a:prstGeom prst="rect">
+      </p:cxnSp>
+      <p:cxnSp>
+        <p:nvCxnSpPr>
+          <p:cNvPr id="111" name="Straight Connector 110">
+            <a:extLst>
+              <a:ext uri="{FF2B5EF4-FFF2-40B4-BE49-F238E27FC236}">
+                <a16:creationId xmlns:a16="http://schemas.microsoft.com/office/drawing/2014/main" id="{2AB28B55-D043-4B2A-9C2B-840EE2038536}"/>
+              </a:ext>
+            </a:extLst>
+          </p:cNvPr>
+          <p:cNvCxnSpPr>
+            <a:cxnSpLocks/>
+            <a:endCxn id="24" idx="0"/>
+          </p:cNvCxnSpPr>
+          <p:nvPr/>
+        </p:nvCxnSpPr>
+        <p:spPr>
+          <a:xfrm>
+            <a:off x="8502732" y="2452758"/>
+            <a:ext cx="0" cy="1408554"/>
+          </a:xfrm>
+          <a:prstGeom prst="line">
             <a:avLst/>
           </a:prstGeom>
         </p:spPr>
         <p:style>
-          <a:lnRef idx="2">
-            <a:schemeClr val="accent2"/>
+          <a:lnRef idx="1">
+            <a:schemeClr val="dk1"/>
           </a:lnRef>
-          <a:fillRef idx="1">
-            <a:schemeClr val="lt1"/>
+          <a:fillRef idx="0">
+            <a:schemeClr val="dk1"/>
           </a:fillRef>
           <a:effectRef idx="0">
-            <a:schemeClr val="accent2"/>
+            <a:schemeClr val="dk1"/>
           </a:effectRef>
           <a:fontRef idx="minor">
-            <a:schemeClr val="dk1"/>
+            <a:schemeClr val="tx1"/>
           </a:fontRef>
         </p:style>
-        <p:txBody>
-          <a:bodyPr rtlCol="0" anchor="ctr"/>
-          <a:lstStyle/>
-          <a:p>
-            <a:pPr algn="ctr"/>
-            <a:r>
-              <a:rPr lang="en-SG" dirty="0"/>
-              <a:t>8</a:t>
-            </a:r>
-          </a:p>
-        </p:txBody>
-      </p:sp>
-      <p:sp>
-        <p:nvSpPr>
-          <p:cNvPr id="86" name="Rectangle 85">
-            <a:extLst>
-              <a:ext uri="{FF2B5EF4-FFF2-40B4-BE49-F238E27FC236}">
-                <a16:creationId xmlns:a16="http://schemas.microsoft.com/office/drawing/2014/main" id="{9022FDC1-FBC0-4277-A847-D46F72AE3073}"/>
-              </a:ext>
-            </a:extLst>
-          </p:cNvPr>
-          <p:cNvSpPr/>
-          <p:nvPr/>
-        </p:nvSpPr>
-        <p:spPr>
-          <a:xfrm>
-            <a:off x="5026194" y="3674373"/>
-            <a:ext cx="208231" cy="275662"/>
-          </a:xfrm>
-          <a:prstGeom prst="rect">
-            <a:avLst/>
-          </a:prstGeom>
+      </p:cxnSp>
+      <p:cxnSp>
+        <p:nvCxnSpPr>
+          <p:cNvPr id="112" name="Straight Arrow Connector 111">
+            <a:extLst>
+              <a:ext uri="{FF2B5EF4-FFF2-40B4-BE49-F238E27FC236}">
+                <a16:creationId xmlns:a16="http://schemas.microsoft.com/office/drawing/2014/main" id="{B0C66D43-2B90-4A13-B565-7B5CA94D267C}"/>
+              </a:ext>
+            </a:extLst>
+          </p:cNvPr>
+          <p:cNvCxnSpPr>
+            <a:cxnSpLocks/>
+            <a:endCxn id="24" idx="1"/>
+          </p:cNvCxnSpPr>
+          <p:nvPr/>
+        </p:nvCxnSpPr>
+        <p:spPr>
+          <a:xfrm>
+            <a:off x="7184570" y="4122209"/>
+            <a:ext cx="770157" cy="0"/>
+          </a:xfrm>
+          <a:prstGeom prst="straightConnector1">
+            <a:avLst/>
+          </a:prstGeom>
+          <a:ln>
+            <a:tailEnd type="triangle"/>
+          </a:ln>
         </p:spPr>
         <p:style>
-          <a:lnRef idx="2">
-            <a:schemeClr val="accent2"/>
+          <a:lnRef idx="1">
+            <a:schemeClr val="dk1"/>
           </a:lnRef>
-          <a:fillRef idx="1">
-            <a:schemeClr val="lt1"/>
+          <a:fillRef idx="0">
+            <a:schemeClr val="dk1"/>
           </a:fillRef>
           <a:effectRef idx="0">
-            <a:schemeClr val="accent2"/>
+            <a:schemeClr val="dk1"/>
           </a:effectRef>
           <a:fontRef idx="minor">
-            <a:schemeClr val="dk1"/>
+            <a:schemeClr val="tx1"/>
           </a:fontRef>
         </p:style>
-        <p:txBody>
-          <a:bodyPr rtlCol="0" anchor="ctr"/>
-          <a:lstStyle/>
-          <a:p>
-            <a:pPr algn="ctr"/>
-            <a:r>
-              <a:rPr lang="en-SG" dirty="0"/>
-              <a:t>7</a:t>
-            </a:r>
-          </a:p>
-        </p:txBody>
-      </p:sp>
-      <p:sp>
-        <p:nvSpPr>
-          <p:cNvPr id="88" name="Rectangle 87">
-            <a:extLst>
-              <a:ext uri="{FF2B5EF4-FFF2-40B4-BE49-F238E27FC236}">
-                <a16:creationId xmlns:a16="http://schemas.microsoft.com/office/drawing/2014/main" id="{65D44A53-0CFF-4465-AE44-F6F52390CDAF}"/>
-              </a:ext>
-            </a:extLst>
-          </p:cNvPr>
-          <p:cNvSpPr/>
-          <p:nvPr/>
-        </p:nvSpPr>
-        <p:spPr>
-          <a:xfrm>
-            <a:off x="3370449" y="1726430"/>
-            <a:ext cx="208231" cy="275662"/>
-          </a:xfrm>
-          <a:prstGeom prst="rect">
-            <a:avLst/>
-          </a:prstGeom>
+      </p:cxnSp>
+      <p:cxnSp>
+        <p:nvCxnSpPr>
+          <p:cNvPr id="114" name="Straight Arrow Connector 113">
+            <a:extLst>
+              <a:ext uri="{FF2B5EF4-FFF2-40B4-BE49-F238E27FC236}">
+                <a16:creationId xmlns:a16="http://schemas.microsoft.com/office/drawing/2014/main" id="{700A37AD-2C69-4839-92F2-A42666E89791}"/>
+              </a:ext>
+            </a:extLst>
+          </p:cNvPr>
+          <p:cNvCxnSpPr>
+            <a:cxnSpLocks/>
+          </p:cNvCxnSpPr>
+          <p:nvPr/>
+        </p:nvCxnSpPr>
+        <p:spPr>
+          <a:xfrm>
+            <a:off x="5847316" y="4602404"/>
+            <a:ext cx="0" cy="823477"/>
+          </a:xfrm>
+          <a:prstGeom prst="straightConnector1">
+            <a:avLst/>
+          </a:prstGeom>
+          <a:ln>
+            <a:tailEnd type="triangle"/>
+          </a:ln>
         </p:spPr>
         <p:style>
-          <a:lnRef idx="2">
-            <a:schemeClr val="accent2"/>
+          <a:lnRef idx="1">
+            <a:schemeClr val="dk1"/>
           </a:lnRef>
-          <a:fillRef idx="1">
-            <a:schemeClr val="lt1"/>
+          <a:fillRef idx="0">
+            <a:schemeClr val="dk1"/>
           </a:fillRef>
           <a:effectRef idx="0">
-            <a:schemeClr val="accent2"/>
+            <a:schemeClr val="dk1"/>
           </a:effectRef>
           <a:fontRef idx="minor">
-            <a:schemeClr val="dk1"/>
+            <a:schemeClr val="tx1"/>
           </a:fontRef>
         </p:style>
-        <p:txBody>
-          <a:bodyPr rtlCol="0" anchor="ctr"/>
-          <a:lstStyle/>
-          <a:p>
-            <a:pPr algn="ctr"/>
-            <a:r>
-              <a:rPr lang="en-SG" dirty="0"/>
-              <a:t>5</a:t>
-            </a:r>
-          </a:p>
-        </p:txBody>
-      </p:sp>
-      <p:sp>
-        <p:nvSpPr>
-          <p:cNvPr id="96" name="Rectangle 95">
-            <a:extLst>
-              <a:ext uri="{FF2B5EF4-FFF2-40B4-BE49-F238E27FC236}">
-                <a16:creationId xmlns:a16="http://schemas.microsoft.com/office/drawing/2014/main" id="{76F62D2B-089B-44E5-8D5D-CDCAB5C418AC}"/>
-              </a:ext>
-            </a:extLst>
-          </p:cNvPr>
-          <p:cNvSpPr/>
-          <p:nvPr/>
-        </p:nvSpPr>
-        <p:spPr>
-          <a:xfrm>
-            <a:off x="8745222" y="1960616"/>
-            <a:ext cx="208231" cy="275662"/>
-          </a:xfrm>
-          <a:prstGeom prst="rect">
-            <a:avLst/>
-          </a:prstGeom>
+      </p:cxnSp>
+      <p:cxnSp>
+        <p:nvCxnSpPr>
+          <p:cNvPr id="120" name="Straight Arrow Connector 119">
+            <a:extLst>
+              <a:ext uri="{FF2B5EF4-FFF2-40B4-BE49-F238E27FC236}">
+                <a16:creationId xmlns:a16="http://schemas.microsoft.com/office/drawing/2014/main" id="{8D749BDE-D30C-4000-910D-2CEEA8AB65A2}"/>
+              </a:ext>
+            </a:extLst>
+          </p:cNvPr>
+          <p:cNvCxnSpPr>
+            <a:cxnSpLocks/>
+          </p:cNvCxnSpPr>
+          <p:nvPr/>
+        </p:nvCxnSpPr>
+        <p:spPr>
+          <a:xfrm flipV="1">
+            <a:off x="8502732" y="4383108"/>
+            <a:ext cx="0" cy="1400719"/>
+          </a:xfrm>
+          <a:prstGeom prst="straightConnector1">
+            <a:avLst/>
+          </a:prstGeom>
+          <a:ln>
+            <a:tailEnd type="triangle"/>
+          </a:ln>
         </p:spPr>
         <p:style>
-          <a:lnRef idx="2">
-            <a:schemeClr val="accent2"/>
+          <a:lnRef idx="1">
+            <a:schemeClr val="dk1"/>
           </a:lnRef>
-          <a:fillRef idx="1">
-            <a:schemeClr val="lt1"/>
+          <a:fillRef idx="0">
+            <a:schemeClr val="dk1"/>
           </a:fillRef>
           <a:effectRef idx="0">
-            <a:schemeClr val="accent2"/>
+            <a:schemeClr val="dk1"/>
           </a:effectRef>
           <a:fontRef idx="minor">
-            <a:schemeClr val="dk1"/>
+            <a:schemeClr val="tx1"/>
           </a:fontRef>
         </p:style>
-        <p:txBody>
-          <a:bodyPr rtlCol="0" anchor="ctr"/>
-          <a:lstStyle/>
-          <a:p>
-            <a:pPr algn="ctr"/>
-            <a:r>
-              <a:rPr lang="en-SG" dirty="0"/>
-              <a:t>4</a:t>
-            </a:r>
-          </a:p>
-        </p:txBody>
-      </p:sp>
-      <p:sp>
-        <p:nvSpPr>
-          <p:cNvPr id="97" name="Rectangle 96">
-            <a:extLst>
-              <a:ext uri="{FF2B5EF4-FFF2-40B4-BE49-F238E27FC236}">
-                <a16:creationId xmlns:a16="http://schemas.microsoft.com/office/drawing/2014/main" id="{B9453CE8-A98A-4F79-B99F-AAAFC74531AB}"/>
-              </a:ext>
-            </a:extLst>
-          </p:cNvPr>
-          <p:cNvSpPr/>
-          <p:nvPr/>
-        </p:nvSpPr>
-        <p:spPr>
-          <a:xfrm>
-            <a:off x="8515039" y="309661"/>
-            <a:ext cx="208231" cy="275662"/>
-          </a:xfrm>
-          <a:prstGeom prst="rect">
+      </p:cxnSp>
+      <p:cxnSp>
+        <p:nvCxnSpPr>
+          <p:cNvPr id="44" name="Straight Connector 43">
+            <a:extLst>
+              <a:ext uri="{FF2B5EF4-FFF2-40B4-BE49-F238E27FC236}">
+                <a16:creationId xmlns:a16="http://schemas.microsoft.com/office/drawing/2014/main" id="{E3267725-9577-4AEF-8F83-01E3DF82A1DA}"/>
+              </a:ext>
+            </a:extLst>
+          </p:cNvPr>
+          <p:cNvCxnSpPr>
+            <a:cxnSpLocks/>
+            <a:endCxn id="69" idx="3"/>
+          </p:cNvCxnSpPr>
+          <p:nvPr/>
+        </p:nvCxnSpPr>
+        <p:spPr>
+          <a:xfrm flipH="1">
+            <a:off x="6685899" y="5783827"/>
+            <a:ext cx="1816833" cy="0"/>
+          </a:xfrm>
+          <a:prstGeom prst="line">
             <a:avLst/>
           </a:prstGeom>
         </p:spPr>
         <p:style>
-          <a:lnRef idx="2">
-            <a:schemeClr val="accent2"/>
+          <a:lnRef idx="1">
+            <a:schemeClr val="dk1"/>
           </a:lnRef>
-          <a:fillRef idx="1">
-            <a:schemeClr val="lt1"/>
+          <a:fillRef idx="0">
+            <a:schemeClr val="dk1"/>
           </a:fillRef>
           <a:effectRef idx="0">
-            <a:schemeClr val="accent2"/>
+            <a:schemeClr val="dk1"/>
           </a:effectRef>
           <a:fontRef idx="minor">
-            <a:schemeClr val="dk1"/>
+            <a:schemeClr val="tx1"/>
           </a:fontRef>
         </p:style>
-        <p:txBody>
-          <a:bodyPr rtlCol="0" anchor="ctr"/>
-          <a:lstStyle/>
-          <a:p>
-            <a:pPr algn="ctr"/>
-            <a:r>
-              <a:rPr lang="en-SG" dirty="0"/>
-              <a:t>3</a:t>
-            </a:r>
-          </a:p>
-        </p:txBody>
-      </p:sp>
-      <p:sp>
-        <p:nvSpPr>
-          <p:cNvPr id="98" name="Rectangle 97">
-            <a:extLst>
-              <a:ext uri="{FF2B5EF4-FFF2-40B4-BE49-F238E27FC236}">
-                <a16:creationId xmlns:a16="http://schemas.microsoft.com/office/drawing/2014/main" id="{5A193838-625B-4CE6-A8CE-E0A553A78680}"/>
-              </a:ext>
-            </a:extLst>
-          </p:cNvPr>
-          <p:cNvSpPr/>
-          <p:nvPr/>
-        </p:nvSpPr>
-        <p:spPr>
-          <a:xfrm>
-            <a:off x="5396541" y="366249"/>
-            <a:ext cx="208231" cy="275662"/>
+      </p:cxnSp>
+      <p:sp>
+        <p:nvSpPr>
+          <p:cNvPr id="49" name="TextBox 48">
+            <a:extLst>
+              <a:ext uri="{FF2B5EF4-FFF2-40B4-BE49-F238E27FC236}">
+                <a16:creationId xmlns:a16="http://schemas.microsoft.com/office/drawing/2014/main" id="{752707C8-B530-4120-90E5-4B587901534F}"/>
+              </a:ext>
+            </a:extLst>
+          </p:cNvPr>
+          <p:cNvSpPr txBox="1"/>
+          <p:nvPr/>
+        </p:nvSpPr>
+        <p:spPr>
+          <a:xfrm>
+            <a:off x="5869440" y="4602404"/>
+            <a:ext cx="616952" cy="307777"/>
           </a:xfrm>
           <a:prstGeom prst="rect">
             <a:avLst/>
           </a:prstGeom>
-        </p:spPr>
-        <p:style>
-          <a:lnRef idx="2">
-            <a:schemeClr val="accent2"/>
-          </a:lnRef>
-          <a:fillRef idx="1">
-            <a:schemeClr val="lt1"/>
-          </a:fillRef>
-          <a:effectRef idx="0">
-            <a:schemeClr val="accent2"/>
-          </a:effectRef>
-          <a:fontRef idx="minor">
-            <a:schemeClr val="dk1"/>
-          </a:fontRef>
-        </p:style>
-        <p:txBody>
-          <a:bodyPr rtlCol="0" anchor="ctr"/>
-          <a:lstStyle/>
-          <a:p>
-            <a:pPr algn="ctr"/>
-            <a:r>
-              <a:rPr lang="en-SG" dirty="0"/>
-              <a:t>2</a:t>
-            </a:r>
-          </a:p>
-        </p:txBody>
-      </p:sp>
-      <p:sp>
-        <p:nvSpPr>
-          <p:cNvPr id="104" name="Rectangle 103">
-            <a:extLst>
-              <a:ext uri="{FF2B5EF4-FFF2-40B4-BE49-F238E27FC236}">
-                <a16:creationId xmlns:a16="http://schemas.microsoft.com/office/drawing/2014/main" id="{781B7B7F-8358-4613-AD00-73CD113912AE}"/>
-              </a:ext>
-            </a:extLst>
-          </p:cNvPr>
-          <p:cNvSpPr/>
-          <p:nvPr/>
-        </p:nvSpPr>
-        <p:spPr>
-          <a:xfrm>
-            <a:off x="8426152" y="4748696"/>
-            <a:ext cx="456587" cy="292406"/>
+          <a:noFill/>
+        </p:spPr>
+        <p:txBody>
+          <a:bodyPr wrap="square" rtlCol="0">
+            <a:spAutoFit/>
+          </a:bodyPr>
+          <a:lstStyle/>
+          <a:p>
+            <a:r>
+              <a:rPr lang="en-SG" sz="1400" b="1" dirty="0"/>
+              <a:t>True</a:t>
+            </a:r>
+          </a:p>
+        </p:txBody>
+      </p:sp>
+      <p:sp>
+        <p:nvSpPr>
+          <p:cNvPr id="50" name="TextBox 49">
+            <a:extLst>
+              <a:ext uri="{FF2B5EF4-FFF2-40B4-BE49-F238E27FC236}">
+                <a16:creationId xmlns:a16="http://schemas.microsoft.com/office/drawing/2014/main" id="{652F05FF-DF57-4B0C-B94F-BDD55501E9DE}"/>
+              </a:ext>
+            </a:extLst>
+          </p:cNvPr>
+          <p:cNvSpPr txBox="1"/>
+          <p:nvPr/>
+        </p:nvSpPr>
+        <p:spPr>
+          <a:xfrm>
+            <a:off x="7033512" y="3793698"/>
+            <a:ext cx="616952" cy="307777"/>
           </a:xfrm>
           <a:prstGeom prst="rect">
             <a:avLst/>
           </a:prstGeom>
-        </p:spPr>
-        <p:style>
-          <a:lnRef idx="2">
-            <a:schemeClr val="accent2"/>
-          </a:lnRef>
-          <a:fillRef idx="1">
-            <a:schemeClr val="lt1"/>
-          </a:fillRef>
-          <a:effectRef idx="0">
-            <a:schemeClr val="accent2"/>
-          </a:effectRef>
-          <a:fontRef idx="minor">
-            <a:schemeClr val="dk1"/>
-          </a:fontRef>
-        </p:style>
-        <p:txBody>
-          <a:bodyPr rtlCol="0" anchor="ctr"/>
-          <a:lstStyle/>
-          <a:p>
-            <a:pPr algn="ctr"/>
-            <a:r>
-              <a:rPr lang="en-SG" dirty="0"/>
-              <a:t>10</a:t>
-            </a:r>
-          </a:p>
-        </p:txBody>
-      </p:sp>
-      <p:sp>
-        <p:nvSpPr>
-          <p:cNvPr id="105" name="Rectangle 104">
-            <a:extLst>
-              <a:ext uri="{FF2B5EF4-FFF2-40B4-BE49-F238E27FC236}">
-                <a16:creationId xmlns:a16="http://schemas.microsoft.com/office/drawing/2014/main" id="{761C967B-2E23-47D6-B662-D5EE22EF7985}"/>
-              </a:ext>
-            </a:extLst>
-          </p:cNvPr>
-          <p:cNvSpPr/>
-          <p:nvPr/>
-        </p:nvSpPr>
-        <p:spPr>
-          <a:xfrm>
-            <a:off x="8306808" y="3691070"/>
-            <a:ext cx="208231" cy="275662"/>
-          </a:xfrm>
-          <a:prstGeom prst="rect">
-            <a:avLst/>
-          </a:prstGeom>
-        </p:spPr>
-        <p:style>
-          <a:lnRef idx="2">
-            <a:schemeClr val="accent2"/>
-          </a:lnRef>
-          <a:fillRef idx="1">
-            <a:schemeClr val="lt1"/>
-          </a:fillRef>
-          <a:effectRef idx="0">
-            <a:schemeClr val="accent2"/>
-          </a:effectRef>
-          <a:fontRef idx="minor">
-            <a:schemeClr val="dk1"/>
-          </a:fontRef>
-        </p:style>
-        <p:txBody>
-          <a:bodyPr rtlCol="0" anchor="ctr"/>
-          <a:lstStyle/>
-          <a:p>
-            <a:pPr algn="ctr"/>
-            <a:r>
-              <a:rPr lang="en-SG" dirty="0"/>
-              <a:t>9</a:t>
-            </a:r>
-          </a:p>
-        </p:txBody>
-      </p:sp>
-      <p:sp>
-        <p:nvSpPr>
-          <p:cNvPr id="106" name="Rectangle 105">
-            <a:extLst>
-              <a:ext uri="{FF2B5EF4-FFF2-40B4-BE49-F238E27FC236}">
-                <a16:creationId xmlns:a16="http://schemas.microsoft.com/office/drawing/2014/main" id="{C2036BB4-5D19-4981-8148-85939DBE8813}"/>
-              </a:ext>
-            </a:extLst>
-          </p:cNvPr>
-          <p:cNvSpPr/>
-          <p:nvPr/>
-        </p:nvSpPr>
-        <p:spPr>
-          <a:xfrm>
-            <a:off x="4516802" y="4625488"/>
-            <a:ext cx="456587" cy="292406"/>
-          </a:xfrm>
-          <a:prstGeom prst="rect">
-            <a:avLst/>
-          </a:prstGeom>
-        </p:spPr>
-        <p:style>
-          <a:lnRef idx="2">
-            <a:schemeClr val="accent2"/>
-          </a:lnRef>
-          <a:fillRef idx="1">
-            <a:schemeClr val="lt1"/>
-          </a:fillRef>
-          <a:effectRef idx="0">
-            <a:schemeClr val="accent2"/>
-          </a:effectRef>
-          <a:fontRef idx="minor">
-            <a:schemeClr val="dk1"/>
-          </a:fontRef>
-        </p:style>
-        <p:txBody>
-          <a:bodyPr rtlCol="0" anchor="ctr"/>
-          <a:lstStyle/>
-          <a:p>
-            <a:pPr algn="ctr"/>
-            <a:r>
-              <a:rPr lang="en-SG" dirty="0"/>
-              <a:t>11</a:t>
-            </a:r>
-          </a:p>
-        </p:txBody>
-      </p:sp>
-      <p:sp>
-        <p:nvSpPr>
-          <p:cNvPr id="107" name="Rectangle 106">
-            <a:extLst>
-              <a:ext uri="{FF2B5EF4-FFF2-40B4-BE49-F238E27FC236}">
-                <a16:creationId xmlns:a16="http://schemas.microsoft.com/office/drawing/2014/main" id="{56865E07-4788-40D8-B50F-EE9634031EAA}"/>
-              </a:ext>
-            </a:extLst>
-          </p:cNvPr>
-          <p:cNvSpPr/>
-          <p:nvPr/>
-        </p:nvSpPr>
-        <p:spPr>
-          <a:xfrm>
-            <a:off x="8405543" y="5777944"/>
-            <a:ext cx="456587" cy="292406"/>
-          </a:xfrm>
-          <a:prstGeom prst="rect">
-            <a:avLst/>
-          </a:prstGeom>
-        </p:spPr>
-        <p:style>
-          <a:lnRef idx="2">
-            <a:schemeClr val="accent2"/>
-          </a:lnRef>
-          <a:fillRef idx="1">
-            <a:schemeClr val="lt1"/>
-          </a:fillRef>
-          <a:effectRef idx="0">
-            <a:schemeClr val="accent2"/>
-          </a:effectRef>
-          <a:fontRef idx="minor">
-            <a:schemeClr val="dk1"/>
-          </a:fontRef>
-        </p:style>
-        <p:txBody>
-          <a:bodyPr rtlCol="0" anchor="ctr"/>
-          <a:lstStyle/>
-          <a:p>
-            <a:pPr algn="ctr"/>
-            <a:r>
-              <a:rPr lang="en-SG" dirty="0"/>
-              <a:t>12</a:t>
-            </a:r>
-          </a:p>
-        </p:txBody>
-      </p:sp>
-      <p:sp>
-        <p:nvSpPr>
-          <p:cNvPr id="108" name="Rectangle 107">
-            <a:extLst>
-              <a:ext uri="{FF2B5EF4-FFF2-40B4-BE49-F238E27FC236}">
-                <a16:creationId xmlns:a16="http://schemas.microsoft.com/office/drawing/2014/main" id="{BAF695C4-B56A-45C1-843D-D57A4311D247}"/>
-              </a:ext>
-            </a:extLst>
-          </p:cNvPr>
-          <p:cNvSpPr/>
-          <p:nvPr/>
-        </p:nvSpPr>
-        <p:spPr>
-          <a:xfrm>
-            <a:off x="4902015" y="6039049"/>
-            <a:ext cx="456587" cy="292406"/>
-          </a:xfrm>
-          <a:prstGeom prst="rect">
-            <a:avLst/>
-          </a:prstGeom>
-        </p:spPr>
-        <p:style>
-          <a:lnRef idx="2">
-            <a:schemeClr val="accent2"/>
-          </a:lnRef>
-          <a:fillRef idx="1">
-            <a:schemeClr val="lt1"/>
-          </a:fillRef>
-          <a:effectRef idx="0">
-            <a:schemeClr val="accent2"/>
-          </a:effectRef>
-          <a:fontRef idx="minor">
-            <a:schemeClr val="dk1"/>
-          </a:fontRef>
-        </p:style>
-        <p:txBody>
-          <a:bodyPr rtlCol="0" anchor="ctr"/>
-          <a:lstStyle/>
-          <a:p>
-            <a:pPr algn="ctr"/>
-            <a:r>
-              <a:rPr lang="en-SG" dirty="0"/>
-              <a:t>13</a:t>
-            </a:r>
-          </a:p>
-        </p:txBody>
-      </p:sp>
-      <p:sp>
-        <p:nvSpPr>
-          <p:cNvPr id="41" name="Rectangle 40">
-            <a:extLst>
-              <a:ext uri="{FF2B5EF4-FFF2-40B4-BE49-F238E27FC236}">
-                <a16:creationId xmlns:a16="http://schemas.microsoft.com/office/drawing/2014/main" id="{0AFE8B14-6E68-4935-9415-14D5835FEF2B}"/>
-              </a:ext>
-            </a:extLst>
-          </p:cNvPr>
-          <p:cNvSpPr/>
-          <p:nvPr/>
-        </p:nvSpPr>
-        <p:spPr>
-          <a:xfrm>
-            <a:off x="3214522" y="2619800"/>
-            <a:ext cx="2310245" cy="527230"/>
-          </a:xfrm>
-          <a:prstGeom prst="rect">
-            <a:avLst/>
-          </a:prstGeom>
-          <a:solidFill>
-            <a:schemeClr val="bg1"/>
-          </a:solidFill>
-          <a:ln>
-            <a:solidFill>
-              <a:schemeClr val="tx1"/>
-            </a:solidFill>
-          </a:ln>
-        </p:spPr>
-        <p:style>
-          <a:lnRef idx="2">
-            <a:schemeClr val="accent1">
-              <a:shade val="50000"/>
-            </a:schemeClr>
-          </a:lnRef>
-          <a:fillRef idx="1">
-            <a:schemeClr val="accent1"/>
-          </a:fillRef>
-          <a:effectRef idx="0">
-            <a:schemeClr val="accent1"/>
-          </a:effectRef>
-          <a:fontRef idx="minor">
-            <a:schemeClr val="lt1"/>
-          </a:fontRef>
-        </p:style>
-        <p:txBody>
-          <a:bodyPr rtlCol="0" anchor="ctr"/>
-          <a:lstStyle/>
-          <a:p>
-            <a:pPr algn="ctr"/>
-            <a:r>
-              <a:rPr lang="en-SG" sz="1400" dirty="0">
-                <a:solidFill>
-                  <a:schemeClr val="tx1"/>
-                </a:solidFill>
-              </a:rPr>
-              <a:t>Rate no. of stars &amp; </a:t>
-            </a:r>
-          </a:p>
-          <a:p>
-            <a:pPr algn="ctr"/>
-            <a:r>
-              <a:rPr lang="en-SG" sz="1400" dirty="0">
-                <a:solidFill>
-                  <a:schemeClr val="tx1"/>
-                </a:solidFill>
-              </a:rPr>
-              <a:t>Input Feedback Details</a:t>
-            </a:r>
-          </a:p>
-        </p:txBody>
-      </p:sp>
-      <p:sp>
-        <p:nvSpPr>
-          <p:cNvPr id="87" name="Rectangle 86">
-            <a:extLst>
-              <a:ext uri="{FF2B5EF4-FFF2-40B4-BE49-F238E27FC236}">
-                <a16:creationId xmlns:a16="http://schemas.microsoft.com/office/drawing/2014/main" id="{1F5D32BA-0A46-4B23-8D6C-C31E7CDCD3FB}"/>
-              </a:ext>
-            </a:extLst>
-          </p:cNvPr>
-          <p:cNvSpPr/>
-          <p:nvPr/>
-        </p:nvSpPr>
-        <p:spPr>
-          <a:xfrm>
-            <a:off x="5390824" y="2488235"/>
-            <a:ext cx="208231" cy="275662"/>
-          </a:xfrm>
-          <a:prstGeom prst="rect">
-            <a:avLst/>
-          </a:prstGeom>
-        </p:spPr>
-        <p:style>
-          <a:lnRef idx="2">
-            <a:schemeClr val="accent2"/>
-          </a:lnRef>
-          <a:fillRef idx="1">
-            <a:schemeClr val="lt1"/>
-          </a:fillRef>
-          <a:effectRef idx="0">
-            <a:schemeClr val="accent2"/>
-          </a:effectRef>
-          <a:fontRef idx="minor">
-            <a:schemeClr val="dk1"/>
-          </a:fontRef>
-        </p:style>
-        <p:txBody>
-          <a:bodyPr rtlCol="0" anchor="ctr"/>
-          <a:lstStyle/>
-          <a:p>
-            <a:pPr algn="ctr"/>
-            <a:r>
-              <a:rPr lang="en-SG" dirty="0"/>
-              <a:t>6</a:t>
+          <a:noFill/>
+        </p:spPr>
+        <p:txBody>
+          <a:bodyPr wrap="square" rtlCol="0">
+            <a:spAutoFit/>
+          </a:bodyPr>
+          <a:lstStyle/>
+          <a:p>
+            <a:r>
+              <a:rPr lang="en-SG" sz="1400" b="1" dirty="0"/>
+              <a:t>False</a:t>
             </a:r>
           </a:p>
         </p:txBody>
@@ -7876,7 +6399,7 @@
     </p:spTree>
     <p:extLst>
       <p:ext uri="{BB962C8B-B14F-4D97-AF65-F5344CB8AC3E}">
-        <p14:creationId xmlns:p14="http://schemas.microsoft.com/office/powerpoint/2010/main" val="3499214259"/>
+        <p14:creationId xmlns:p14="http://schemas.microsoft.com/office/powerpoint/2010/main" val="1879037260"/>
       </p:ext>
     </p:extLst>
   </p:cSld>
